--- a/Documentation/Presentation/docs-presentation-gs.pptx
+++ b/Documentation/Presentation/docs-presentation-gs.pptx
@@ -5,17 +5,22 @@
     <p:sldMasterId id="2147483660" r:id="rId1"/>
   </p:sldMasterIdLst>
   <p:notesMasterIdLst>
-    <p:notesMasterId r:id="rId10"/>
+    <p:notesMasterId r:id="rId15"/>
   </p:notesMasterIdLst>
   <p:sldIdLst>
-    <p:sldId id="260" r:id="rId2"/>
-    <p:sldId id="261" r:id="rId3"/>
-    <p:sldId id="262" r:id="rId4"/>
-    <p:sldId id="263" r:id="rId5"/>
-    <p:sldId id="264" r:id="rId6"/>
-    <p:sldId id="265" r:id="rId7"/>
-    <p:sldId id="266" r:id="rId8"/>
-    <p:sldId id="267" r:id="rId9"/>
+    <p:sldId id="268" r:id="rId2"/>
+    <p:sldId id="260" r:id="rId3"/>
+    <p:sldId id="270" r:id="rId4"/>
+    <p:sldId id="272" r:id="rId5"/>
+    <p:sldId id="271" r:id="rId6"/>
+    <p:sldId id="263" r:id="rId7"/>
+    <p:sldId id="269" r:id="rId8"/>
+    <p:sldId id="261" r:id="rId9"/>
+    <p:sldId id="262" r:id="rId10"/>
+    <p:sldId id="264" r:id="rId11"/>
+    <p:sldId id="265" r:id="rId12"/>
+    <p:sldId id="266" r:id="rId13"/>
+    <p:sldId id="267" r:id="rId14"/>
   </p:sldIdLst>
   <p:sldSz cx="12192000" cy="6858000"/>
   <p:notesSz cx="6858000" cy="9144000"/>
@@ -516,10 +521,7 @@
           <a:bodyPr/>
           <a:lstStyle/>
           <a:p>
-            <a:r>
-              <a:rPr lang="en-ZA" dirty="0"/>
-              <a:t>Damian</a:t>
-            </a:r>
+            <a:endParaRPr lang="en-ZA" dirty="0"/>
           </a:p>
         </p:txBody>
       </p:sp>
@@ -549,7 +551,7 @@
     </p:spTree>
     <p:extLst>
       <p:ext uri="{BB962C8B-B14F-4D97-AF65-F5344CB8AC3E}">
-        <p14:creationId xmlns:p14="http://schemas.microsoft.com/office/powerpoint/2010/main" val="1270720566"/>
+        <p14:creationId xmlns:p14="http://schemas.microsoft.com/office/powerpoint/2010/main" val="965694228"/>
       </p:ext>
     </p:extLst>
   </p:cSld>
@@ -603,7 +605,10 @@
           <a:bodyPr/>
           <a:lstStyle/>
           <a:p>
-            <a:endParaRPr lang="en-ZA"/>
+            <a:r>
+              <a:rPr lang="en-ZA" dirty="0"/>
+              <a:t>Damian</a:t>
+            </a:r>
           </a:p>
         </p:txBody>
       </p:sp>
@@ -625,6 +630,90 @@
             <a:fld id="{1D3658D1-CD45-44D5-81C0-61D4BA0AFDA4}" type="slidenum">
               <a:rPr lang="en-ZA" smtClean="0"/>
               <a:t>2</a:t>
+            </a:fld>
+            <a:endParaRPr lang="en-ZA"/>
+          </a:p>
+        </p:txBody>
+      </p:sp>
+    </p:spTree>
+    <p:extLst>
+      <p:ext uri="{BB962C8B-B14F-4D97-AF65-F5344CB8AC3E}">
+        <p14:creationId xmlns:p14="http://schemas.microsoft.com/office/powerpoint/2010/main" val="1270720566"/>
+      </p:ext>
+    </p:extLst>
+  </p:cSld>
+  <p:clrMapOvr>
+    <a:masterClrMapping/>
+  </p:clrMapOvr>
+</p:notes>
+</file>
+
+<file path=ppt/notesSlides/notesSlide3.xml><?xml version="1.0" encoding="utf-8"?>
+<p:notes xmlns:a="http://schemas.openxmlformats.org/drawingml/2006/main" xmlns:r="http://schemas.openxmlformats.org/officeDocument/2006/relationships" xmlns:p="http://schemas.openxmlformats.org/presentationml/2006/main">
+  <p:cSld>
+    <p:spTree>
+      <p:nvGrpSpPr>
+        <p:cNvPr id="1" name=""/>
+        <p:cNvGrpSpPr/>
+        <p:nvPr/>
+      </p:nvGrpSpPr>
+      <p:grpSpPr>
+        <a:xfrm>
+          <a:off x="0" y="0"/>
+          <a:ext cx="0" cy="0"/>
+          <a:chOff x="0" y="0"/>
+          <a:chExt cx="0" cy="0"/>
+        </a:xfrm>
+      </p:grpSpPr>
+      <p:sp>
+        <p:nvSpPr>
+          <p:cNvPr id="2" name="Slide Image Placeholder 1"/>
+          <p:cNvSpPr>
+            <a:spLocks noGrp="1" noRot="1" noChangeAspect="1"/>
+          </p:cNvSpPr>
+          <p:nvPr>
+            <p:ph type="sldImg"/>
+          </p:nvPr>
+        </p:nvSpPr>
+        <p:spPr/>
+      </p:sp>
+      <p:sp>
+        <p:nvSpPr>
+          <p:cNvPr id="3" name="Notes Placeholder 2"/>
+          <p:cNvSpPr>
+            <a:spLocks noGrp="1"/>
+          </p:cNvSpPr>
+          <p:nvPr>
+            <p:ph type="body" idx="1"/>
+          </p:nvPr>
+        </p:nvSpPr>
+        <p:spPr/>
+        <p:txBody>
+          <a:bodyPr/>
+          <a:lstStyle/>
+          <a:p>
+            <a:endParaRPr lang="en-ZA"/>
+          </a:p>
+        </p:txBody>
+      </p:sp>
+      <p:sp>
+        <p:nvSpPr>
+          <p:cNvPr id="4" name="Slide Number Placeholder 3"/>
+          <p:cNvSpPr>
+            <a:spLocks noGrp="1"/>
+          </p:cNvSpPr>
+          <p:nvPr>
+            <p:ph type="sldNum" sz="quarter" idx="5"/>
+          </p:nvPr>
+        </p:nvSpPr>
+        <p:spPr/>
+        <p:txBody>
+          <a:bodyPr/>
+          <a:lstStyle/>
+          <a:p>
+            <a:fld id="{1D3658D1-CD45-44D5-81C0-61D4BA0AFDA4}" type="slidenum">
+              <a:rPr lang="en-ZA" smtClean="0"/>
+              <a:t>8</a:t>
             </a:fld>
             <a:endParaRPr lang="en-ZA"/>
           </a:p>
@@ -6247,6 +6336,2313 @@
 </file>
 
 <file path=ppt/slides/slide1.xml><?xml version="1.0" encoding="utf-8"?>
+<p:sld xmlns:a="http://schemas.openxmlformats.org/drawingml/2006/main" xmlns:r="http://schemas.openxmlformats.org/officeDocument/2006/relationships" xmlns:p="http://schemas.openxmlformats.org/presentationml/2006/main">
+  <p:cSld>
+    <p:spTree>
+      <p:nvGrpSpPr>
+        <p:cNvPr id="1" name=""/>
+        <p:cNvGrpSpPr/>
+        <p:nvPr/>
+      </p:nvGrpSpPr>
+      <p:grpSpPr>
+        <a:xfrm>
+          <a:off x="0" y="0"/>
+          <a:ext cx="0" cy="0"/>
+          <a:chOff x="0" y="0"/>
+          <a:chExt cx="0" cy="0"/>
+        </a:xfrm>
+      </p:grpSpPr>
+      <p:sp>
+        <p:nvSpPr>
+          <p:cNvPr id="2" name="Title 1">
+            <a:extLst>
+              <a:ext uri="{FF2B5EF4-FFF2-40B4-BE49-F238E27FC236}">
+                <a16:creationId xmlns:a16="http://schemas.microsoft.com/office/drawing/2014/main" id="{6EE52222-C60F-4AB8-2A38-B9BAA2297A35}"/>
+              </a:ext>
+            </a:extLst>
+          </p:cNvPr>
+          <p:cNvSpPr>
+            <a:spLocks noGrp="1"/>
+          </p:cNvSpPr>
+          <p:nvPr>
+            <p:ph type="title"/>
+          </p:nvPr>
+        </p:nvSpPr>
+        <p:spPr/>
+        <p:txBody>
+          <a:bodyPr/>
+          <a:lstStyle/>
+          <a:p>
+            <a:r>
+              <a:rPr lang="en-US" dirty="0"/>
+              <a:t>Introduction</a:t>
+            </a:r>
+            <a:endParaRPr lang="en-ZA" dirty="0"/>
+          </a:p>
+        </p:txBody>
+      </p:sp>
+      <p:sp>
+        <p:nvSpPr>
+          <p:cNvPr id="3" name="Content Placeholder 2">
+            <a:extLst>
+              <a:ext uri="{FF2B5EF4-FFF2-40B4-BE49-F238E27FC236}">
+                <a16:creationId xmlns:a16="http://schemas.microsoft.com/office/drawing/2014/main" id="{C7082C32-F763-7AD9-8C92-77B1C3C47E59}"/>
+              </a:ext>
+            </a:extLst>
+          </p:cNvPr>
+          <p:cNvSpPr>
+            <a:spLocks noGrp="1"/>
+          </p:cNvSpPr>
+          <p:nvPr>
+            <p:ph idx="1"/>
+          </p:nvPr>
+        </p:nvSpPr>
+        <p:spPr/>
+        <p:txBody>
+          <a:bodyPr/>
+          <a:lstStyle/>
+          <a:p>
+            <a:r>
+              <a:rPr lang="en-US" dirty="0"/>
+              <a:t>The team and why we chose to help with this application need</a:t>
+            </a:r>
+            <a:endParaRPr lang="en-ZA" dirty="0"/>
+          </a:p>
+        </p:txBody>
+      </p:sp>
+    </p:spTree>
+    <p:extLst>
+      <p:ext uri="{BB962C8B-B14F-4D97-AF65-F5344CB8AC3E}">
+        <p14:creationId xmlns:p14="http://schemas.microsoft.com/office/powerpoint/2010/main" val="531369417"/>
+      </p:ext>
+    </p:extLst>
+  </p:cSld>
+  <p:clrMapOvr>
+    <a:masterClrMapping/>
+  </p:clrMapOvr>
+</p:sld>
+</file>
+
+<file path=ppt/slides/slide10.xml><?xml version="1.0" encoding="utf-8"?>
+<p:sld xmlns:a="http://schemas.openxmlformats.org/drawingml/2006/main" xmlns:r="http://schemas.openxmlformats.org/officeDocument/2006/relationships" xmlns:p="http://schemas.openxmlformats.org/presentationml/2006/main">
+  <p:cSld>
+    <p:spTree>
+      <p:nvGrpSpPr>
+        <p:cNvPr id="1" name="">
+          <a:extLst>
+            <a:ext uri="{FF2B5EF4-FFF2-40B4-BE49-F238E27FC236}">
+              <a16:creationId xmlns:a16="http://schemas.microsoft.com/office/drawing/2014/main" id="{D4562405-B359-EB81-65D9-E9EF06F83BB7}"/>
+            </a:ext>
+          </a:extLst>
+        </p:cNvPr>
+        <p:cNvGrpSpPr/>
+        <p:nvPr/>
+      </p:nvGrpSpPr>
+      <p:grpSpPr>
+        <a:xfrm>
+          <a:off x="0" y="0"/>
+          <a:ext cx="0" cy="0"/>
+          <a:chOff x="0" y="0"/>
+          <a:chExt cx="0" cy="0"/>
+        </a:xfrm>
+      </p:grpSpPr>
+      <p:sp>
+        <p:nvSpPr>
+          <p:cNvPr id="4" name="TextBox 3">
+            <a:extLst>
+              <a:ext uri="{FF2B5EF4-FFF2-40B4-BE49-F238E27FC236}">
+                <a16:creationId xmlns:a16="http://schemas.microsoft.com/office/drawing/2014/main" id="{4896659A-CB48-EFE8-2EA5-A9F5CD77BD39}"/>
+              </a:ext>
+            </a:extLst>
+          </p:cNvPr>
+          <p:cNvSpPr txBox="1"/>
+          <p:nvPr/>
+        </p:nvSpPr>
+        <p:spPr>
+          <a:xfrm>
+            <a:off x="3727450" y="0"/>
+            <a:ext cx="4737100" cy="369332"/>
+          </a:xfrm>
+          <a:prstGeom prst="rect">
+            <a:avLst/>
+          </a:prstGeom>
+          <a:noFill/>
+        </p:spPr>
+        <p:txBody>
+          <a:bodyPr wrap="square" rtlCol="0">
+            <a:spAutoFit/>
+          </a:bodyPr>
+          <a:lstStyle/>
+          <a:p>
+            <a:r>
+              <a:rPr lang="en-GB" sz="1800" dirty="0">
+                <a:effectLst/>
+                <a:latin typeface="Cascadia Code" panose="020B0609020000020004" pitchFamily="49" charset="0"/>
+                <a:ea typeface="Calibri" panose="020F0502020204030204" pitchFamily="34" charset="0"/>
+                <a:cs typeface="Cascadia Code" panose="020B0609020000020004" pitchFamily="49" charset="0"/>
+              </a:rPr>
+              <a:t>Documentation: Implementation Docs</a:t>
+            </a:r>
+            <a:endParaRPr lang="en-ZA" sz="1800" dirty="0">
+              <a:effectLst/>
+              <a:latin typeface="Cascadia Code" panose="020B0609020000020004" pitchFamily="49" charset="0"/>
+              <a:ea typeface="Calibri" panose="020F0502020204030204" pitchFamily="34" charset="0"/>
+              <a:cs typeface="Cascadia Code" panose="020B0609020000020004" pitchFamily="49" charset="0"/>
+            </a:endParaRPr>
+          </a:p>
+        </p:txBody>
+      </p:sp>
+      <p:sp>
+        <p:nvSpPr>
+          <p:cNvPr id="5" name="TextBox 4">
+            <a:extLst>
+              <a:ext uri="{FF2B5EF4-FFF2-40B4-BE49-F238E27FC236}">
+                <a16:creationId xmlns:a16="http://schemas.microsoft.com/office/drawing/2014/main" id="{ADCFA319-9E60-179B-24E4-33BEF184C864}"/>
+              </a:ext>
+            </a:extLst>
+          </p:cNvPr>
+          <p:cNvSpPr txBox="1"/>
+          <p:nvPr/>
+        </p:nvSpPr>
+        <p:spPr>
+          <a:xfrm>
+            <a:off x="228600" y="495300"/>
+            <a:ext cx="5448301" cy="6432530"/>
+          </a:xfrm>
+          <a:prstGeom prst="rect">
+            <a:avLst/>
+          </a:prstGeom>
+          <a:noFill/>
+        </p:spPr>
+        <p:txBody>
+          <a:bodyPr wrap="square" rtlCol="0">
+            <a:spAutoFit/>
+          </a:bodyPr>
+          <a:lstStyle/>
+          <a:p>
+            <a:r>
+              <a:rPr lang="en-GB" sz="1600" b="1" dirty="0">
+                <a:solidFill>
+                  <a:srgbClr val="00B0F0"/>
+                </a:solidFill>
+                <a:latin typeface="Cascadia Code" panose="020B0609020000020004" pitchFamily="49" charset="0"/>
+                <a:cs typeface="Cascadia Code" panose="020B0609020000020004" pitchFamily="49" charset="0"/>
+              </a:rPr>
+              <a:t>System Architecture</a:t>
+            </a:r>
+          </a:p>
+          <a:p>
+            <a:pPr marL="285750" indent="-285750">
+              <a:buFont typeface="Arial" panose="020B0604020202020204" pitchFamily="34" charset="0"/>
+              <a:buChar char="•"/>
+            </a:pPr>
+            <a:r>
+              <a:rPr lang="en-GB" sz="1600" b="1" dirty="0">
+                <a:solidFill>
+                  <a:srgbClr val="00B0F0"/>
+                </a:solidFill>
+                <a:latin typeface="Cascadia Code" panose="020B0609020000020004" pitchFamily="49" charset="0"/>
+                <a:cs typeface="Cascadia Code" panose="020B0609020000020004" pitchFamily="49" charset="0"/>
+              </a:rPr>
+              <a:t>Frontend</a:t>
+            </a:r>
+            <a:r>
+              <a:rPr lang="en-GB" sz="1600" dirty="0">
+                <a:solidFill>
+                  <a:srgbClr val="00B0F0"/>
+                </a:solidFill>
+                <a:latin typeface="Cascadia Code" panose="020B0609020000020004" pitchFamily="49" charset="0"/>
+                <a:cs typeface="Cascadia Code" panose="020B0609020000020004" pitchFamily="49" charset="0"/>
+              </a:rPr>
+              <a:t>:</a:t>
+            </a:r>
+            <a:r>
+              <a:rPr lang="en-GB" sz="1600" dirty="0">
+                <a:latin typeface="Cascadia Code" panose="020B0609020000020004" pitchFamily="49" charset="0"/>
+                <a:cs typeface="Cascadia Code" panose="020B0609020000020004" pitchFamily="49" charset="0"/>
+              </a:rPr>
+              <a:t> Modern frameworks for a responsive interface.</a:t>
+            </a:r>
+          </a:p>
+          <a:p>
+            <a:pPr marL="285750" indent="-285750">
+              <a:buFont typeface="Arial" panose="020B0604020202020204" pitchFamily="34" charset="0"/>
+              <a:buChar char="•"/>
+            </a:pPr>
+            <a:r>
+              <a:rPr lang="en-GB" sz="1600" dirty="0">
+                <a:solidFill>
+                  <a:srgbClr val="00B0F0"/>
+                </a:solidFill>
+                <a:latin typeface="Cascadia Code" panose="020B0609020000020004" pitchFamily="49" charset="0"/>
+                <a:cs typeface="Cascadia Code" panose="020B0609020000020004" pitchFamily="49" charset="0"/>
+              </a:rPr>
+              <a:t>Backend: </a:t>
+            </a:r>
+            <a:r>
+              <a:rPr lang="en-GB" sz="1600" dirty="0">
+                <a:latin typeface="Cascadia Code" panose="020B0609020000020004" pitchFamily="49" charset="0"/>
+                <a:cs typeface="Cascadia Code" panose="020B0609020000020004" pitchFamily="49" charset="0"/>
+              </a:rPr>
+              <a:t>RESTful API for business logic and database interactions.</a:t>
+            </a:r>
+          </a:p>
+          <a:p>
+            <a:pPr marL="285750" indent="-285750">
+              <a:buFont typeface="Arial" panose="020B0604020202020204" pitchFamily="34" charset="0"/>
+              <a:buChar char="•"/>
+            </a:pPr>
+            <a:r>
+              <a:rPr lang="en-GB" sz="1600" b="1" dirty="0">
+                <a:solidFill>
+                  <a:srgbClr val="00B0F0"/>
+                </a:solidFill>
+                <a:latin typeface="Cascadia Code" panose="020B0609020000020004" pitchFamily="49" charset="0"/>
+                <a:cs typeface="Cascadia Code" panose="020B0609020000020004" pitchFamily="49" charset="0"/>
+              </a:rPr>
+              <a:t>Database</a:t>
+            </a:r>
+            <a:r>
+              <a:rPr lang="en-GB" sz="1600" dirty="0">
+                <a:solidFill>
+                  <a:srgbClr val="00B0F0"/>
+                </a:solidFill>
+                <a:latin typeface="Cascadia Code" panose="020B0609020000020004" pitchFamily="49" charset="0"/>
+                <a:cs typeface="Cascadia Code" panose="020B0609020000020004" pitchFamily="49" charset="0"/>
+              </a:rPr>
+              <a:t>: </a:t>
+            </a:r>
+            <a:r>
+              <a:rPr lang="en-GB" sz="1600" dirty="0">
+                <a:latin typeface="Cascadia Code" panose="020B0609020000020004" pitchFamily="49" charset="0"/>
+                <a:cs typeface="Cascadia Code" panose="020B0609020000020004" pitchFamily="49" charset="0"/>
+              </a:rPr>
+              <a:t>Cloud-hosted relational database for secure data storage.</a:t>
+            </a:r>
+          </a:p>
+          <a:p>
+            <a:pPr marL="285750" indent="-285750">
+              <a:buFont typeface="Arial" panose="020B0604020202020204" pitchFamily="34" charset="0"/>
+              <a:buChar char="•"/>
+            </a:pPr>
+            <a:r>
+              <a:rPr lang="en-GB" sz="1600" b="1" dirty="0">
+                <a:solidFill>
+                  <a:srgbClr val="00B0F0"/>
+                </a:solidFill>
+                <a:latin typeface="Cascadia Code" panose="020B0609020000020004" pitchFamily="49" charset="0"/>
+                <a:cs typeface="Cascadia Code" panose="020B0609020000020004" pitchFamily="49" charset="0"/>
+              </a:rPr>
+              <a:t>Third-Party Services</a:t>
+            </a:r>
+            <a:r>
+              <a:rPr lang="en-GB" sz="1600" dirty="0">
+                <a:solidFill>
+                  <a:srgbClr val="00B0F0"/>
+                </a:solidFill>
+                <a:latin typeface="Cascadia Code" panose="020B0609020000020004" pitchFamily="49" charset="0"/>
+                <a:cs typeface="Cascadia Code" panose="020B0609020000020004" pitchFamily="49" charset="0"/>
+              </a:rPr>
+              <a:t>:</a:t>
+            </a:r>
+            <a:r>
+              <a:rPr lang="en-GB" sz="1600" dirty="0">
+                <a:latin typeface="Cascadia Code" panose="020B0609020000020004" pitchFamily="49" charset="0"/>
+                <a:cs typeface="Cascadia Code" panose="020B0609020000020004" pitchFamily="49" charset="0"/>
+              </a:rPr>
+              <a:t> Authentication and cloud storage for scalability.</a:t>
+            </a:r>
+          </a:p>
+          <a:p>
+            <a:pPr>
+              <a:buFont typeface="Arial" panose="020B0604020202020204" pitchFamily="34" charset="0"/>
+              <a:buChar char="•"/>
+            </a:pPr>
+            <a:endParaRPr lang="en-GB" sz="1600" dirty="0">
+              <a:latin typeface="Cascadia Code" panose="020B0609020000020004" pitchFamily="49" charset="0"/>
+              <a:cs typeface="Cascadia Code" panose="020B0609020000020004" pitchFamily="49" charset="0"/>
+            </a:endParaRPr>
+          </a:p>
+          <a:p>
+            <a:r>
+              <a:rPr lang="en-GB" sz="1600" b="1" dirty="0">
+                <a:solidFill>
+                  <a:srgbClr val="00B0F0"/>
+                </a:solidFill>
+                <a:latin typeface="Cascadia Code" panose="020B0609020000020004" pitchFamily="49" charset="0"/>
+                <a:cs typeface="Cascadia Code" panose="020B0609020000020004" pitchFamily="49" charset="0"/>
+              </a:rPr>
+              <a:t>Critical Flows</a:t>
+            </a:r>
+          </a:p>
+          <a:p>
+            <a:pPr marL="285750" indent="-285750">
+              <a:buFont typeface="Arial" panose="020B0604020202020204" pitchFamily="34" charset="0"/>
+              <a:buChar char="•"/>
+            </a:pPr>
+            <a:r>
+              <a:rPr lang="en-GB" sz="1600" b="1" dirty="0">
+                <a:solidFill>
+                  <a:srgbClr val="00B0F0"/>
+                </a:solidFill>
+                <a:latin typeface="Cascadia Code" panose="020B0609020000020004" pitchFamily="49" charset="0"/>
+                <a:cs typeface="Cascadia Code" panose="020B0609020000020004" pitchFamily="49" charset="0"/>
+              </a:rPr>
+              <a:t>Lesson Booking Process:</a:t>
+            </a:r>
+          </a:p>
+          <a:p>
+            <a:pPr lvl="1">
+              <a:buFont typeface="+mj-lt"/>
+              <a:buAutoNum type="arabicPeriod"/>
+            </a:pPr>
+            <a:r>
+              <a:rPr lang="en-GB" sz="1600" dirty="0">
+                <a:latin typeface="Cascadia Code" panose="020B0609020000020004" pitchFamily="49" charset="0"/>
+                <a:cs typeface="Cascadia Code" panose="020B0609020000020004" pitchFamily="49" charset="0"/>
+              </a:rPr>
+              <a:t>User selects a time slot.</a:t>
+            </a:r>
+          </a:p>
+          <a:p>
+            <a:pPr lvl="1">
+              <a:buFont typeface="+mj-lt"/>
+              <a:buAutoNum type="arabicPeriod"/>
+            </a:pPr>
+            <a:r>
+              <a:rPr lang="en-GB" sz="1600" dirty="0">
+                <a:latin typeface="Cascadia Code" panose="020B0609020000020004" pitchFamily="49" charset="0"/>
+                <a:cs typeface="Cascadia Code" panose="020B0609020000020004" pitchFamily="49" charset="0"/>
+              </a:rPr>
+              <a:t>System verifies availability.</a:t>
+            </a:r>
+          </a:p>
+          <a:p>
+            <a:pPr lvl="1">
+              <a:buFont typeface="+mj-lt"/>
+              <a:buAutoNum type="arabicPeriod"/>
+            </a:pPr>
+            <a:r>
+              <a:rPr lang="en-GB" sz="1600" dirty="0">
+                <a:latin typeface="Cascadia Code" panose="020B0609020000020004" pitchFamily="49" charset="0"/>
+                <a:cs typeface="Cascadia Code" panose="020B0609020000020004" pitchFamily="49" charset="0"/>
+              </a:rPr>
+              <a:t>Booking confirmation is saved in the database.</a:t>
+            </a:r>
+          </a:p>
+          <a:p>
+            <a:pPr marL="285750" indent="-285750">
+              <a:buFont typeface="Arial" panose="020B0604020202020204" pitchFamily="34" charset="0"/>
+              <a:buChar char="•"/>
+            </a:pPr>
+            <a:r>
+              <a:rPr lang="en-GB" sz="1600" b="1" dirty="0">
+                <a:solidFill>
+                  <a:srgbClr val="00B0F0"/>
+                </a:solidFill>
+                <a:latin typeface="Cascadia Code" panose="020B0609020000020004" pitchFamily="49" charset="0"/>
+                <a:cs typeface="Cascadia Code" panose="020B0609020000020004" pitchFamily="49" charset="0"/>
+              </a:rPr>
+              <a:t>Lesson Management:</a:t>
+            </a:r>
+          </a:p>
+          <a:p>
+            <a:pPr lvl="1">
+              <a:buFont typeface="+mj-lt"/>
+              <a:buAutoNum type="arabicPeriod"/>
+            </a:pPr>
+            <a:r>
+              <a:rPr lang="en-GB" sz="1600" dirty="0">
+                <a:latin typeface="Cascadia Code" panose="020B0609020000020004" pitchFamily="49" charset="0"/>
+                <a:cs typeface="Cascadia Code" panose="020B0609020000020004" pitchFamily="49" charset="0"/>
+              </a:rPr>
+              <a:t>Coach/Admin manages schedules (create/edit/delete).</a:t>
+            </a:r>
+          </a:p>
+          <a:p>
+            <a:pPr lvl="1">
+              <a:buFont typeface="+mj-lt"/>
+              <a:buAutoNum type="arabicPeriod"/>
+            </a:pPr>
+            <a:r>
+              <a:rPr lang="en-GB" sz="1600" dirty="0">
+                <a:latin typeface="Cascadia Code" panose="020B0609020000020004" pitchFamily="49" charset="0"/>
+                <a:cs typeface="Cascadia Code" panose="020B0609020000020004" pitchFamily="49" charset="0"/>
+              </a:rPr>
+              <a:t>Updates are applied to the database.</a:t>
+            </a:r>
+          </a:p>
+          <a:p>
+            <a:pPr marL="285750" indent="-285750">
+              <a:buFont typeface="Arial" panose="020B0604020202020204" pitchFamily="34" charset="0"/>
+              <a:buChar char="•"/>
+            </a:pPr>
+            <a:r>
+              <a:rPr lang="en-GB" sz="1600" b="1" dirty="0">
+                <a:solidFill>
+                  <a:srgbClr val="00B0F0"/>
+                </a:solidFill>
+                <a:latin typeface="Cascadia Code" panose="020B0609020000020004" pitchFamily="49" charset="0"/>
+                <a:cs typeface="Cascadia Code" panose="020B0609020000020004" pitchFamily="49" charset="0"/>
+              </a:rPr>
+              <a:t>Payment and Booking Confirmation:</a:t>
+            </a:r>
+          </a:p>
+          <a:p>
+            <a:pPr lvl="1">
+              <a:buFont typeface="+mj-lt"/>
+              <a:buAutoNum type="arabicPeriod"/>
+            </a:pPr>
+            <a:r>
+              <a:rPr lang="en-GB" sz="1600" dirty="0">
+                <a:latin typeface="Cascadia Code" panose="020B0609020000020004" pitchFamily="49" charset="0"/>
+                <a:cs typeface="Cascadia Code" panose="020B0609020000020004" pitchFamily="49" charset="0"/>
+              </a:rPr>
+              <a:t>User pays via a secure gateway.</a:t>
+            </a:r>
+          </a:p>
+          <a:p>
+            <a:pPr lvl="1">
+              <a:buFont typeface="+mj-lt"/>
+              <a:buAutoNum type="arabicPeriod"/>
+            </a:pPr>
+            <a:r>
+              <a:rPr lang="en-GB" sz="1600" dirty="0">
+                <a:latin typeface="Cascadia Code" panose="020B0609020000020004" pitchFamily="49" charset="0"/>
+                <a:cs typeface="Cascadia Code" panose="020B0609020000020004" pitchFamily="49" charset="0"/>
+              </a:rPr>
+              <a:t>Payment status is updated in the system.</a:t>
+            </a:r>
+          </a:p>
+          <a:p>
+            <a:endParaRPr lang="en-GB" sz="1400" b="1" dirty="0">
+              <a:solidFill>
+                <a:srgbClr val="00B0F0"/>
+              </a:solidFill>
+              <a:latin typeface="Cascadia Code" panose="020B0609020000020004" pitchFamily="49" charset="0"/>
+              <a:cs typeface="Cascadia Code" panose="020B0609020000020004" pitchFamily="49" charset="0"/>
+            </a:endParaRPr>
+          </a:p>
+          <a:p>
+            <a:r>
+              <a:rPr lang="en-GB" sz="1400" dirty="0">
+                <a:latin typeface="Cascadia Code" panose="020B0609020000020004" pitchFamily="49" charset="0"/>
+                <a:cs typeface="Cascadia Code" panose="020B0609020000020004" pitchFamily="49" charset="0"/>
+              </a:rPr>
+              <a:t>•</a:t>
+            </a:r>
+            <a:endParaRPr lang="en-GB" sz="1600" dirty="0">
+              <a:latin typeface="Cascadia Code" panose="020B0609020000020004" pitchFamily="49" charset="0"/>
+              <a:cs typeface="Cascadia Code" panose="020B0609020000020004" pitchFamily="49" charset="0"/>
+            </a:endParaRPr>
+          </a:p>
+        </p:txBody>
+      </p:sp>
+      <p:sp>
+        <p:nvSpPr>
+          <p:cNvPr id="2" name="TextBox 1">
+            <a:extLst>
+              <a:ext uri="{FF2B5EF4-FFF2-40B4-BE49-F238E27FC236}">
+                <a16:creationId xmlns:a16="http://schemas.microsoft.com/office/drawing/2014/main" id="{B9D1FD27-1DC7-D27C-9A82-F8767A8A567E}"/>
+              </a:ext>
+            </a:extLst>
+          </p:cNvPr>
+          <p:cNvSpPr txBox="1"/>
+          <p:nvPr/>
+        </p:nvSpPr>
+        <p:spPr>
+          <a:xfrm>
+            <a:off x="5651500" y="495300"/>
+            <a:ext cx="6375400" cy="4955203"/>
+          </a:xfrm>
+          <a:prstGeom prst="rect">
+            <a:avLst/>
+          </a:prstGeom>
+          <a:noFill/>
+        </p:spPr>
+        <p:txBody>
+          <a:bodyPr wrap="square" rtlCol="0">
+            <a:spAutoFit/>
+          </a:bodyPr>
+          <a:lstStyle/>
+          <a:p>
+            <a:r>
+              <a:rPr lang="en-GB" sz="1600" b="1" dirty="0">
+                <a:solidFill>
+                  <a:srgbClr val="00B0F0"/>
+                </a:solidFill>
+                <a:latin typeface="Cascadia Code" panose="020B0609020000020004" pitchFamily="49" charset="0"/>
+                <a:cs typeface="Cascadia Code" panose="020B0609020000020004" pitchFamily="49" charset="0"/>
+              </a:rPr>
+              <a:t>Deployment</a:t>
+            </a:r>
+          </a:p>
+          <a:p>
+            <a:pPr marL="285750" indent="-285750">
+              <a:buFont typeface="Arial" panose="020B0604020202020204" pitchFamily="34" charset="0"/>
+              <a:buChar char="•"/>
+            </a:pPr>
+            <a:r>
+              <a:rPr lang="en-ZA" sz="1600" b="1" dirty="0">
+                <a:solidFill>
+                  <a:srgbClr val="00B0F0"/>
+                </a:solidFill>
+                <a:latin typeface="Cascadia Code" panose="020B0609020000020004" pitchFamily="49" charset="0"/>
+                <a:cs typeface="Cascadia Code" panose="020B0609020000020004" pitchFamily="49" charset="0"/>
+              </a:rPr>
+              <a:t>Environments</a:t>
+            </a:r>
+            <a:r>
+              <a:rPr lang="en-ZA" sz="1600" dirty="0">
+                <a:solidFill>
+                  <a:srgbClr val="00B0F0"/>
+                </a:solidFill>
+                <a:latin typeface="Cascadia Code" panose="020B0609020000020004" pitchFamily="49" charset="0"/>
+                <a:cs typeface="Cascadia Code" panose="020B0609020000020004" pitchFamily="49" charset="0"/>
+              </a:rPr>
+              <a:t>: </a:t>
+            </a:r>
+            <a:r>
+              <a:rPr lang="en-ZA" sz="1600" dirty="0">
+                <a:latin typeface="Cascadia Code" panose="020B0609020000020004" pitchFamily="49" charset="0"/>
+                <a:cs typeface="Cascadia Code" panose="020B0609020000020004" pitchFamily="49" charset="0"/>
+              </a:rPr>
+              <a:t>Development, staging, production.</a:t>
+            </a:r>
+          </a:p>
+          <a:p>
+            <a:pPr marL="285750" indent="-285750">
+              <a:buFont typeface="Arial" panose="020B0604020202020204" pitchFamily="34" charset="0"/>
+              <a:buChar char="•"/>
+            </a:pPr>
+            <a:r>
+              <a:rPr lang="en-ZA" sz="1600" b="1" dirty="0">
+                <a:solidFill>
+                  <a:srgbClr val="00B0F0"/>
+                </a:solidFill>
+                <a:latin typeface="Cascadia Code" panose="020B0609020000020004" pitchFamily="49" charset="0"/>
+                <a:cs typeface="Cascadia Code" panose="020B0609020000020004" pitchFamily="49" charset="0"/>
+              </a:rPr>
+              <a:t>Key Steps</a:t>
+            </a:r>
+            <a:r>
+              <a:rPr lang="en-ZA" sz="1600" dirty="0">
+                <a:solidFill>
+                  <a:srgbClr val="00B0F0"/>
+                </a:solidFill>
+                <a:latin typeface="Cascadia Code" panose="020B0609020000020004" pitchFamily="49" charset="0"/>
+                <a:cs typeface="Cascadia Code" panose="020B0609020000020004" pitchFamily="49" charset="0"/>
+              </a:rPr>
+              <a:t>:</a:t>
+            </a:r>
+          </a:p>
+          <a:p>
+            <a:pPr marL="800100" lvl="1" indent="-342900">
+              <a:buFont typeface="+mj-lt"/>
+              <a:buAutoNum type="arabicPeriod"/>
+            </a:pPr>
+            <a:r>
+              <a:rPr lang="en-ZA" sz="1600" dirty="0">
+                <a:latin typeface="Cascadia Code" panose="020B0609020000020004" pitchFamily="49" charset="0"/>
+                <a:cs typeface="Cascadia Code" panose="020B0609020000020004" pitchFamily="49" charset="0"/>
+              </a:rPr>
+              <a:t>Hosting on </a:t>
+            </a:r>
+            <a:r>
+              <a:rPr lang="en-ZA" sz="1600" dirty="0" err="1">
+                <a:latin typeface="Cascadia Code" panose="020B0609020000020004" pitchFamily="49" charset="0"/>
+                <a:cs typeface="Cascadia Code" panose="020B0609020000020004" pitchFamily="49" charset="0"/>
+              </a:rPr>
+              <a:t>Vercel</a:t>
+            </a:r>
+            <a:r>
+              <a:rPr lang="en-ZA" sz="1600" dirty="0">
+                <a:latin typeface="Cascadia Code" panose="020B0609020000020004" pitchFamily="49" charset="0"/>
+                <a:cs typeface="Cascadia Code" panose="020B0609020000020004" pitchFamily="49" charset="0"/>
+              </a:rPr>
+              <a:t> (frontend) and </a:t>
+            </a:r>
+            <a:r>
+              <a:rPr lang="en-ZA" sz="1600" dirty="0" err="1">
+                <a:latin typeface="Cascadia Code" panose="020B0609020000020004" pitchFamily="49" charset="0"/>
+                <a:cs typeface="Cascadia Code" panose="020B0609020000020004" pitchFamily="49" charset="0"/>
+              </a:rPr>
+              <a:t>Supabase</a:t>
+            </a:r>
+            <a:r>
+              <a:rPr lang="en-ZA" sz="1600" dirty="0">
+                <a:latin typeface="Cascadia Code" panose="020B0609020000020004" pitchFamily="49" charset="0"/>
+                <a:cs typeface="Cascadia Code" panose="020B0609020000020004" pitchFamily="49" charset="0"/>
+              </a:rPr>
+              <a:t> (backend).</a:t>
+            </a:r>
+          </a:p>
+          <a:p>
+            <a:pPr marL="800100" lvl="1" indent="-342900">
+              <a:buFont typeface="+mj-lt"/>
+              <a:buAutoNum type="arabicPeriod"/>
+            </a:pPr>
+            <a:r>
+              <a:rPr lang="en-ZA" sz="1600" dirty="0">
+                <a:latin typeface="Cascadia Code" panose="020B0609020000020004" pitchFamily="49" charset="0"/>
+                <a:cs typeface="Cascadia Code" panose="020B0609020000020004" pitchFamily="49" charset="0"/>
+              </a:rPr>
+              <a:t>Environment configuration (API keys, database URLs).</a:t>
+            </a:r>
+          </a:p>
+          <a:p>
+            <a:pPr marL="800100" lvl="1" indent="-342900">
+              <a:buFont typeface="+mj-lt"/>
+              <a:buAutoNum type="arabicPeriod"/>
+            </a:pPr>
+            <a:r>
+              <a:rPr lang="en-ZA" sz="1600" dirty="0">
+                <a:latin typeface="Cascadia Code" panose="020B0609020000020004" pitchFamily="49" charset="0"/>
+                <a:cs typeface="Cascadia Code" panose="020B0609020000020004" pitchFamily="49" charset="0"/>
+              </a:rPr>
+              <a:t>Build and deploy with end-to-end testing.</a:t>
+            </a:r>
+          </a:p>
+          <a:p>
+            <a:pPr lvl="1"/>
+            <a:endParaRPr lang="en-ZA" sz="1600" dirty="0">
+              <a:latin typeface="Cascadia Code" panose="020B0609020000020004" pitchFamily="49" charset="0"/>
+              <a:cs typeface="Cascadia Code" panose="020B0609020000020004" pitchFamily="49" charset="0"/>
+            </a:endParaRPr>
+          </a:p>
+          <a:p>
+            <a:r>
+              <a:rPr lang="en-ZA" sz="1600" b="1" dirty="0">
+                <a:solidFill>
+                  <a:srgbClr val="00B0F0"/>
+                </a:solidFill>
+                <a:latin typeface="Cascadia Code" panose="020B0609020000020004" pitchFamily="49" charset="0"/>
+                <a:cs typeface="Cascadia Code" panose="020B0609020000020004" pitchFamily="49" charset="0"/>
+              </a:rPr>
+              <a:t>Related Documentation</a:t>
+            </a:r>
+          </a:p>
+          <a:p>
+            <a:pPr marL="285750" indent="-285750">
+              <a:buFont typeface="Arial" panose="020B0604020202020204" pitchFamily="34" charset="0"/>
+              <a:buChar char="•"/>
+            </a:pPr>
+            <a:r>
+              <a:rPr lang="en-ZA" sz="1600" b="1" dirty="0">
+                <a:solidFill>
+                  <a:srgbClr val="00B0F0"/>
+                </a:solidFill>
+                <a:latin typeface="Cascadia Code" panose="020B0609020000020004" pitchFamily="49" charset="0"/>
+                <a:cs typeface="Cascadia Code" panose="020B0609020000020004" pitchFamily="49" charset="0"/>
+              </a:rPr>
+              <a:t>Database Schema</a:t>
+            </a:r>
+            <a:r>
+              <a:rPr lang="en-ZA" sz="1600" dirty="0">
+                <a:solidFill>
+                  <a:srgbClr val="00B0F0"/>
+                </a:solidFill>
+                <a:latin typeface="Cascadia Code" panose="020B0609020000020004" pitchFamily="49" charset="0"/>
+                <a:cs typeface="Cascadia Code" panose="020B0609020000020004" pitchFamily="49" charset="0"/>
+              </a:rPr>
+              <a:t>: </a:t>
+            </a:r>
+            <a:r>
+              <a:rPr lang="en-ZA" sz="1600" dirty="0">
+                <a:latin typeface="Cascadia Code" panose="020B0609020000020004" pitchFamily="49" charset="0"/>
+                <a:cs typeface="Cascadia Code" panose="020B0609020000020004" pitchFamily="49" charset="0"/>
+              </a:rPr>
+              <a:t>ER diagram defines relationships between entities (e.g., User, Lesson, Payment).</a:t>
+            </a:r>
+          </a:p>
+          <a:p>
+            <a:pPr marL="285750" indent="-285750">
+              <a:buFont typeface="Arial" panose="020B0604020202020204" pitchFamily="34" charset="0"/>
+              <a:buChar char="•"/>
+            </a:pPr>
+            <a:r>
+              <a:rPr lang="en-ZA" sz="1600" b="1" dirty="0">
+                <a:solidFill>
+                  <a:srgbClr val="00B0F0"/>
+                </a:solidFill>
+                <a:latin typeface="Cascadia Code" panose="020B0609020000020004" pitchFamily="49" charset="0"/>
+                <a:cs typeface="Cascadia Code" panose="020B0609020000020004" pitchFamily="49" charset="0"/>
+              </a:rPr>
+              <a:t>API Documentation</a:t>
+            </a:r>
+            <a:r>
+              <a:rPr lang="en-ZA" sz="1600" dirty="0">
+                <a:solidFill>
+                  <a:srgbClr val="00B0F0"/>
+                </a:solidFill>
+                <a:latin typeface="Cascadia Code" panose="020B0609020000020004" pitchFamily="49" charset="0"/>
+                <a:cs typeface="Cascadia Code" panose="020B0609020000020004" pitchFamily="49" charset="0"/>
+              </a:rPr>
+              <a:t>:</a:t>
+            </a:r>
+          </a:p>
+          <a:p>
+            <a:pPr marL="742950" lvl="1" indent="-285750">
+              <a:buFont typeface="Arial" panose="020B0604020202020204" pitchFamily="34" charset="0"/>
+              <a:buChar char="•"/>
+            </a:pPr>
+            <a:r>
+              <a:rPr lang="en-ZA" sz="1600" dirty="0">
+                <a:latin typeface="Cascadia Code" panose="020B0609020000020004" pitchFamily="49" charset="0"/>
+                <a:cs typeface="Cascadia Code" panose="020B0609020000020004" pitchFamily="49" charset="0"/>
+              </a:rPr>
+              <a:t>Endpoints for scheduling, payments.</a:t>
+            </a:r>
+          </a:p>
+          <a:p>
+            <a:pPr marL="742950" lvl="1" indent="-285750">
+              <a:buFont typeface="Arial" panose="020B0604020202020204" pitchFamily="34" charset="0"/>
+              <a:buChar char="•"/>
+            </a:pPr>
+            <a:r>
+              <a:rPr lang="en-ZA" sz="1600" dirty="0">
+                <a:latin typeface="Cascadia Code" panose="020B0609020000020004" pitchFamily="49" charset="0"/>
+                <a:cs typeface="Cascadia Code" panose="020B0609020000020004" pitchFamily="49" charset="0"/>
+              </a:rPr>
+              <a:t>Secure authentication via tokens.</a:t>
+            </a:r>
+          </a:p>
+          <a:p>
+            <a:pPr marL="285750" indent="-285750">
+              <a:buFont typeface="Arial" panose="020B0604020202020204" pitchFamily="34" charset="0"/>
+              <a:buChar char="•"/>
+            </a:pPr>
+            <a:r>
+              <a:rPr lang="en-ZA" sz="1600" b="1" dirty="0">
+                <a:solidFill>
+                  <a:srgbClr val="00B0F0"/>
+                </a:solidFill>
+                <a:latin typeface="Cascadia Code" panose="020B0609020000020004" pitchFamily="49" charset="0"/>
+                <a:cs typeface="Cascadia Code" panose="020B0609020000020004" pitchFamily="49" charset="0"/>
+              </a:rPr>
+              <a:t>Error Handling</a:t>
+            </a:r>
+            <a:r>
+              <a:rPr lang="en-ZA" sz="1600" dirty="0">
+                <a:solidFill>
+                  <a:srgbClr val="00B0F0"/>
+                </a:solidFill>
+                <a:latin typeface="Cascadia Code" panose="020B0609020000020004" pitchFamily="49" charset="0"/>
+                <a:cs typeface="Cascadia Code" panose="020B0609020000020004" pitchFamily="49" charset="0"/>
+              </a:rPr>
+              <a:t>:</a:t>
+            </a:r>
+          </a:p>
+          <a:p>
+            <a:pPr marL="742950" lvl="1" indent="-285750">
+              <a:buFont typeface="Arial" panose="020B0604020202020204" pitchFamily="34" charset="0"/>
+              <a:buChar char="•"/>
+            </a:pPr>
+            <a:r>
+              <a:rPr lang="en-ZA" sz="1600" dirty="0">
+                <a:latin typeface="Cascadia Code" panose="020B0609020000020004" pitchFamily="49" charset="0"/>
+                <a:cs typeface="Cascadia Code" panose="020B0609020000020004" pitchFamily="49" charset="0"/>
+              </a:rPr>
+              <a:t>Centralised logging and error codes for debugging.</a:t>
+            </a:r>
+          </a:p>
+          <a:p>
+            <a:endParaRPr lang="en-GB" sz="1400" b="1" dirty="0">
+              <a:solidFill>
+                <a:srgbClr val="00B0F0"/>
+              </a:solidFill>
+              <a:latin typeface="Cascadia Code" panose="020B0609020000020004" pitchFamily="49" charset="0"/>
+              <a:cs typeface="Cascadia Code" panose="020B0609020000020004" pitchFamily="49" charset="0"/>
+            </a:endParaRPr>
+          </a:p>
+          <a:p>
+            <a:r>
+              <a:rPr lang="en-GB" sz="1400" dirty="0">
+                <a:latin typeface="Cascadia Code" panose="020B0609020000020004" pitchFamily="49" charset="0"/>
+                <a:cs typeface="Cascadia Code" panose="020B0609020000020004" pitchFamily="49" charset="0"/>
+              </a:rPr>
+              <a:t>•</a:t>
+            </a:r>
+            <a:endParaRPr lang="en-GB" sz="1600" dirty="0">
+              <a:latin typeface="Cascadia Code" panose="020B0609020000020004" pitchFamily="49" charset="0"/>
+              <a:cs typeface="Cascadia Code" panose="020B0609020000020004" pitchFamily="49" charset="0"/>
+            </a:endParaRPr>
+          </a:p>
+        </p:txBody>
+      </p:sp>
+    </p:spTree>
+    <p:extLst>
+      <p:ext uri="{BB962C8B-B14F-4D97-AF65-F5344CB8AC3E}">
+        <p14:creationId xmlns:p14="http://schemas.microsoft.com/office/powerpoint/2010/main" val="4239085686"/>
+      </p:ext>
+    </p:extLst>
+  </p:cSld>
+  <p:clrMapOvr>
+    <a:masterClrMapping/>
+  </p:clrMapOvr>
+</p:sld>
+</file>
+
+<file path=ppt/slides/slide11.xml><?xml version="1.0" encoding="utf-8"?>
+<p:sld xmlns:a="http://schemas.openxmlformats.org/drawingml/2006/main" xmlns:r="http://schemas.openxmlformats.org/officeDocument/2006/relationships" xmlns:p="http://schemas.openxmlformats.org/presentationml/2006/main">
+  <p:cSld>
+    <p:spTree>
+      <p:nvGrpSpPr>
+        <p:cNvPr id="1" name="">
+          <a:extLst>
+            <a:ext uri="{FF2B5EF4-FFF2-40B4-BE49-F238E27FC236}">
+              <a16:creationId xmlns:a16="http://schemas.microsoft.com/office/drawing/2014/main" id="{C167DE32-9BA8-348F-7EE5-FE311C208206}"/>
+            </a:ext>
+          </a:extLst>
+        </p:cNvPr>
+        <p:cNvGrpSpPr/>
+        <p:nvPr/>
+      </p:nvGrpSpPr>
+      <p:grpSpPr>
+        <a:xfrm>
+          <a:off x="0" y="0"/>
+          <a:ext cx="0" cy="0"/>
+          <a:chOff x="0" y="0"/>
+          <a:chExt cx="0" cy="0"/>
+        </a:xfrm>
+      </p:grpSpPr>
+      <p:sp>
+        <p:nvSpPr>
+          <p:cNvPr id="4" name="TextBox 3">
+            <a:extLst>
+              <a:ext uri="{FF2B5EF4-FFF2-40B4-BE49-F238E27FC236}">
+                <a16:creationId xmlns:a16="http://schemas.microsoft.com/office/drawing/2014/main" id="{6D344A8D-2BC1-B5EF-B1F7-97EC6EC01E0C}"/>
+              </a:ext>
+            </a:extLst>
+          </p:cNvPr>
+          <p:cNvSpPr txBox="1"/>
+          <p:nvPr/>
+        </p:nvSpPr>
+        <p:spPr>
+          <a:xfrm>
+            <a:off x="1346200" y="0"/>
+            <a:ext cx="9144000" cy="369332"/>
+          </a:xfrm>
+          <a:prstGeom prst="rect">
+            <a:avLst/>
+          </a:prstGeom>
+          <a:noFill/>
+        </p:spPr>
+        <p:txBody>
+          <a:bodyPr wrap="square" rtlCol="0">
+            <a:spAutoFit/>
+          </a:bodyPr>
+          <a:lstStyle/>
+          <a:p>
+            <a:r>
+              <a:rPr lang="en-GB" sz="1800" dirty="0">
+                <a:effectLst/>
+                <a:latin typeface="Cascadia Code" panose="020B0609020000020004" pitchFamily="49" charset="0"/>
+                <a:ea typeface="Calibri" panose="020F0502020204030204" pitchFamily="34" charset="0"/>
+                <a:cs typeface="Cascadia Code" panose="020B0609020000020004" pitchFamily="49" charset="0"/>
+              </a:rPr>
+              <a:t>Documentation: Non-Functional Requirements Based on ISO/IEC 12207</a:t>
+            </a:r>
+            <a:endParaRPr lang="en-ZA" sz="1800" dirty="0">
+              <a:effectLst/>
+              <a:latin typeface="Cascadia Code" panose="020B0609020000020004" pitchFamily="49" charset="0"/>
+              <a:ea typeface="Calibri" panose="020F0502020204030204" pitchFamily="34" charset="0"/>
+              <a:cs typeface="Cascadia Code" panose="020B0609020000020004" pitchFamily="49" charset="0"/>
+            </a:endParaRPr>
+          </a:p>
+        </p:txBody>
+      </p:sp>
+      <p:sp>
+        <p:nvSpPr>
+          <p:cNvPr id="5" name="TextBox 4">
+            <a:extLst>
+              <a:ext uri="{FF2B5EF4-FFF2-40B4-BE49-F238E27FC236}">
+                <a16:creationId xmlns:a16="http://schemas.microsoft.com/office/drawing/2014/main" id="{E8349FF9-81FA-A5DF-6FE9-3B39FE97635A}"/>
+              </a:ext>
+            </a:extLst>
+          </p:cNvPr>
+          <p:cNvSpPr txBox="1"/>
+          <p:nvPr/>
+        </p:nvSpPr>
+        <p:spPr>
+          <a:xfrm>
+            <a:off x="228600" y="495300"/>
+            <a:ext cx="5448301" cy="5878532"/>
+          </a:xfrm>
+          <a:prstGeom prst="rect">
+            <a:avLst/>
+          </a:prstGeom>
+          <a:noFill/>
+        </p:spPr>
+        <p:txBody>
+          <a:bodyPr wrap="square" rtlCol="0">
+            <a:spAutoFit/>
+          </a:bodyPr>
+          <a:lstStyle/>
+          <a:p>
+            <a:r>
+              <a:rPr lang="en-GB" b="1" dirty="0">
+                <a:solidFill>
+                  <a:srgbClr val="00B0F0"/>
+                </a:solidFill>
+                <a:latin typeface="Cascadia Code" panose="020B0609020000020004" pitchFamily="49" charset="0"/>
+                <a:cs typeface="Cascadia Code" panose="020B0609020000020004" pitchFamily="49" charset="0"/>
+              </a:rPr>
+              <a:t>Performance</a:t>
+            </a:r>
+          </a:p>
+          <a:p>
+            <a:pPr marL="285750" indent="-285750">
+              <a:buFont typeface="Arial" panose="020B0604020202020204" pitchFamily="34" charset="0"/>
+              <a:buChar char="•"/>
+            </a:pPr>
+            <a:r>
+              <a:rPr lang="en-GB" b="1" dirty="0">
+                <a:latin typeface="Cascadia Code" panose="020B0609020000020004" pitchFamily="49" charset="0"/>
+                <a:cs typeface="Cascadia Code" panose="020B0609020000020004" pitchFamily="49" charset="0"/>
+              </a:rPr>
+              <a:t>Response within 7 seconds for 5,000 concurrent users.</a:t>
+            </a:r>
+          </a:p>
+          <a:p>
+            <a:pPr marL="285750" indent="-285750">
+              <a:buFont typeface="Arial" panose="020B0604020202020204" pitchFamily="34" charset="0"/>
+              <a:buChar char="•"/>
+            </a:pPr>
+            <a:r>
+              <a:rPr lang="en-GB" b="1" dirty="0">
+                <a:latin typeface="Cascadia Code" panose="020B0609020000020004" pitchFamily="49" charset="0"/>
+                <a:cs typeface="Cascadia Code" panose="020B0609020000020004" pitchFamily="49" charset="0"/>
+              </a:rPr>
+              <a:t>100 concurrent transactions/second.</a:t>
+            </a:r>
+          </a:p>
+          <a:p>
+            <a:pPr marL="285750" indent="-285750">
+              <a:buFont typeface="Arial" panose="020B0604020202020204" pitchFamily="34" charset="0"/>
+              <a:buChar char="•"/>
+            </a:pPr>
+            <a:r>
+              <a:rPr lang="en-GB" b="1" dirty="0">
+                <a:latin typeface="Cascadia Code" panose="020B0609020000020004" pitchFamily="49" charset="0"/>
+                <a:cs typeface="Cascadia Code" panose="020B0609020000020004" pitchFamily="49" charset="0"/>
+              </a:rPr>
+              <a:t>Implementation: Optimised server-side rendering, database indexing, caching.</a:t>
+            </a:r>
+          </a:p>
+          <a:p>
+            <a:r>
+              <a:rPr lang="en-GB" b="1" dirty="0">
+                <a:solidFill>
+                  <a:srgbClr val="00B0F0"/>
+                </a:solidFill>
+                <a:latin typeface="Cascadia Code" panose="020B0609020000020004" pitchFamily="49" charset="0"/>
+                <a:cs typeface="Cascadia Code" panose="020B0609020000020004" pitchFamily="49" charset="0"/>
+              </a:rPr>
+              <a:t>Scalability</a:t>
+            </a:r>
+          </a:p>
+          <a:p>
+            <a:pPr marL="285750" indent="-285750">
+              <a:buFont typeface="Arial" panose="020B0604020202020204" pitchFamily="34" charset="0"/>
+              <a:buChar char="•"/>
+            </a:pPr>
+            <a:r>
+              <a:rPr lang="en-GB" b="1" dirty="0">
+                <a:latin typeface="Cascadia Code" panose="020B0609020000020004" pitchFamily="49" charset="0"/>
+                <a:cs typeface="Cascadia Code" panose="020B0609020000020004" pitchFamily="49" charset="0"/>
+              </a:rPr>
+              <a:t>Support for tenfold increase in users and transactions.</a:t>
+            </a:r>
+          </a:p>
+          <a:p>
+            <a:pPr marL="285750" indent="-285750">
+              <a:buFont typeface="Arial" panose="020B0604020202020204" pitchFamily="34" charset="0"/>
+              <a:buChar char="•"/>
+            </a:pPr>
+            <a:r>
+              <a:rPr lang="en-GB" b="1" dirty="0">
+                <a:latin typeface="Cascadia Code" panose="020B0609020000020004" pitchFamily="49" charset="0"/>
+                <a:cs typeface="Cascadia Code" panose="020B0609020000020004" pitchFamily="49" charset="0"/>
+              </a:rPr>
+              <a:t>Dynamic and horizontal scaling via </a:t>
+            </a:r>
+            <a:r>
+              <a:rPr lang="en-GB" b="1" dirty="0" err="1">
+                <a:latin typeface="Cascadia Code" panose="020B0609020000020004" pitchFamily="49" charset="0"/>
+                <a:cs typeface="Cascadia Code" panose="020B0609020000020004" pitchFamily="49" charset="0"/>
+              </a:rPr>
+              <a:t>Vercel</a:t>
+            </a:r>
+            <a:r>
+              <a:rPr lang="en-GB" b="1" dirty="0">
+                <a:latin typeface="Cascadia Code" panose="020B0609020000020004" pitchFamily="49" charset="0"/>
+                <a:cs typeface="Cascadia Code" panose="020B0609020000020004" pitchFamily="49" charset="0"/>
+              </a:rPr>
+              <a:t> and </a:t>
+            </a:r>
+            <a:r>
+              <a:rPr lang="en-GB" b="1" dirty="0" err="1">
+                <a:latin typeface="Cascadia Code" panose="020B0609020000020004" pitchFamily="49" charset="0"/>
+                <a:cs typeface="Cascadia Code" panose="020B0609020000020004" pitchFamily="49" charset="0"/>
+              </a:rPr>
+              <a:t>Supabase</a:t>
+            </a:r>
+            <a:r>
+              <a:rPr lang="en-GB" b="1" dirty="0">
+                <a:latin typeface="Cascadia Code" panose="020B0609020000020004" pitchFamily="49" charset="0"/>
+                <a:cs typeface="Cascadia Code" panose="020B0609020000020004" pitchFamily="49" charset="0"/>
+              </a:rPr>
+              <a:t>.</a:t>
+            </a:r>
+          </a:p>
+          <a:p>
+            <a:r>
+              <a:rPr lang="en-GB" b="1" dirty="0">
+                <a:solidFill>
+                  <a:srgbClr val="00B0F0"/>
+                </a:solidFill>
+                <a:latin typeface="Cascadia Code" panose="020B0609020000020004" pitchFamily="49" charset="0"/>
+                <a:cs typeface="Cascadia Code" panose="020B0609020000020004" pitchFamily="49" charset="0"/>
+              </a:rPr>
+              <a:t>Reliability</a:t>
+            </a:r>
+          </a:p>
+          <a:p>
+            <a:pPr marL="285750" indent="-285750">
+              <a:buFont typeface="Arial" panose="020B0604020202020204" pitchFamily="34" charset="0"/>
+              <a:buChar char="•"/>
+            </a:pPr>
+            <a:r>
+              <a:rPr lang="en-GB" b="1" dirty="0">
+                <a:latin typeface="Cascadia Code" panose="020B0609020000020004" pitchFamily="49" charset="0"/>
+                <a:cs typeface="Cascadia Code" panose="020B0609020000020004" pitchFamily="49" charset="0"/>
+              </a:rPr>
+              <a:t>95% uptime, 1-hour MTTR.</a:t>
+            </a:r>
+          </a:p>
+          <a:p>
+            <a:pPr marL="285750" indent="-285750">
+              <a:buFont typeface="Arial" panose="020B0604020202020204" pitchFamily="34" charset="0"/>
+              <a:buChar char="•"/>
+            </a:pPr>
+            <a:r>
+              <a:rPr lang="en-GB" b="1" dirty="0">
+                <a:latin typeface="Cascadia Code" panose="020B0609020000020004" pitchFamily="49" charset="0"/>
+                <a:cs typeface="Cascadia Code" panose="020B0609020000020004" pitchFamily="49" charset="0"/>
+              </a:rPr>
+              <a:t>Regular backups and redundancy implemented.</a:t>
+            </a:r>
+          </a:p>
+          <a:p>
+            <a:r>
+              <a:rPr lang="en-GB" b="1" dirty="0">
+                <a:solidFill>
+                  <a:srgbClr val="00B0F0"/>
+                </a:solidFill>
+                <a:latin typeface="Cascadia Code" panose="020B0609020000020004" pitchFamily="49" charset="0"/>
+                <a:cs typeface="Cascadia Code" panose="020B0609020000020004" pitchFamily="49" charset="0"/>
+              </a:rPr>
+              <a:t>Maintainability</a:t>
+            </a:r>
+          </a:p>
+          <a:p>
+            <a:pPr marL="285750" indent="-285750">
+              <a:buFont typeface="Arial" panose="020B0604020202020204" pitchFamily="34" charset="0"/>
+              <a:buChar char="•"/>
+            </a:pPr>
+            <a:r>
+              <a:rPr lang="en-GB" b="1" dirty="0">
+                <a:latin typeface="Cascadia Code" panose="020B0609020000020004" pitchFamily="49" charset="0"/>
+                <a:cs typeface="Cascadia Code" panose="020B0609020000020004" pitchFamily="49" charset="0"/>
+              </a:rPr>
+              <a:t>Modular design for easy updates.</a:t>
+            </a:r>
+          </a:p>
+          <a:p>
+            <a:pPr marL="285750" indent="-285750">
+              <a:buFont typeface="Arial" panose="020B0604020202020204" pitchFamily="34" charset="0"/>
+              <a:buChar char="•"/>
+            </a:pPr>
+            <a:r>
+              <a:rPr lang="en-GB" b="1" dirty="0">
+                <a:latin typeface="Cascadia Code" panose="020B0609020000020004" pitchFamily="49" charset="0"/>
+                <a:cs typeface="Cascadia Code" panose="020B0609020000020004" pitchFamily="49" charset="0"/>
+              </a:rPr>
+              <a:t>Comprehensive code and architecture documentation.</a:t>
+            </a:r>
+            <a:endParaRPr lang="en-GB" sz="1600" b="1" dirty="0">
+              <a:latin typeface="Cascadia Code" panose="020B0609020000020004" pitchFamily="49" charset="0"/>
+              <a:cs typeface="Cascadia Code" panose="020B0609020000020004" pitchFamily="49" charset="0"/>
+            </a:endParaRPr>
+          </a:p>
+          <a:p>
+            <a:endParaRPr lang="en-GB" sz="1600" dirty="0">
+              <a:latin typeface="Cascadia Code" panose="020B0609020000020004" pitchFamily="49" charset="0"/>
+              <a:cs typeface="Cascadia Code" panose="020B0609020000020004" pitchFamily="49" charset="0"/>
+            </a:endParaRPr>
+          </a:p>
+        </p:txBody>
+      </p:sp>
+      <p:sp>
+        <p:nvSpPr>
+          <p:cNvPr id="2" name="TextBox 1">
+            <a:extLst>
+              <a:ext uri="{FF2B5EF4-FFF2-40B4-BE49-F238E27FC236}">
+                <a16:creationId xmlns:a16="http://schemas.microsoft.com/office/drawing/2014/main" id="{6A45C260-8134-B689-586B-CE43C9BD0E5D}"/>
+              </a:ext>
+            </a:extLst>
+          </p:cNvPr>
+          <p:cNvSpPr txBox="1"/>
+          <p:nvPr/>
+        </p:nvSpPr>
+        <p:spPr>
+          <a:xfrm>
+            <a:off x="5651500" y="495300"/>
+            <a:ext cx="6375400" cy="4770537"/>
+          </a:xfrm>
+          <a:prstGeom prst="rect">
+            <a:avLst/>
+          </a:prstGeom>
+          <a:noFill/>
+        </p:spPr>
+        <p:txBody>
+          <a:bodyPr wrap="square" rtlCol="0">
+            <a:spAutoFit/>
+          </a:bodyPr>
+          <a:lstStyle/>
+          <a:p>
+            <a:r>
+              <a:rPr lang="en-GB" b="1" dirty="0">
+                <a:solidFill>
+                  <a:srgbClr val="00B0F0"/>
+                </a:solidFill>
+                <a:latin typeface="Cascadia Code" panose="020B0609020000020004" pitchFamily="49" charset="0"/>
+                <a:cs typeface="Cascadia Code" panose="020B0609020000020004" pitchFamily="49" charset="0"/>
+              </a:rPr>
+              <a:t>Security</a:t>
+            </a:r>
+          </a:p>
+          <a:p>
+            <a:pPr marL="285750" indent="-285750">
+              <a:buFont typeface="Arial" panose="020B0604020202020204" pitchFamily="34" charset="0"/>
+              <a:buChar char="•"/>
+            </a:pPr>
+            <a:r>
+              <a:rPr lang="en-GB" b="1" dirty="0">
+                <a:latin typeface="Cascadia Code" panose="020B0609020000020004" pitchFamily="49" charset="0"/>
+                <a:cs typeface="Cascadia Code" panose="020B0609020000020004" pitchFamily="49" charset="0"/>
+              </a:rPr>
+              <a:t>Role-Based Access Control (RBAC) with Clerk.com.</a:t>
+            </a:r>
+          </a:p>
+          <a:p>
+            <a:pPr marL="285750" indent="-285750">
+              <a:buFont typeface="Arial" panose="020B0604020202020204" pitchFamily="34" charset="0"/>
+              <a:buChar char="•"/>
+            </a:pPr>
+            <a:r>
+              <a:rPr lang="en-GB" b="1" dirty="0">
+                <a:latin typeface="Cascadia Code" panose="020B0609020000020004" pitchFamily="49" charset="0"/>
+                <a:cs typeface="Cascadia Code" panose="020B0609020000020004" pitchFamily="49" charset="0"/>
+              </a:rPr>
+              <a:t>Data encryption in transit and at rest.</a:t>
+            </a:r>
+          </a:p>
+          <a:p>
+            <a:r>
+              <a:rPr lang="en-GB" b="1" dirty="0">
+                <a:solidFill>
+                  <a:srgbClr val="00B0F0"/>
+                </a:solidFill>
+                <a:latin typeface="Cascadia Code" panose="020B0609020000020004" pitchFamily="49" charset="0"/>
+                <a:cs typeface="Cascadia Code" panose="020B0609020000020004" pitchFamily="49" charset="0"/>
+              </a:rPr>
+              <a:t>Usability</a:t>
+            </a:r>
+          </a:p>
+          <a:p>
+            <a:pPr marL="285750" indent="-285750">
+              <a:buFont typeface="Arial" panose="020B0604020202020204" pitchFamily="34" charset="0"/>
+              <a:buChar char="•"/>
+            </a:pPr>
+            <a:r>
+              <a:rPr lang="en-GB" b="1" dirty="0">
+                <a:latin typeface="Cascadia Code" panose="020B0609020000020004" pitchFamily="49" charset="0"/>
+                <a:cs typeface="Cascadia Code" panose="020B0609020000020004" pitchFamily="49" charset="0"/>
+              </a:rPr>
+              <a:t>Responsive, consistent interface for all devices.</a:t>
+            </a:r>
+          </a:p>
+          <a:p>
+            <a:pPr marL="285750" indent="-285750">
+              <a:buFont typeface="Arial" panose="020B0604020202020204" pitchFamily="34" charset="0"/>
+              <a:buChar char="•"/>
+            </a:pPr>
+            <a:r>
+              <a:rPr lang="en-GB" b="1" dirty="0">
+                <a:latin typeface="Cascadia Code" panose="020B0609020000020004" pitchFamily="49" charset="0"/>
+                <a:cs typeface="Cascadia Code" panose="020B0609020000020004" pitchFamily="49" charset="0"/>
+              </a:rPr>
+              <a:t>Accessibility for users with disabilities.</a:t>
+            </a:r>
+          </a:p>
+          <a:p>
+            <a:r>
+              <a:rPr lang="en-GB" b="1" dirty="0">
+                <a:solidFill>
+                  <a:srgbClr val="00B0F0"/>
+                </a:solidFill>
+                <a:latin typeface="Cascadia Code" panose="020B0609020000020004" pitchFamily="49" charset="0"/>
+                <a:cs typeface="Cascadia Code" panose="020B0609020000020004" pitchFamily="49" charset="0"/>
+              </a:rPr>
+              <a:t>Interoperability</a:t>
+            </a:r>
+          </a:p>
+          <a:p>
+            <a:pPr marL="285750" indent="-285750">
+              <a:buFont typeface="Arial" panose="020B0604020202020204" pitchFamily="34" charset="0"/>
+              <a:buChar char="•"/>
+            </a:pPr>
+            <a:r>
+              <a:rPr lang="en-GB" b="1" dirty="0">
+                <a:latin typeface="Cascadia Code" panose="020B0609020000020004" pitchFamily="49" charset="0"/>
+                <a:cs typeface="Cascadia Code" panose="020B0609020000020004" pitchFamily="49" charset="0"/>
+              </a:rPr>
+              <a:t>REST APIs for seamless system integration.</a:t>
+            </a:r>
+          </a:p>
+          <a:p>
+            <a:pPr marL="285750" indent="-285750">
+              <a:buFont typeface="Arial" panose="020B0604020202020204" pitchFamily="34" charset="0"/>
+              <a:buChar char="•"/>
+            </a:pPr>
+            <a:r>
+              <a:rPr lang="en-GB" b="1" dirty="0">
+                <a:latin typeface="Cascadia Code" panose="020B0609020000020004" pitchFamily="49" charset="0"/>
+                <a:cs typeface="Cascadia Code" panose="020B0609020000020004" pitchFamily="49" charset="0"/>
+              </a:rPr>
+              <a:t>Compatibility with all browsers and devices.</a:t>
+            </a:r>
+          </a:p>
+          <a:p>
+            <a:r>
+              <a:rPr lang="en-GB" b="1" dirty="0">
+                <a:solidFill>
+                  <a:srgbClr val="00B0F0"/>
+                </a:solidFill>
+                <a:latin typeface="Cascadia Code" panose="020B0609020000020004" pitchFamily="49" charset="0"/>
+                <a:cs typeface="Cascadia Code" panose="020B0609020000020004" pitchFamily="49" charset="0"/>
+              </a:rPr>
+              <a:t>Regulatory Compliance</a:t>
+            </a:r>
+          </a:p>
+          <a:p>
+            <a:pPr marL="285750" indent="-285750">
+              <a:buFont typeface="Arial" panose="020B0604020202020204" pitchFamily="34" charset="0"/>
+              <a:buChar char="•"/>
+            </a:pPr>
+            <a:r>
+              <a:rPr lang="en-GB" b="1" dirty="0">
+                <a:latin typeface="Cascadia Code" panose="020B0609020000020004" pitchFamily="49" charset="0"/>
+                <a:cs typeface="Cascadia Code" panose="020B0609020000020004" pitchFamily="49" charset="0"/>
+              </a:rPr>
+              <a:t>POPIA-compliant with informed consent mechanisms.</a:t>
+            </a:r>
+          </a:p>
+          <a:p>
+            <a:pPr marL="285750" indent="-285750">
+              <a:buFont typeface="Arial" panose="020B0604020202020204" pitchFamily="34" charset="0"/>
+              <a:buChar char="•"/>
+            </a:pPr>
+            <a:r>
+              <a:rPr lang="en-GB" b="1" dirty="0">
+                <a:latin typeface="Cascadia Code" panose="020B0609020000020004" pitchFamily="49" charset="0"/>
+                <a:cs typeface="Cascadia Code" panose="020B0609020000020004" pitchFamily="49" charset="0"/>
+              </a:rPr>
+              <a:t>Secure user data protection and limited data collection.</a:t>
+            </a:r>
+          </a:p>
+          <a:p>
+            <a:endParaRPr lang="en-GB" sz="1600" b="1" dirty="0">
+              <a:solidFill>
+                <a:srgbClr val="00B0F0"/>
+              </a:solidFill>
+              <a:latin typeface="Cascadia Code" panose="020B0609020000020004" pitchFamily="49" charset="0"/>
+              <a:cs typeface="Cascadia Code" panose="020B0609020000020004" pitchFamily="49" charset="0"/>
+            </a:endParaRPr>
+          </a:p>
+        </p:txBody>
+      </p:sp>
+    </p:spTree>
+    <p:extLst>
+      <p:ext uri="{BB962C8B-B14F-4D97-AF65-F5344CB8AC3E}">
+        <p14:creationId xmlns:p14="http://schemas.microsoft.com/office/powerpoint/2010/main" val="275202363"/>
+      </p:ext>
+    </p:extLst>
+  </p:cSld>
+  <p:clrMapOvr>
+    <a:masterClrMapping/>
+  </p:clrMapOvr>
+</p:sld>
+</file>
+
+<file path=ppt/slides/slide12.xml><?xml version="1.0" encoding="utf-8"?>
+<p:sld xmlns:a="http://schemas.openxmlformats.org/drawingml/2006/main" xmlns:r="http://schemas.openxmlformats.org/officeDocument/2006/relationships" xmlns:p="http://schemas.openxmlformats.org/presentationml/2006/main">
+  <p:cSld>
+    <p:spTree>
+      <p:nvGrpSpPr>
+        <p:cNvPr id="1" name="">
+          <a:extLst>
+            <a:ext uri="{FF2B5EF4-FFF2-40B4-BE49-F238E27FC236}">
+              <a16:creationId xmlns:a16="http://schemas.microsoft.com/office/drawing/2014/main" id="{5A75D688-D7EA-BCB9-F9BB-A6FD09167363}"/>
+            </a:ext>
+          </a:extLst>
+        </p:cNvPr>
+        <p:cNvGrpSpPr/>
+        <p:nvPr/>
+      </p:nvGrpSpPr>
+      <p:grpSpPr>
+        <a:xfrm>
+          <a:off x="0" y="0"/>
+          <a:ext cx="0" cy="0"/>
+          <a:chOff x="0" y="0"/>
+          <a:chExt cx="0" cy="0"/>
+        </a:xfrm>
+      </p:grpSpPr>
+      <p:sp>
+        <p:nvSpPr>
+          <p:cNvPr id="4" name="TextBox 3">
+            <a:extLst>
+              <a:ext uri="{FF2B5EF4-FFF2-40B4-BE49-F238E27FC236}">
+                <a16:creationId xmlns:a16="http://schemas.microsoft.com/office/drawing/2014/main" id="{38485730-BB57-5260-64A4-1BD89B50BA8C}"/>
+              </a:ext>
+            </a:extLst>
+          </p:cNvPr>
+          <p:cNvSpPr txBox="1"/>
+          <p:nvPr/>
+        </p:nvSpPr>
+        <p:spPr>
+          <a:xfrm>
+            <a:off x="1346200" y="0"/>
+            <a:ext cx="9144000" cy="369332"/>
+          </a:xfrm>
+          <a:prstGeom prst="rect">
+            <a:avLst/>
+          </a:prstGeom>
+          <a:noFill/>
+        </p:spPr>
+        <p:txBody>
+          <a:bodyPr wrap="square" rtlCol="0">
+            <a:spAutoFit/>
+          </a:bodyPr>
+          <a:lstStyle/>
+          <a:p>
+            <a:r>
+              <a:rPr lang="en-GB" sz="1800" dirty="0">
+                <a:effectLst/>
+                <a:latin typeface="Cascadia Code" panose="020B0609020000020004" pitchFamily="49" charset="0"/>
+                <a:ea typeface="Calibri" panose="020F0502020204030204" pitchFamily="34" charset="0"/>
+                <a:cs typeface="Cascadia Code" panose="020B0609020000020004" pitchFamily="49" charset="0"/>
+              </a:rPr>
+              <a:t>Documentation: Functional Requirements</a:t>
+            </a:r>
+            <a:endParaRPr lang="en-ZA" sz="1800" dirty="0">
+              <a:effectLst/>
+              <a:latin typeface="Cascadia Code" panose="020B0609020000020004" pitchFamily="49" charset="0"/>
+              <a:ea typeface="Calibri" panose="020F0502020204030204" pitchFamily="34" charset="0"/>
+              <a:cs typeface="Cascadia Code" panose="020B0609020000020004" pitchFamily="49" charset="0"/>
+            </a:endParaRPr>
+          </a:p>
+        </p:txBody>
+      </p:sp>
+      <p:sp>
+        <p:nvSpPr>
+          <p:cNvPr id="5" name="TextBox 4">
+            <a:extLst>
+              <a:ext uri="{FF2B5EF4-FFF2-40B4-BE49-F238E27FC236}">
+                <a16:creationId xmlns:a16="http://schemas.microsoft.com/office/drawing/2014/main" id="{5E4920A3-42B6-3277-14AA-442417F221CE}"/>
+              </a:ext>
+            </a:extLst>
+          </p:cNvPr>
+          <p:cNvSpPr txBox="1"/>
+          <p:nvPr/>
+        </p:nvSpPr>
+        <p:spPr>
+          <a:xfrm>
+            <a:off x="228600" y="495300"/>
+            <a:ext cx="5448301" cy="5786199"/>
+          </a:xfrm>
+          <a:prstGeom prst="rect">
+            <a:avLst/>
+          </a:prstGeom>
+          <a:noFill/>
+        </p:spPr>
+        <p:txBody>
+          <a:bodyPr wrap="square" rtlCol="0">
+            <a:spAutoFit/>
+          </a:bodyPr>
+          <a:lstStyle/>
+          <a:p>
+            <a:r>
+              <a:rPr lang="en-GB" b="1" dirty="0">
+                <a:solidFill>
+                  <a:srgbClr val="00B0F0"/>
+                </a:solidFill>
+                <a:latin typeface="Cascadia Code" panose="020B0609020000020004" pitchFamily="49" charset="0"/>
+                <a:cs typeface="Cascadia Code" panose="020B0609020000020004" pitchFamily="49" charset="0"/>
+              </a:rPr>
+              <a:t>User Roles</a:t>
+            </a:r>
+          </a:p>
+          <a:p>
+            <a:pPr marL="285750" indent="-285750">
+              <a:buFont typeface="Arial" panose="020B0604020202020204" pitchFamily="34" charset="0"/>
+              <a:buChar char="•"/>
+            </a:pPr>
+            <a:r>
+              <a:rPr lang="en-GB" sz="1600" dirty="0">
+                <a:latin typeface="Cascadia Code" panose="020B0609020000020004" pitchFamily="49" charset="0"/>
+                <a:cs typeface="Cascadia Code" panose="020B0609020000020004" pitchFamily="49" charset="0"/>
+              </a:rPr>
+              <a:t>Client: Access to booking and limited functionality.</a:t>
+            </a:r>
+          </a:p>
+          <a:p>
+            <a:pPr marL="285750" indent="-285750">
+              <a:buFont typeface="Arial" panose="020B0604020202020204" pitchFamily="34" charset="0"/>
+              <a:buChar char="•"/>
+            </a:pPr>
+            <a:r>
+              <a:rPr lang="en-GB" sz="1600" dirty="0">
+                <a:latin typeface="Cascadia Code" panose="020B0609020000020004" pitchFamily="49" charset="0"/>
+                <a:cs typeface="Cascadia Code" panose="020B0609020000020004" pitchFamily="49" charset="0"/>
+              </a:rPr>
+              <a:t>Coach: Manages lessons, participants, and skill levels.</a:t>
+            </a:r>
+          </a:p>
+          <a:p>
+            <a:pPr marL="285750" indent="-285750">
+              <a:buFont typeface="Arial" panose="020B0604020202020204" pitchFamily="34" charset="0"/>
+              <a:buChar char="•"/>
+            </a:pPr>
+            <a:r>
+              <a:rPr lang="en-GB" sz="1600" dirty="0">
+                <a:latin typeface="Cascadia Code" panose="020B0609020000020004" pitchFamily="49" charset="0"/>
+                <a:cs typeface="Cascadia Code" panose="020B0609020000020004" pitchFamily="49" charset="0"/>
+              </a:rPr>
+              <a:t>Admin: Full system access, including lessons, users, and configurations.</a:t>
+            </a:r>
+          </a:p>
+          <a:p>
+            <a:pPr marL="285750" indent="-285750">
+              <a:buFont typeface="Arial" panose="020B0604020202020204" pitchFamily="34" charset="0"/>
+              <a:buChar char="•"/>
+            </a:pPr>
+            <a:endParaRPr lang="en-GB" sz="1600" dirty="0">
+              <a:latin typeface="Cascadia Code" panose="020B0609020000020004" pitchFamily="49" charset="0"/>
+              <a:cs typeface="Cascadia Code" panose="020B0609020000020004" pitchFamily="49" charset="0"/>
+            </a:endParaRPr>
+          </a:p>
+          <a:p>
+            <a:r>
+              <a:rPr lang="en-GB" sz="1600" dirty="0">
+                <a:solidFill>
+                  <a:srgbClr val="00B0F0"/>
+                </a:solidFill>
+                <a:latin typeface="Cascadia Code" panose="020B0609020000020004" pitchFamily="49" charset="0"/>
+                <a:cs typeface="Cascadia Code" panose="020B0609020000020004" pitchFamily="49" charset="0"/>
+              </a:rPr>
+              <a:t>Key User Stories</a:t>
+            </a:r>
+          </a:p>
+          <a:p>
+            <a:r>
+              <a:rPr lang="en-GB" sz="1600" dirty="0">
+                <a:solidFill>
+                  <a:srgbClr val="00B0F0"/>
+                </a:solidFill>
+                <a:latin typeface="Cascadia Code" panose="020B0609020000020004" pitchFamily="49" charset="0"/>
+                <a:cs typeface="Cascadia Code" panose="020B0609020000020004" pitchFamily="49" charset="0"/>
+              </a:rPr>
+              <a:t>Clients:</a:t>
+            </a:r>
+          </a:p>
+          <a:p>
+            <a:pPr marL="285750" indent="-285750">
+              <a:buFont typeface="Arial" panose="020B0604020202020204" pitchFamily="34" charset="0"/>
+              <a:buChar char="•"/>
+            </a:pPr>
+            <a:r>
+              <a:rPr lang="en-GB" sz="1600" dirty="0">
+                <a:latin typeface="Cascadia Code" panose="020B0609020000020004" pitchFamily="49" charset="0"/>
+                <a:cs typeface="Cascadia Code" panose="020B0609020000020004" pitchFamily="49" charset="0"/>
+              </a:rPr>
+              <a:t>Book skill-appropriate lessons with detailed lesson and payment information.</a:t>
+            </a:r>
+          </a:p>
+          <a:p>
+            <a:pPr marL="285750" indent="-285750">
+              <a:buFont typeface="Arial" panose="020B0604020202020204" pitchFamily="34" charset="0"/>
+              <a:buChar char="•"/>
+            </a:pPr>
+            <a:r>
+              <a:rPr lang="en-GB" sz="1600" dirty="0">
+                <a:latin typeface="Cascadia Code" panose="020B0609020000020004" pitchFamily="49" charset="0"/>
+                <a:cs typeface="Cascadia Code" panose="020B0609020000020004" pitchFamily="49" charset="0"/>
+              </a:rPr>
+              <a:t>View booked and pending lessons with status indicators.</a:t>
+            </a:r>
+          </a:p>
+          <a:p>
+            <a:r>
+              <a:rPr lang="en-GB" sz="1600" dirty="0">
+                <a:solidFill>
+                  <a:srgbClr val="00B0F0"/>
+                </a:solidFill>
+                <a:latin typeface="Cascadia Code" panose="020B0609020000020004" pitchFamily="49" charset="0"/>
+                <a:cs typeface="Cascadia Code" panose="020B0609020000020004" pitchFamily="49" charset="0"/>
+              </a:rPr>
+              <a:t>Coaches:</a:t>
+            </a:r>
+          </a:p>
+          <a:p>
+            <a:pPr marL="285750" indent="-285750">
+              <a:buFont typeface="Arial" panose="020B0604020202020204" pitchFamily="34" charset="0"/>
+              <a:buChar char="•"/>
+            </a:pPr>
+            <a:r>
+              <a:rPr lang="en-GB" sz="1600" dirty="0">
+                <a:latin typeface="Cascadia Code" panose="020B0609020000020004" pitchFamily="49" charset="0"/>
+                <a:cs typeface="Cascadia Code" panose="020B0609020000020004" pitchFamily="49" charset="0"/>
+              </a:rPr>
+              <a:t>Add, edit, and manage lessons with participant details.</a:t>
+            </a:r>
+          </a:p>
+          <a:p>
+            <a:pPr marL="285750" indent="-285750">
+              <a:buFont typeface="Arial" panose="020B0604020202020204" pitchFamily="34" charset="0"/>
+              <a:buChar char="•"/>
+            </a:pPr>
+            <a:r>
+              <a:rPr lang="en-GB" sz="1600" dirty="0">
+                <a:latin typeface="Cascadia Code" panose="020B0609020000020004" pitchFamily="49" charset="0"/>
+                <a:cs typeface="Cascadia Code" panose="020B0609020000020004" pitchFamily="49" charset="0"/>
+              </a:rPr>
+              <a:t>Update skill levels for users and horses.</a:t>
+            </a:r>
+          </a:p>
+          <a:p>
+            <a:r>
+              <a:rPr lang="en-GB" sz="1600" dirty="0">
+                <a:solidFill>
+                  <a:srgbClr val="00B0F0"/>
+                </a:solidFill>
+                <a:latin typeface="Cascadia Code" panose="020B0609020000020004" pitchFamily="49" charset="0"/>
+                <a:cs typeface="Cascadia Code" panose="020B0609020000020004" pitchFamily="49" charset="0"/>
+              </a:rPr>
+              <a:t>Admins:</a:t>
+            </a:r>
+          </a:p>
+          <a:p>
+            <a:pPr marL="285750" indent="-285750">
+              <a:buFont typeface="Arial" panose="020B0604020202020204" pitchFamily="34" charset="0"/>
+              <a:buChar char="•"/>
+            </a:pPr>
+            <a:r>
+              <a:rPr lang="en-GB" sz="1600" dirty="0">
+                <a:latin typeface="Cascadia Code" panose="020B0609020000020004" pitchFamily="49" charset="0"/>
+                <a:cs typeface="Cascadia Code" panose="020B0609020000020004" pitchFamily="49" charset="0"/>
+              </a:rPr>
+              <a:t>Create, view, edit, and delete lessons, users, and horses.</a:t>
+            </a:r>
+          </a:p>
+          <a:p>
+            <a:pPr marL="285750" indent="-285750">
+              <a:buFont typeface="Arial" panose="020B0604020202020204" pitchFamily="34" charset="0"/>
+              <a:buChar char="•"/>
+            </a:pPr>
+            <a:r>
+              <a:rPr lang="en-GB" sz="1600" dirty="0">
+                <a:latin typeface="Cascadia Code" panose="020B0609020000020004" pitchFamily="49" charset="0"/>
+                <a:cs typeface="Cascadia Code" panose="020B0609020000020004" pitchFamily="49" charset="0"/>
+              </a:rPr>
+              <a:t>Manage contact, payment, and address details.</a:t>
+            </a:r>
+          </a:p>
+        </p:txBody>
+      </p:sp>
+      <p:sp>
+        <p:nvSpPr>
+          <p:cNvPr id="2" name="TextBox 1">
+            <a:extLst>
+              <a:ext uri="{FF2B5EF4-FFF2-40B4-BE49-F238E27FC236}">
+                <a16:creationId xmlns:a16="http://schemas.microsoft.com/office/drawing/2014/main" id="{B844E1B9-9F4F-1CFA-48AF-8C90581CCF22}"/>
+              </a:ext>
+            </a:extLst>
+          </p:cNvPr>
+          <p:cNvSpPr txBox="1"/>
+          <p:nvPr/>
+        </p:nvSpPr>
+        <p:spPr>
+          <a:xfrm>
+            <a:off x="5651500" y="495300"/>
+            <a:ext cx="6375400" cy="2831544"/>
+          </a:xfrm>
+          <a:prstGeom prst="rect">
+            <a:avLst/>
+          </a:prstGeom>
+          <a:noFill/>
+        </p:spPr>
+        <p:txBody>
+          <a:bodyPr wrap="square" rtlCol="0">
+            <a:spAutoFit/>
+          </a:bodyPr>
+          <a:lstStyle/>
+          <a:p>
+            <a:r>
+              <a:rPr lang="en-GB" b="1" dirty="0">
+                <a:solidFill>
+                  <a:srgbClr val="00B0F0"/>
+                </a:solidFill>
+                <a:latin typeface="Cascadia Code" panose="020B0609020000020004" pitchFamily="49" charset="0"/>
+                <a:cs typeface="Cascadia Code" panose="020B0609020000020004" pitchFamily="49" charset="0"/>
+              </a:rPr>
+              <a:t>Critical Features</a:t>
+            </a:r>
+          </a:p>
+          <a:p>
+            <a:r>
+              <a:rPr lang="en-GB" sz="1600" b="1" dirty="0">
+                <a:solidFill>
+                  <a:srgbClr val="00B0F0"/>
+                </a:solidFill>
+                <a:latin typeface="Cascadia Code" panose="020B0609020000020004" pitchFamily="49" charset="0"/>
+                <a:cs typeface="Cascadia Code" panose="020B0609020000020004" pitchFamily="49" charset="0"/>
+              </a:rPr>
+              <a:t>Lesson Booking:</a:t>
+            </a:r>
+          </a:p>
+          <a:p>
+            <a:pPr marL="285750" indent="-285750">
+              <a:buFont typeface="Arial" panose="020B0604020202020204" pitchFamily="34" charset="0"/>
+              <a:buChar char="•"/>
+            </a:pPr>
+            <a:r>
+              <a:rPr lang="en-GB" sz="1600" b="1" dirty="0">
+                <a:latin typeface="Cascadia Code" panose="020B0609020000020004" pitchFamily="49" charset="0"/>
+                <a:cs typeface="Cascadia Code" panose="020B0609020000020004" pitchFamily="49" charset="0"/>
+              </a:rPr>
+              <a:t>Calendar-based selection with availability verification.</a:t>
+            </a:r>
+          </a:p>
+          <a:p>
+            <a:pPr marL="285750" indent="-285750">
+              <a:buFont typeface="Arial" panose="020B0604020202020204" pitchFamily="34" charset="0"/>
+              <a:buChar char="•"/>
+            </a:pPr>
+            <a:r>
+              <a:rPr lang="en-GB" sz="1600" b="1" dirty="0">
+                <a:latin typeface="Cascadia Code" panose="020B0609020000020004" pitchFamily="49" charset="0"/>
+                <a:cs typeface="Cascadia Code" panose="020B0609020000020004" pitchFamily="49" charset="0"/>
+              </a:rPr>
+              <a:t>Integrated payment and proof submission.</a:t>
+            </a:r>
+          </a:p>
+          <a:p>
+            <a:r>
+              <a:rPr lang="en-GB" sz="1600" dirty="0">
+                <a:solidFill>
+                  <a:srgbClr val="00B0F0"/>
+                </a:solidFill>
+                <a:latin typeface="Cascadia Code" panose="020B0609020000020004" pitchFamily="49" charset="0"/>
+                <a:cs typeface="Cascadia Code" panose="020B0609020000020004" pitchFamily="49" charset="0"/>
+              </a:rPr>
+              <a:t>Lesson Management:</a:t>
+            </a:r>
+          </a:p>
+          <a:p>
+            <a:pPr marL="285750" indent="-285750">
+              <a:buFont typeface="Arial" panose="020B0604020202020204" pitchFamily="34" charset="0"/>
+              <a:buChar char="•"/>
+            </a:pPr>
+            <a:r>
+              <a:rPr lang="en-GB" sz="1600" b="1" dirty="0">
+                <a:latin typeface="Cascadia Code" panose="020B0609020000020004" pitchFamily="49" charset="0"/>
+                <a:cs typeface="Cascadia Code" panose="020B0609020000020004" pitchFamily="49" charset="0"/>
+              </a:rPr>
+              <a:t>CRUD operations for lessons with detailed configurations.</a:t>
+            </a:r>
+          </a:p>
+          <a:p>
+            <a:r>
+              <a:rPr lang="en-GB" sz="1600" b="1" dirty="0">
+                <a:solidFill>
+                  <a:srgbClr val="00B0F0"/>
+                </a:solidFill>
+                <a:latin typeface="Cascadia Code" panose="020B0609020000020004" pitchFamily="49" charset="0"/>
+                <a:cs typeface="Cascadia Code" panose="020B0609020000020004" pitchFamily="49" charset="0"/>
+              </a:rPr>
+              <a:t>Data Management:</a:t>
+            </a:r>
+          </a:p>
+          <a:p>
+            <a:pPr marL="285750" indent="-285750">
+              <a:buFont typeface="Arial" panose="020B0604020202020204" pitchFamily="34" charset="0"/>
+              <a:buChar char="•"/>
+            </a:pPr>
+            <a:r>
+              <a:rPr lang="en-GB" sz="1600" b="1" dirty="0">
+                <a:latin typeface="Cascadia Code" panose="020B0609020000020004" pitchFamily="49" charset="0"/>
+                <a:cs typeface="Cascadia Code" panose="020B0609020000020004" pitchFamily="49" charset="0"/>
+              </a:rPr>
+              <a:t>Manage users, horses, payment, and contact details with filters and search functionality.</a:t>
+            </a:r>
+          </a:p>
+        </p:txBody>
+      </p:sp>
+    </p:spTree>
+    <p:extLst>
+      <p:ext uri="{BB962C8B-B14F-4D97-AF65-F5344CB8AC3E}">
+        <p14:creationId xmlns:p14="http://schemas.microsoft.com/office/powerpoint/2010/main" val="1185129995"/>
+      </p:ext>
+    </p:extLst>
+  </p:cSld>
+  <p:clrMapOvr>
+    <a:masterClrMapping/>
+  </p:clrMapOvr>
+</p:sld>
+</file>
+
+<file path=ppt/slides/slide13.xml><?xml version="1.0" encoding="utf-8"?>
+<p:sld xmlns:a="http://schemas.openxmlformats.org/drawingml/2006/main" xmlns:r="http://schemas.openxmlformats.org/officeDocument/2006/relationships" xmlns:p="http://schemas.openxmlformats.org/presentationml/2006/main">
+  <p:cSld>
+    <p:spTree>
+      <p:nvGrpSpPr>
+        <p:cNvPr id="1" name="">
+          <a:extLst>
+            <a:ext uri="{FF2B5EF4-FFF2-40B4-BE49-F238E27FC236}">
+              <a16:creationId xmlns:a16="http://schemas.microsoft.com/office/drawing/2014/main" id="{65ABFFC4-E3E9-1C86-4D38-403143981A5A}"/>
+            </a:ext>
+          </a:extLst>
+        </p:cNvPr>
+        <p:cNvGrpSpPr/>
+        <p:nvPr/>
+      </p:nvGrpSpPr>
+      <p:grpSpPr>
+        <a:xfrm>
+          <a:off x="0" y="0"/>
+          <a:ext cx="0" cy="0"/>
+          <a:chOff x="0" y="0"/>
+          <a:chExt cx="0" cy="0"/>
+        </a:xfrm>
+      </p:grpSpPr>
+      <p:sp>
+        <p:nvSpPr>
+          <p:cNvPr id="4" name="TextBox 3">
+            <a:extLst>
+              <a:ext uri="{FF2B5EF4-FFF2-40B4-BE49-F238E27FC236}">
+                <a16:creationId xmlns:a16="http://schemas.microsoft.com/office/drawing/2014/main" id="{DEC631FA-9F94-31DE-CB4B-B447BA0F6C29}"/>
+              </a:ext>
+            </a:extLst>
+          </p:cNvPr>
+          <p:cNvSpPr txBox="1"/>
+          <p:nvPr/>
+        </p:nvSpPr>
+        <p:spPr>
+          <a:xfrm>
+            <a:off x="3727450" y="0"/>
+            <a:ext cx="5391150" cy="369332"/>
+          </a:xfrm>
+          <a:prstGeom prst="rect">
+            <a:avLst/>
+          </a:prstGeom>
+          <a:noFill/>
+        </p:spPr>
+        <p:txBody>
+          <a:bodyPr wrap="square" rtlCol="0">
+            <a:spAutoFit/>
+          </a:bodyPr>
+          <a:lstStyle/>
+          <a:p>
+            <a:r>
+              <a:rPr lang="en-GB" sz="1800" dirty="0">
+                <a:effectLst/>
+                <a:latin typeface="Cascadia Code" panose="020B0609020000020004" pitchFamily="49" charset="0"/>
+                <a:ea typeface="Calibri" panose="020F0502020204030204" pitchFamily="34" charset="0"/>
+                <a:cs typeface="Cascadia Code" panose="020B0609020000020004" pitchFamily="49" charset="0"/>
+              </a:rPr>
+              <a:t>Documentation: Security</a:t>
+            </a:r>
+            <a:endParaRPr lang="en-ZA" sz="1800" dirty="0">
+              <a:effectLst/>
+              <a:latin typeface="Cascadia Code" panose="020B0609020000020004" pitchFamily="49" charset="0"/>
+              <a:ea typeface="Calibri" panose="020F0502020204030204" pitchFamily="34" charset="0"/>
+              <a:cs typeface="Cascadia Code" panose="020B0609020000020004" pitchFamily="49" charset="0"/>
+            </a:endParaRPr>
+          </a:p>
+        </p:txBody>
+      </p:sp>
+      <p:sp>
+        <p:nvSpPr>
+          <p:cNvPr id="5" name="TextBox 4">
+            <a:extLst>
+              <a:ext uri="{FF2B5EF4-FFF2-40B4-BE49-F238E27FC236}">
+                <a16:creationId xmlns:a16="http://schemas.microsoft.com/office/drawing/2014/main" id="{DF23A49D-B4A9-6067-C8B7-4F173D7B3C9F}"/>
+              </a:ext>
+            </a:extLst>
+          </p:cNvPr>
+          <p:cNvSpPr txBox="1"/>
+          <p:nvPr/>
+        </p:nvSpPr>
+        <p:spPr>
+          <a:xfrm>
+            <a:off x="228599" y="495300"/>
+            <a:ext cx="6453189" cy="5262979"/>
+          </a:xfrm>
+          <a:prstGeom prst="rect">
+            <a:avLst/>
+          </a:prstGeom>
+          <a:noFill/>
+        </p:spPr>
+        <p:txBody>
+          <a:bodyPr wrap="square" rtlCol="0">
+            <a:spAutoFit/>
+          </a:bodyPr>
+          <a:lstStyle/>
+          <a:p>
+            <a:r>
+              <a:rPr lang="en-GB" sz="1400" b="1" dirty="0">
+                <a:solidFill>
+                  <a:srgbClr val="00B0F0"/>
+                </a:solidFill>
+                <a:latin typeface="Cascadia Code" panose="020B0609020000020004" pitchFamily="49" charset="0"/>
+                <a:cs typeface="Cascadia Code" panose="020B0609020000020004" pitchFamily="49" charset="0"/>
+              </a:rPr>
+              <a:t>Security Architecture</a:t>
+            </a:r>
+          </a:p>
+          <a:p>
+            <a:r>
+              <a:rPr lang="en-GB" sz="1400" dirty="0">
+                <a:solidFill>
+                  <a:srgbClr val="00B0F0"/>
+                </a:solidFill>
+                <a:latin typeface="Cascadia Code" panose="020B0609020000020004" pitchFamily="49" charset="0"/>
+                <a:cs typeface="Cascadia Code" panose="020B0609020000020004" pitchFamily="49" charset="0"/>
+              </a:rPr>
+              <a:t>Frontend (React):</a:t>
+            </a:r>
+          </a:p>
+          <a:p>
+            <a:pPr marL="285750" indent="-285750">
+              <a:buFont typeface="Arial" panose="020B0604020202020204" pitchFamily="34" charset="0"/>
+              <a:buChar char="•"/>
+            </a:pPr>
+            <a:r>
+              <a:rPr lang="en-GB" sz="1400" dirty="0">
+                <a:latin typeface="Cascadia Code" panose="020B0609020000020004" pitchFamily="49" charset="0"/>
+                <a:cs typeface="Cascadia Code" panose="020B0609020000020004" pitchFamily="49" charset="0"/>
+              </a:rPr>
+              <a:t>Validates user inputs and prevents XSS attacks.</a:t>
+            </a:r>
+          </a:p>
+          <a:p>
+            <a:pPr marL="285750" indent="-285750">
+              <a:buFont typeface="Arial" panose="020B0604020202020204" pitchFamily="34" charset="0"/>
+              <a:buChar char="•"/>
+            </a:pPr>
+            <a:r>
+              <a:rPr lang="en-GB" sz="1400" dirty="0">
+                <a:latin typeface="Cascadia Code" panose="020B0609020000020004" pitchFamily="49" charset="0"/>
+                <a:cs typeface="Cascadia Code" panose="020B0609020000020004" pitchFamily="49" charset="0"/>
+              </a:rPr>
+              <a:t>Secure communication via HTTPS.</a:t>
+            </a:r>
+          </a:p>
+          <a:p>
+            <a:r>
+              <a:rPr lang="en-GB" sz="1400" dirty="0">
+                <a:solidFill>
+                  <a:srgbClr val="00B0F0"/>
+                </a:solidFill>
+                <a:latin typeface="Cascadia Code" panose="020B0609020000020004" pitchFamily="49" charset="0"/>
+                <a:cs typeface="Cascadia Code" panose="020B0609020000020004" pitchFamily="49" charset="0"/>
+              </a:rPr>
+              <a:t>Backend (Next.js):</a:t>
+            </a:r>
+          </a:p>
+          <a:p>
+            <a:pPr marL="285750" indent="-285750">
+              <a:buFont typeface="Arial" panose="020B0604020202020204" pitchFamily="34" charset="0"/>
+              <a:buChar char="•"/>
+            </a:pPr>
+            <a:r>
+              <a:rPr lang="en-GB" sz="1400" dirty="0">
+                <a:latin typeface="Cascadia Code" panose="020B0609020000020004" pitchFamily="49" charset="0"/>
+                <a:cs typeface="Cascadia Code" panose="020B0609020000020004" pitchFamily="49" charset="0"/>
+              </a:rPr>
+              <a:t>Role-based access control (RBAC).</a:t>
+            </a:r>
+          </a:p>
+          <a:p>
+            <a:pPr marL="285750" indent="-285750">
+              <a:buFont typeface="Arial" panose="020B0604020202020204" pitchFamily="34" charset="0"/>
+              <a:buChar char="•"/>
+            </a:pPr>
+            <a:r>
+              <a:rPr lang="en-GB" sz="1400" dirty="0">
+                <a:latin typeface="Cascadia Code" panose="020B0609020000020004" pitchFamily="49" charset="0"/>
+                <a:cs typeface="Cascadia Code" panose="020B0609020000020004" pitchFamily="49" charset="0"/>
+              </a:rPr>
+              <a:t>API request validation and session token management.</a:t>
+            </a:r>
+          </a:p>
+          <a:p>
+            <a:r>
+              <a:rPr lang="en-GB" sz="1400" dirty="0">
+                <a:solidFill>
+                  <a:srgbClr val="00B0F0"/>
+                </a:solidFill>
+                <a:latin typeface="Cascadia Code" panose="020B0609020000020004" pitchFamily="49" charset="0"/>
+                <a:cs typeface="Cascadia Code" panose="020B0609020000020004" pitchFamily="49" charset="0"/>
+              </a:rPr>
+              <a:t>Database (</a:t>
+            </a:r>
+            <a:r>
+              <a:rPr lang="en-GB" sz="1400" dirty="0" err="1">
+                <a:solidFill>
+                  <a:srgbClr val="00B0F0"/>
+                </a:solidFill>
+                <a:latin typeface="Cascadia Code" panose="020B0609020000020004" pitchFamily="49" charset="0"/>
+                <a:cs typeface="Cascadia Code" panose="020B0609020000020004" pitchFamily="49" charset="0"/>
+              </a:rPr>
+              <a:t>Supabase</a:t>
+            </a:r>
+            <a:r>
+              <a:rPr lang="en-GB" sz="1400" dirty="0">
+                <a:solidFill>
+                  <a:srgbClr val="00B0F0"/>
+                </a:solidFill>
+                <a:latin typeface="Cascadia Code" panose="020B0609020000020004" pitchFamily="49" charset="0"/>
+                <a:cs typeface="Cascadia Code" panose="020B0609020000020004" pitchFamily="49" charset="0"/>
+              </a:rPr>
+              <a:t>):</a:t>
+            </a:r>
+          </a:p>
+          <a:p>
+            <a:pPr marL="285750" indent="-285750">
+              <a:buFont typeface="Arial" panose="020B0604020202020204" pitchFamily="34" charset="0"/>
+              <a:buChar char="•"/>
+            </a:pPr>
+            <a:r>
+              <a:rPr lang="en-GB" sz="1400" dirty="0">
+                <a:latin typeface="Cascadia Code" panose="020B0609020000020004" pitchFamily="49" charset="0"/>
+                <a:cs typeface="Cascadia Code" panose="020B0609020000020004" pitchFamily="49" charset="0"/>
+              </a:rPr>
+              <a:t>Row-level security (RLS) and encryption.</a:t>
+            </a:r>
+          </a:p>
+          <a:p>
+            <a:pPr marL="285750" indent="-285750">
+              <a:buFont typeface="Arial" panose="020B0604020202020204" pitchFamily="34" charset="0"/>
+              <a:buChar char="•"/>
+            </a:pPr>
+            <a:r>
+              <a:rPr lang="en-GB" sz="1400" dirty="0">
+                <a:latin typeface="Cascadia Code" panose="020B0609020000020004" pitchFamily="49" charset="0"/>
+                <a:cs typeface="Cascadia Code" panose="020B0609020000020004" pitchFamily="49" charset="0"/>
+              </a:rPr>
+              <a:t>Periodic backups ensure data recovery.</a:t>
+            </a:r>
+          </a:p>
+          <a:p>
+            <a:r>
+              <a:rPr lang="en-GB" sz="1400" dirty="0">
+                <a:solidFill>
+                  <a:srgbClr val="00B0F0"/>
+                </a:solidFill>
+                <a:latin typeface="Cascadia Code" panose="020B0609020000020004" pitchFamily="49" charset="0"/>
+                <a:cs typeface="Cascadia Code" panose="020B0609020000020004" pitchFamily="49" charset="0"/>
+              </a:rPr>
+              <a:t>Third-Party Services:</a:t>
+            </a:r>
+          </a:p>
+          <a:p>
+            <a:pPr marL="285750" indent="-285750">
+              <a:buFont typeface="Arial" panose="020B0604020202020204" pitchFamily="34" charset="0"/>
+              <a:buChar char="•"/>
+            </a:pPr>
+            <a:r>
+              <a:rPr lang="en-GB" sz="1400" dirty="0">
+                <a:latin typeface="Cascadia Code" panose="020B0609020000020004" pitchFamily="49" charset="0"/>
+                <a:cs typeface="Cascadia Code" panose="020B0609020000020004" pitchFamily="49" charset="0"/>
+              </a:rPr>
+              <a:t>Secure payment processing and notification systems.</a:t>
+            </a:r>
+          </a:p>
+          <a:p>
+            <a:r>
+              <a:rPr lang="en-GB" sz="1400" dirty="0">
+                <a:solidFill>
+                  <a:srgbClr val="00B0F0"/>
+                </a:solidFill>
+                <a:latin typeface="Cascadia Code" panose="020B0609020000020004" pitchFamily="49" charset="0"/>
+                <a:cs typeface="Cascadia Code" panose="020B0609020000020004" pitchFamily="49" charset="0"/>
+              </a:rPr>
+              <a:t>Threats and Mitigations</a:t>
+            </a:r>
+          </a:p>
+          <a:p>
+            <a:r>
+              <a:rPr lang="en-GB" sz="1400" dirty="0">
+                <a:solidFill>
+                  <a:srgbClr val="00B0F0"/>
+                </a:solidFill>
+                <a:latin typeface="Cascadia Code" panose="020B0609020000020004" pitchFamily="49" charset="0"/>
+                <a:cs typeface="Cascadia Code" panose="020B0609020000020004" pitchFamily="49" charset="0"/>
+              </a:rPr>
+              <a:t>Potential Threats:</a:t>
+            </a:r>
+          </a:p>
+          <a:p>
+            <a:pPr marL="285750" indent="-285750">
+              <a:buFont typeface="Arial" panose="020B0604020202020204" pitchFamily="34" charset="0"/>
+              <a:buChar char="•"/>
+            </a:pPr>
+            <a:r>
+              <a:rPr lang="en-GB" sz="1400" dirty="0">
+                <a:latin typeface="Cascadia Code" panose="020B0609020000020004" pitchFamily="49" charset="0"/>
+                <a:cs typeface="Cascadia Code" panose="020B0609020000020004" pitchFamily="49" charset="0"/>
+              </a:rPr>
+              <a:t>SQL injection, XSS, social engineering.</a:t>
+            </a:r>
+          </a:p>
+          <a:p>
+            <a:pPr marL="285750" indent="-285750">
+              <a:buFont typeface="Arial" panose="020B0604020202020204" pitchFamily="34" charset="0"/>
+              <a:buChar char="•"/>
+            </a:pPr>
+            <a:r>
+              <a:rPr lang="en-GB" sz="1400" dirty="0">
+                <a:latin typeface="Cascadia Code" panose="020B0609020000020004" pitchFamily="49" charset="0"/>
+                <a:cs typeface="Cascadia Code" panose="020B0609020000020004" pitchFamily="49" charset="0"/>
+              </a:rPr>
+              <a:t>Weak passwords and unsecured APIs.</a:t>
+            </a:r>
+          </a:p>
+          <a:p>
+            <a:r>
+              <a:rPr lang="en-GB" sz="1400" dirty="0">
+                <a:solidFill>
+                  <a:srgbClr val="00B0F0"/>
+                </a:solidFill>
+                <a:latin typeface="Cascadia Code" panose="020B0609020000020004" pitchFamily="49" charset="0"/>
+                <a:cs typeface="Cascadia Code" panose="020B0609020000020004" pitchFamily="49" charset="0"/>
+              </a:rPr>
+              <a:t>Mitigations:</a:t>
+            </a:r>
+          </a:p>
+          <a:p>
+            <a:pPr marL="285750" indent="-285750">
+              <a:buFont typeface="Arial" panose="020B0604020202020204" pitchFamily="34" charset="0"/>
+              <a:buChar char="•"/>
+            </a:pPr>
+            <a:r>
+              <a:rPr lang="en-GB" sz="1400" dirty="0">
+                <a:latin typeface="Cascadia Code" panose="020B0609020000020004" pitchFamily="49" charset="0"/>
+                <a:cs typeface="Cascadia Code" panose="020B0609020000020004" pitchFamily="49" charset="0"/>
+              </a:rPr>
+              <a:t>Input validation and multi-factor authentication (MFA).</a:t>
+            </a:r>
+          </a:p>
+          <a:p>
+            <a:pPr marL="285750" indent="-285750">
+              <a:buFont typeface="Arial" panose="020B0604020202020204" pitchFamily="34" charset="0"/>
+              <a:buChar char="•"/>
+            </a:pPr>
+            <a:r>
+              <a:rPr lang="en-GB" sz="1400" dirty="0">
+                <a:latin typeface="Cascadia Code" panose="020B0609020000020004" pitchFamily="49" charset="0"/>
+                <a:cs typeface="Cascadia Code" panose="020B0609020000020004" pitchFamily="49" charset="0"/>
+              </a:rPr>
+              <a:t>Secure tokens, HTTPS for encrypted communication.</a:t>
+            </a:r>
+          </a:p>
+          <a:p>
+            <a:r>
+              <a:rPr lang="en-GB" sz="1400" dirty="0">
+                <a:solidFill>
+                  <a:srgbClr val="00B0F0"/>
+                </a:solidFill>
+                <a:latin typeface="Cascadia Code" panose="020B0609020000020004" pitchFamily="49" charset="0"/>
+                <a:cs typeface="Cascadia Code" panose="020B0609020000020004" pitchFamily="49" charset="0"/>
+              </a:rPr>
+              <a:t>General Security Measures</a:t>
+            </a:r>
+          </a:p>
+          <a:p>
+            <a:pPr marL="285750" indent="-285750">
+              <a:buFont typeface="Arial" panose="020B0604020202020204" pitchFamily="34" charset="0"/>
+              <a:buChar char="•"/>
+            </a:pPr>
+            <a:r>
+              <a:rPr lang="en-GB" sz="1400" dirty="0">
+                <a:latin typeface="Cascadia Code" panose="020B0609020000020004" pitchFamily="49" charset="0"/>
+                <a:cs typeface="Cascadia Code" panose="020B0609020000020004" pitchFamily="49" charset="0"/>
+              </a:rPr>
+              <a:t>Authentication and RBAC for controlled access.</a:t>
+            </a:r>
+          </a:p>
+          <a:p>
+            <a:pPr marL="285750" indent="-285750">
+              <a:buFont typeface="Arial" panose="020B0604020202020204" pitchFamily="34" charset="0"/>
+              <a:buChar char="•"/>
+            </a:pPr>
+            <a:r>
+              <a:rPr lang="en-GB" sz="1400" dirty="0">
+                <a:latin typeface="Cascadia Code" panose="020B0609020000020004" pitchFamily="49" charset="0"/>
+                <a:cs typeface="Cascadia Code" panose="020B0609020000020004" pitchFamily="49" charset="0"/>
+              </a:rPr>
+              <a:t>Encryption for data in transit and at rest.</a:t>
+            </a:r>
+          </a:p>
+          <a:p>
+            <a:pPr marL="285750" indent="-285750">
+              <a:buFont typeface="Arial" panose="020B0604020202020204" pitchFamily="34" charset="0"/>
+              <a:buChar char="•"/>
+            </a:pPr>
+            <a:r>
+              <a:rPr lang="en-GB" sz="1400" dirty="0">
+                <a:latin typeface="Cascadia Code" panose="020B0609020000020004" pitchFamily="49" charset="0"/>
+                <a:cs typeface="Cascadia Code" panose="020B0609020000020004" pitchFamily="49" charset="0"/>
+              </a:rPr>
+              <a:t>Complete mediation: Validating every request.</a:t>
+            </a:r>
+          </a:p>
+          <a:p>
+            <a:endParaRPr lang="en-GB" sz="1400" dirty="0">
+              <a:solidFill>
+                <a:srgbClr val="00B0F0"/>
+              </a:solidFill>
+              <a:latin typeface="Cascadia Code" panose="020B0609020000020004" pitchFamily="49" charset="0"/>
+              <a:cs typeface="Cascadia Code" panose="020B0609020000020004" pitchFamily="49" charset="0"/>
+            </a:endParaRPr>
+          </a:p>
+        </p:txBody>
+      </p:sp>
+      <p:sp>
+        <p:nvSpPr>
+          <p:cNvPr id="6" name="Rectangle 5">
+            <a:extLst>
+              <a:ext uri="{FF2B5EF4-FFF2-40B4-BE49-F238E27FC236}">
+                <a16:creationId xmlns:a16="http://schemas.microsoft.com/office/drawing/2014/main" id="{3AB14232-D1BA-5FD8-40AB-9980000C4904}"/>
+              </a:ext>
+            </a:extLst>
+          </p:cNvPr>
+          <p:cNvSpPr/>
+          <p:nvPr/>
+        </p:nvSpPr>
+        <p:spPr>
+          <a:xfrm>
+            <a:off x="6781800" y="952500"/>
+            <a:ext cx="5156200" cy="5727700"/>
+          </a:xfrm>
+          <a:prstGeom prst="rect">
+            <a:avLst/>
+          </a:prstGeom>
+          <a:ln w="38100">
+            <a:solidFill>
+              <a:srgbClr val="00B0F0"/>
+            </a:solidFill>
+          </a:ln>
+        </p:spPr>
+        <p:style>
+          <a:lnRef idx="2">
+            <a:schemeClr val="accent1">
+              <a:shade val="15000"/>
+            </a:schemeClr>
+          </a:lnRef>
+          <a:fillRef idx="1">
+            <a:schemeClr val="accent1"/>
+          </a:fillRef>
+          <a:effectRef idx="0">
+            <a:schemeClr val="accent1"/>
+          </a:effectRef>
+          <a:fontRef idx="minor">
+            <a:schemeClr val="lt1"/>
+          </a:fontRef>
+        </p:style>
+        <p:txBody>
+          <a:bodyPr rtlCol="0" anchor="ctr"/>
+          <a:lstStyle/>
+          <a:p>
+            <a:pPr algn="ctr"/>
+            <a:endParaRPr lang="en-ZA"/>
+          </a:p>
+        </p:txBody>
+      </p:sp>
+      <p:pic>
+        <p:nvPicPr>
+          <p:cNvPr id="1026" name="Picture 2" descr="PlantUML Diagram">
+            <a:extLst>
+              <a:ext uri="{FF2B5EF4-FFF2-40B4-BE49-F238E27FC236}">
+                <a16:creationId xmlns:a16="http://schemas.microsoft.com/office/drawing/2014/main" id="{3E8C38A4-BB8C-3706-76FA-B889F808EC90}"/>
+              </a:ext>
+            </a:extLst>
+          </p:cNvPr>
+          <p:cNvPicPr>
+            <a:picLocks noChangeAspect="1" noChangeArrowheads="1"/>
+          </p:cNvPicPr>
+          <p:nvPr/>
+        </p:nvPicPr>
+        <p:blipFill>
+          <a:blip r:embed="rId2">
+            <a:extLst>
+              <a:ext uri="{28A0092B-C50C-407E-A947-70E740481C1C}">
+                <a14:useLocalDpi xmlns:a14="http://schemas.microsoft.com/office/drawing/2010/main" val="0"/>
+              </a:ext>
+            </a:extLst>
+          </a:blip>
+          <a:srcRect/>
+          <a:stretch>
+            <a:fillRect/>
+          </a:stretch>
+        </p:blipFill>
+        <p:spPr bwMode="auto">
+          <a:xfrm>
+            <a:off x="6913683" y="1094265"/>
+            <a:ext cx="4924305" cy="5446236"/>
+          </a:xfrm>
+          <a:prstGeom prst="rect">
+            <a:avLst/>
+          </a:prstGeom>
+          <a:noFill/>
+          <a:extLst>
+            <a:ext uri="{909E8E84-426E-40DD-AFC4-6F175D3DCCD1}">
+              <a14:hiddenFill xmlns:a14="http://schemas.microsoft.com/office/drawing/2010/main">
+                <a:solidFill>
+                  <a:srgbClr val="FFFFFF"/>
+                </a:solidFill>
+              </a14:hiddenFill>
+            </a:ext>
+          </a:extLst>
+        </p:spPr>
+      </p:pic>
+    </p:spTree>
+    <p:extLst>
+      <p:ext uri="{BB962C8B-B14F-4D97-AF65-F5344CB8AC3E}">
+        <p14:creationId xmlns:p14="http://schemas.microsoft.com/office/powerpoint/2010/main" val="3093404958"/>
+      </p:ext>
+    </p:extLst>
+  </p:cSld>
+  <p:clrMapOvr>
+    <a:masterClrMapping/>
+  </p:clrMapOvr>
+</p:sld>
+</file>
+
+<file path=ppt/slides/slide2.xml><?xml version="1.0" encoding="utf-8"?>
 <p:sld xmlns:a="http://schemas.openxmlformats.org/drawingml/2006/main" xmlns:r="http://schemas.openxmlformats.org/officeDocument/2006/relationships" xmlns:p="http://schemas.openxmlformats.org/presentationml/2006/main">
   <p:cSld>
     <p:spTree>
@@ -8052,7 +10448,7 @@
 </p:sld>
 </file>
 
-<file path=ppt/slides/slide2.xml><?xml version="1.0" encoding="utf-8"?>
+<file path=ppt/slides/slide3.xml><?xml version="1.0" encoding="utf-8"?>
 <p:sld xmlns:a="http://schemas.openxmlformats.org/drawingml/2006/main" xmlns:r="http://schemas.openxmlformats.org/officeDocument/2006/relationships" xmlns:p="http://schemas.openxmlformats.org/presentationml/2006/main">
   <p:cSld>
     <p:spTree>
@@ -8071,543 +10467,66 @@
       </p:grpSpPr>
       <p:sp>
         <p:nvSpPr>
-          <p:cNvPr id="4" name="TextBox 3">
+          <p:cNvPr id="2" name="Title 1">
             <a:extLst>
               <a:ext uri="{FF2B5EF4-FFF2-40B4-BE49-F238E27FC236}">
-                <a16:creationId xmlns:a16="http://schemas.microsoft.com/office/drawing/2014/main" id="{90B2EFFA-AFA9-A2F6-6A11-9714D06B7DA6}"/>
+                <a16:creationId xmlns:a16="http://schemas.microsoft.com/office/drawing/2014/main" id="{DEBD431F-5132-9089-3E6E-0C58993DCC1B}"/>
               </a:ext>
             </a:extLst>
           </p:cNvPr>
-          <p:cNvSpPr txBox="1"/>
-          <p:nvPr/>
-        </p:nvSpPr>
-        <p:spPr>
-          <a:xfrm>
-            <a:off x="3727450" y="0"/>
-            <a:ext cx="4737100" cy="369332"/>
-          </a:xfrm>
-          <a:prstGeom prst="rect">
-            <a:avLst/>
-          </a:prstGeom>
-          <a:noFill/>
-        </p:spPr>
-        <p:txBody>
-          <a:bodyPr wrap="square" rtlCol="0">
-            <a:spAutoFit/>
-          </a:bodyPr>
+          <p:cNvSpPr>
+            <a:spLocks noGrp="1"/>
+          </p:cNvSpPr>
+          <p:nvPr>
+            <p:ph type="ctrTitle"/>
+          </p:nvPr>
+        </p:nvSpPr>
+        <p:spPr/>
+        <p:txBody>
+          <a:bodyPr/>
           <a:lstStyle/>
           <a:p>
             <a:r>
-              <a:rPr lang="en-GB" sz="1800" dirty="0">
-                <a:effectLst/>
-                <a:latin typeface="Cascadia Code" panose="020B0609020000020004" pitchFamily="49" charset="0"/>
-                <a:ea typeface="Calibri" panose="020F0502020204030204" pitchFamily="34" charset="0"/>
-                <a:cs typeface="Cascadia Code" panose="020B0609020000020004" pitchFamily="49" charset="0"/>
-              </a:rPr>
-              <a:t>Documentation: Analysis Artifacts</a:t>
-            </a:r>
-            <a:endParaRPr lang="en-ZA" sz="1800" dirty="0">
-              <a:effectLst/>
-              <a:latin typeface="Cascadia Code" panose="020B0609020000020004" pitchFamily="49" charset="0"/>
-              <a:ea typeface="Calibri" panose="020F0502020204030204" pitchFamily="34" charset="0"/>
-              <a:cs typeface="Cascadia Code" panose="020B0609020000020004" pitchFamily="49" charset="0"/>
-            </a:endParaRPr>
-          </a:p>
-        </p:txBody>
-      </p:sp>
-      <p:sp>
-        <p:nvSpPr>
-          <p:cNvPr id="5" name="TextBox 4">
+              <a:rPr lang="en-US" dirty="0"/>
+              <a:t>Background</a:t>
+            </a:r>
+            <a:endParaRPr lang="en-ZA" dirty="0"/>
+          </a:p>
+        </p:txBody>
+      </p:sp>
+      <p:sp>
+        <p:nvSpPr>
+          <p:cNvPr id="3" name="Subtitle 2">
             <a:extLst>
               <a:ext uri="{FF2B5EF4-FFF2-40B4-BE49-F238E27FC236}">
-                <a16:creationId xmlns:a16="http://schemas.microsoft.com/office/drawing/2014/main" id="{D609BECC-AF93-36DB-44AA-93C8B6224AA6}"/>
+                <a16:creationId xmlns:a16="http://schemas.microsoft.com/office/drawing/2014/main" id="{90F999EA-4D88-6F13-E6FF-BC752D6CC66D}"/>
               </a:ext>
             </a:extLst>
           </p:cNvPr>
-          <p:cNvSpPr txBox="1"/>
-          <p:nvPr/>
-        </p:nvSpPr>
-        <p:spPr>
-          <a:xfrm>
-            <a:off x="228600" y="495300"/>
-            <a:ext cx="6375400" cy="3323987"/>
-          </a:xfrm>
-          <a:prstGeom prst="rect">
-            <a:avLst/>
-          </a:prstGeom>
-          <a:noFill/>
-        </p:spPr>
-        <p:txBody>
-          <a:bodyPr wrap="square" rtlCol="0">
-            <a:spAutoFit/>
-          </a:bodyPr>
+          <p:cNvSpPr>
+            <a:spLocks noGrp="1"/>
+          </p:cNvSpPr>
+          <p:nvPr>
+            <p:ph type="subTitle" idx="1"/>
+          </p:nvPr>
+        </p:nvSpPr>
+        <p:spPr/>
+        <p:txBody>
+          <a:bodyPr/>
           <a:lstStyle/>
           <a:p>
             <a:r>
-              <a:rPr lang="en-GB" sz="1400" b="1" dirty="0">
-                <a:solidFill>
-                  <a:srgbClr val="00B0F0"/>
-                </a:solidFill>
-                <a:latin typeface="Luxerie" panose="02000500000000000000" pitchFamily="2" charset="0"/>
-                <a:cs typeface="Cascadia Code" panose="020B0609020000020004" pitchFamily="49" charset="0"/>
-              </a:rPr>
-              <a:t>Key Bounded Contexts:</a:t>
-            </a:r>
-          </a:p>
-          <a:p>
-            <a:r>
-              <a:rPr lang="en-GB" sz="1400" dirty="0">
-                <a:latin typeface="Luxerie" panose="02000500000000000000" pitchFamily="2" charset="0"/>
-                <a:cs typeface="Cascadia Code" panose="020B0609020000020004" pitchFamily="49" charset="0"/>
-              </a:rPr>
-              <a:t>• </a:t>
-            </a:r>
-            <a:r>
-              <a:rPr lang="en-GB" sz="1400" dirty="0">
-                <a:solidFill>
-                  <a:srgbClr val="00B0F0"/>
-                </a:solidFill>
-                <a:latin typeface="Luxerie" panose="02000500000000000000" pitchFamily="2" charset="0"/>
-                <a:cs typeface="Cascadia Code" panose="020B0609020000020004" pitchFamily="49" charset="0"/>
-              </a:rPr>
-              <a:t>User Management Context:</a:t>
-            </a:r>
-          </a:p>
-          <a:p>
-            <a:r>
-              <a:rPr lang="en-GB" sz="1400" dirty="0">
-                <a:latin typeface="Luxerie" panose="02000500000000000000" pitchFamily="2" charset="0"/>
-                <a:cs typeface="Cascadia Code" panose="020B0609020000020004" pitchFamily="49" charset="0"/>
-              </a:rPr>
-              <a:t>  - User authentication, profiles, and role-based access.</a:t>
-            </a:r>
-          </a:p>
-          <a:p>
-            <a:r>
-              <a:rPr lang="en-GB" sz="1400" dirty="0">
-                <a:latin typeface="Luxerie" panose="02000500000000000000" pitchFamily="2" charset="0"/>
-                <a:cs typeface="Cascadia Code" panose="020B0609020000020004" pitchFamily="49" charset="0"/>
-              </a:rPr>
-              <a:t>  - CRUD operations for user roles (Client, Coach, Admin).</a:t>
-            </a:r>
-          </a:p>
-          <a:p>
-            <a:endParaRPr lang="en-GB" sz="1400" dirty="0">
-              <a:latin typeface="Luxerie" panose="02000500000000000000" pitchFamily="2" charset="0"/>
-              <a:cs typeface="Cascadia Code" panose="020B0609020000020004" pitchFamily="49" charset="0"/>
-            </a:endParaRPr>
-          </a:p>
-          <a:p>
-            <a:r>
-              <a:rPr lang="en-GB" sz="1400" dirty="0">
-                <a:latin typeface="Luxerie" panose="02000500000000000000" pitchFamily="2" charset="0"/>
-                <a:cs typeface="Cascadia Code" panose="020B0609020000020004" pitchFamily="49" charset="0"/>
-              </a:rPr>
-              <a:t>• </a:t>
-            </a:r>
-            <a:r>
-              <a:rPr lang="en-GB" sz="1400" b="1" dirty="0">
-                <a:solidFill>
-                  <a:srgbClr val="00B0F0"/>
-                </a:solidFill>
-                <a:latin typeface="Luxerie" panose="02000500000000000000" pitchFamily="2" charset="0"/>
-                <a:cs typeface="Cascadia Code" panose="020B0609020000020004" pitchFamily="49" charset="0"/>
-              </a:rPr>
-              <a:t>Lesson Booking Context:</a:t>
-            </a:r>
-          </a:p>
-          <a:p>
-            <a:r>
-              <a:rPr lang="en-GB" sz="1400" dirty="0">
-                <a:latin typeface="Luxerie" panose="02000500000000000000" pitchFamily="2" charset="0"/>
-                <a:cs typeface="Cascadia Code" panose="020B0609020000020004" pitchFamily="49" charset="0"/>
-              </a:rPr>
-              <a:t>  - Schedules lessons and manages booking confirmations.</a:t>
-            </a:r>
-          </a:p>
-          <a:p>
-            <a:r>
-              <a:rPr lang="en-GB" sz="1400" dirty="0">
-                <a:latin typeface="Luxerie" panose="02000500000000000000" pitchFamily="2" charset="0"/>
-                <a:cs typeface="Cascadia Code" panose="020B0609020000020004" pitchFamily="49" charset="0"/>
-              </a:rPr>
-              <a:t>• Payment Management Context:</a:t>
-            </a:r>
-          </a:p>
-          <a:p>
-            <a:r>
-              <a:rPr lang="en-GB" sz="1400" dirty="0">
-                <a:latin typeface="Luxerie" panose="02000500000000000000" pitchFamily="2" charset="0"/>
-                <a:cs typeface="Cascadia Code" panose="020B0609020000020004" pitchFamily="49" charset="0"/>
-              </a:rPr>
-              <a:t>  - Processes payments and tracks history.</a:t>
-            </a:r>
-          </a:p>
-          <a:p>
-            <a:endParaRPr lang="en-GB" sz="1400" dirty="0">
-              <a:latin typeface="Luxerie" panose="02000500000000000000" pitchFamily="2" charset="0"/>
-              <a:cs typeface="Cascadia Code" panose="020B0609020000020004" pitchFamily="49" charset="0"/>
-            </a:endParaRPr>
-          </a:p>
-          <a:p>
-            <a:r>
-              <a:rPr lang="en-GB" sz="1400" b="1" dirty="0">
-                <a:latin typeface="Luxerie" panose="02000500000000000000" pitchFamily="2" charset="0"/>
-                <a:cs typeface="Cascadia Code" panose="020B0609020000020004" pitchFamily="49" charset="0"/>
-              </a:rPr>
-              <a:t>• </a:t>
-            </a:r>
-            <a:r>
-              <a:rPr lang="en-GB" sz="1400" b="1" dirty="0">
-                <a:solidFill>
-                  <a:srgbClr val="00B0F0"/>
-                </a:solidFill>
-                <a:latin typeface="Luxerie" panose="02000500000000000000" pitchFamily="2" charset="0"/>
-                <a:cs typeface="Cascadia Code" panose="020B0609020000020004" pitchFamily="49" charset="0"/>
-              </a:rPr>
-              <a:t>Lesson Management Context:</a:t>
-            </a:r>
-          </a:p>
-          <a:p>
-            <a:r>
-              <a:rPr lang="en-GB" sz="1400" dirty="0">
-                <a:latin typeface="Luxerie" panose="02000500000000000000" pitchFamily="2" charset="0"/>
-                <a:cs typeface="Cascadia Code" panose="020B0609020000020004" pitchFamily="49" charset="0"/>
-              </a:rPr>
-              <a:t>  - Manages lesson details and assignments.</a:t>
-            </a:r>
-          </a:p>
-          <a:p>
-            <a:endParaRPr lang="en-GB" sz="1400" dirty="0">
-              <a:latin typeface="Luxerie" panose="02000500000000000000" pitchFamily="2" charset="0"/>
-              <a:cs typeface="Cascadia Code" panose="020B0609020000020004" pitchFamily="49" charset="0"/>
-            </a:endParaRPr>
-          </a:p>
-          <a:p>
-            <a:r>
-              <a:rPr lang="en-GB" sz="1400" b="1" dirty="0">
-                <a:latin typeface="Luxerie" panose="02000500000000000000" pitchFamily="2" charset="0"/>
-                <a:cs typeface="Cascadia Code" panose="020B0609020000020004" pitchFamily="49" charset="0"/>
-              </a:rPr>
-              <a:t>• </a:t>
-            </a:r>
-            <a:r>
-              <a:rPr lang="en-GB" sz="1400" b="1" dirty="0">
-                <a:solidFill>
-                  <a:srgbClr val="00B0F0"/>
-                </a:solidFill>
-                <a:latin typeface="Luxerie" panose="02000500000000000000" pitchFamily="2" charset="0"/>
-                <a:cs typeface="Cascadia Code" panose="020B0609020000020004" pitchFamily="49" charset="0"/>
-              </a:rPr>
-              <a:t>Notification Context:</a:t>
-            </a:r>
-          </a:p>
-          <a:p>
-            <a:r>
-              <a:rPr lang="en-GB" sz="1400" dirty="0">
-                <a:latin typeface="Luxerie" panose="02000500000000000000" pitchFamily="2" charset="0"/>
-                <a:cs typeface="Cascadia Code" panose="020B0609020000020004" pitchFamily="49" charset="0"/>
-              </a:rPr>
-              <a:t>  - Customizes alerts for events.</a:t>
-            </a:r>
-            <a:endParaRPr lang="en-GB" sz="1600" dirty="0">
-              <a:latin typeface="Luxerie" panose="02000500000000000000" pitchFamily="2" charset="0"/>
-              <a:cs typeface="Cascadia Code" panose="020B0609020000020004" pitchFamily="49" charset="0"/>
-            </a:endParaRPr>
-          </a:p>
-        </p:txBody>
-      </p:sp>
-      <p:sp>
-        <p:nvSpPr>
-          <p:cNvPr id="6" name="TextBox 5">
-            <a:extLst>
-              <a:ext uri="{FF2B5EF4-FFF2-40B4-BE49-F238E27FC236}">
-                <a16:creationId xmlns:a16="http://schemas.microsoft.com/office/drawing/2014/main" id="{82CE9BD6-AADF-9793-DA41-1AB235309A79}"/>
-              </a:ext>
-            </a:extLst>
-          </p:cNvPr>
-          <p:cNvSpPr txBox="1"/>
-          <p:nvPr/>
-        </p:nvSpPr>
-        <p:spPr>
-          <a:xfrm>
-            <a:off x="241300" y="4241820"/>
-            <a:ext cx="7808594" cy="1815882"/>
-          </a:xfrm>
-          <a:prstGeom prst="rect">
-            <a:avLst/>
-          </a:prstGeom>
-          <a:noFill/>
-        </p:spPr>
-        <p:txBody>
-          <a:bodyPr wrap="square" rtlCol="0">
-            <a:spAutoFit/>
-          </a:bodyPr>
-          <a:lstStyle/>
-          <a:p>
-            <a:r>
-              <a:rPr lang="en-GB" sz="1400" b="1" dirty="0">
-                <a:solidFill>
-                  <a:srgbClr val="00B0F0"/>
-                </a:solidFill>
-                <a:latin typeface="Cascadia Code" panose="020B0609020000020004" pitchFamily="49" charset="0"/>
-                <a:cs typeface="Cascadia Code" panose="020B0609020000020004" pitchFamily="49" charset="0"/>
-              </a:rPr>
-              <a:t>Design Artifacts:</a:t>
-            </a:r>
-          </a:p>
-          <a:p>
-            <a:r>
-              <a:rPr lang="en-GB" sz="1400" dirty="0">
-                <a:latin typeface="Cascadia Code" panose="020B0609020000020004" pitchFamily="49" charset="0"/>
-                <a:cs typeface="Cascadia Code" panose="020B0609020000020004" pitchFamily="49" charset="0"/>
-              </a:rPr>
-              <a:t>• </a:t>
-            </a:r>
-            <a:r>
-              <a:rPr lang="en-GB" sz="1400" b="1" dirty="0">
-                <a:solidFill>
-                  <a:srgbClr val="00B0F0"/>
-                </a:solidFill>
-                <a:latin typeface="Cascadia Code" panose="020B0609020000020004" pitchFamily="49" charset="0"/>
-                <a:cs typeface="Cascadia Code" panose="020B0609020000020004" pitchFamily="49" charset="0"/>
-              </a:rPr>
-              <a:t>Domain Model Analysis:</a:t>
-            </a:r>
-          </a:p>
-          <a:p>
-            <a:r>
-              <a:rPr lang="en-GB" sz="1400" dirty="0">
-                <a:latin typeface="Cascadia Code" panose="020B0609020000020004" pitchFamily="49" charset="0"/>
-                <a:cs typeface="Cascadia Code" panose="020B0609020000020004" pitchFamily="49" charset="0"/>
-              </a:rPr>
-              <a:t>  - Focus on user roles, lesson booking, payments, and notifications.</a:t>
-            </a:r>
-          </a:p>
-          <a:p>
-            <a:endParaRPr lang="en-GB" sz="1400" dirty="0">
-              <a:latin typeface="Cascadia Code" panose="020B0609020000020004" pitchFamily="49" charset="0"/>
-              <a:cs typeface="Cascadia Code" panose="020B0609020000020004" pitchFamily="49" charset="0"/>
-            </a:endParaRPr>
-          </a:p>
-          <a:p>
-            <a:r>
-              <a:rPr lang="en-GB" sz="1400" dirty="0">
-                <a:latin typeface="Cascadia Code" panose="020B0609020000020004" pitchFamily="49" charset="0"/>
-                <a:cs typeface="Cascadia Code" panose="020B0609020000020004" pitchFamily="49" charset="0"/>
-              </a:rPr>
-              <a:t>• </a:t>
-            </a:r>
-            <a:r>
-              <a:rPr lang="en-GB" sz="1400" b="1" dirty="0">
-                <a:solidFill>
-                  <a:srgbClr val="00B0F0"/>
-                </a:solidFill>
-                <a:latin typeface="Cascadia Code" panose="020B0609020000020004" pitchFamily="49" charset="0"/>
-                <a:cs typeface="Cascadia Code" panose="020B0609020000020004" pitchFamily="49" charset="0"/>
-              </a:rPr>
-              <a:t>Implementation Highlights:</a:t>
-            </a:r>
-          </a:p>
-          <a:p>
-            <a:r>
-              <a:rPr lang="en-GB" sz="1400" dirty="0">
-                <a:latin typeface="Cascadia Code" panose="020B0609020000020004" pitchFamily="49" charset="0"/>
-                <a:cs typeface="Cascadia Code" panose="020B0609020000020004" pitchFamily="49" charset="0"/>
-              </a:rPr>
-              <a:t>  - User roles with distinct permissions.</a:t>
-            </a:r>
-          </a:p>
-          <a:p>
-            <a:r>
-              <a:rPr lang="en-GB" sz="1400" dirty="0">
-                <a:latin typeface="Cascadia Code" panose="020B0609020000020004" pitchFamily="49" charset="0"/>
-                <a:cs typeface="Cascadia Code" panose="020B0609020000020004" pitchFamily="49" charset="0"/>
-              </a:rPr>
-              <a:t>  - Structured lesson management and scheduling.</a:t>
-            </a:r>
-          </a:p>
-          <a:p>
-            <a:r>
-              <a:rPr lang="en-GB" sz="1400" dirty="0">
-                <a:latin typeface="Cascadia Code" panose="020B0609020000020004" pitchFamily="49" charset="0"/>
-                <a:cs typeface="Cascadia Code" panose="020B0609020000020004" pitchFamily="49" charset="0"/>
-              </a:rPr>
-              <a:t>  - Streamlined payment integration.</a:t>
-            </a:r>
-            <a:endParaRPr lang="en-GB" sz="1600" dirty="0">
-              <a:latin typeface="Cascadia Code" panose="020B0609020000020004" pitchFamily="49" charset="0"/>
-              <a:cs typeface="Cascadia Code" panose="020B0609020000020004" pitchFamily="49" charset="0"/>
-            </a:endParaRPr>
-          </a:p>
-        </p:txBody>
-      </p:sp>
-      <p:sp>
-        <p:nvSpPr>
-          <p:cNvPr id="9" name="Rectangle 8">
-            <a:extLst>
-              <a:ext uri="{FF2B5EF4-FFF2-40B4-BE49-F238E27FC236}">
-                <a16:creationId xmlns:a16="http://schemas.microsoft.com/office/drawing/2014/main" id="{53D9A1CC-602C-1E73-14B3-82196A116899}"/>
-              </a:ext>
-            </a:extLst>
-          </p:cNvPr>
-          <p:cNvSpPr/>
-          <p:nvPr/>
-        </p:nvSpPr>
-        <p:spPr>
-          <a:xfrm>
-            <a:off x="7035800" y="495300"/>
-            <a:ext cx="4152900" cy="3283673"/>
-          </a:xfrm>
-          <a:prstGeom prst="rect">
-            <a:avLst/>
-          </a:prstGeom>
-          <a:ln w="38100">
-            <a:solidFill>
-              <a:srgbClr val="00B0F0"/>
-            </a:solidFill>
-          </a:ln>
-        </p:spPr>
-        <p:style>
-          <a:lnRef idx="2">
-            <a:schemeClr val="accent1">
-              <a:shade val="15000"/>
-            </a:schemeClr>
-          </a:lnRef>
-          <a:fillRef idx="1">
-            <a:schemeClr val="accent1"/>
-          </a:fillRef>
-          <a:effectRef idx="0">
-            <a:schemeClr val="accent1"/>
-          </a:effectRef>
-          <a:fontRef idx="minor">
-            <a:schemeClr val="lt1"/>
-          </a:fontRef>
-        </p:style>
-        <p:txBody>
-          <a:bodyPr rtlCol="0" anchor="ctr"/>
-          <a:lstStyle/>
-          <a:p>
-            <a:pPr algn="ctr"/>
-            <a:endParaRPr lang="en-ZA"/>
-          </a:p>
-        </p:txBody>
-      </p:sp>
-      <p:pic>
-        <p:nvPicPr>
-          <p:cNvPr id="7" name="Picture 6">
-            <a:extLst>
-              <a:ext uri="{FF2B5EF4-FFF2-40B4-BE49-F238E27FC236}">
-                <a16:creationId xmlns:a16="http://schemas.microsoft.com/office/drawing/2014/main" id="{ACEA9CC1-85AB-7CCB-E6B9-3564CF3CEE8C}"/>
-              </a:ext>
-            </a:extLst>
-          </p:cNvPr>
-          <p:cNvPicPr>
-            <a:picLocks noChangeAspect="1"/>
-          </p:cNvPicPr>
-          <p:nvPr/>
-        </p:nvPicPr>
-        <p:blipFill>
-          <a:blip r:embed="rId3"/>
-          <a:stretch>
-            <a:fillRect/>
-          </a:stretch>
-        </p:blipFill>
-        <p:spPr>
-          <a:xfrm>
-            <a:off x="7153402" y="592305"/>
-            <a:ext cx="3917696" cy="3060700"/>
-          </a:xfrm>
-          <a:prstGeom prst="rect">
-            <a:avLst/>
-          </a:prstGeom>
-        </p:spPr>
-      </p:pic>
-      <p:sp>
-        <p:nvSpPr>
-          <p:cNvPr id="10" name="Rectangle 9">
-            <a:extLst>
-              <a:ext uri="{FF2B5EF4-FFF2-40B4-BE49-F238E27FC236}">
-                <a16:creationId xmlns:a16="http://schemas.microsoft.com/office/drawing/2014/main" id="{AA71D577-2AE1-D4F5-1DB6-2EDA39DC6B6F}"/>
-              </a:ext>
-            </a:extLst>
-          </p:cNvPr>
-          <p:cNvSpPr/>
-          <p:nvPr/>
-        </p:nvSpPr>
-        <p:spPr>
-          <a:xfrm>
-            <a:off x="7815897" y="3429000"/>
-            <a:ext cx="4152900" cy="3283673"/>
-          </a:xfrm>
-          <a:prstGeom prst="rect">
-            <a:avLst/>
-          </a:prstGeom>
-          <a:ln w="38100">
-            <a:solidFill>
-              <a:srgbClr val="00B0F0"/>
-            </a:solidFill>
-          </a:ln>
-        </p:spPr>
-        <p:style>
-          <a:lnRef idx="2">
-            <a:schemeClr val="accent1">
-              <a:shade val="15000"/>
-            </a:schemeClr>
-          </a:lnRef>
-          <a:fillRef idx="1">
-            <a:schemeClr val="accent1"/>
-          </a:fillRef>
-          <a:effectRef idx="0">
-            <a:schemeClr val="accent1"/>
-          </a:effectRef>
-          <a:fontRef idx="minor">
-            <a:schemeClr val="lt1"/>
-          </a:fontRef>
-        </p:style>
-        <p:txBody>
-          <a:bodyPr rtlCol="0" anchor="ctr"/>
-          <a:lstStyle/>
-          <a:p>
-            <a:pPr algn="ctr"/>
-            <a:endParaRPr lang="en-ZA"/>
-          </a:p>
-        </p:txBody>
-      </p:sp>
-      <p:pic>
-        <p:nvPicPr>
-          <p:cNvPr id="8" name="Picture 7">
-            <a:extLst>
-              <a:ext uri="{FF2B5EF4-FFF2-40B4-BE49-F238E27FC236}">
-                <a16:creationId xmlns:a16="http://schemas.microsoft.com/office/drawing/2014/main" id="{0B0B92DB-BFBC-B113-B0BF-7A7CDA05C6BA}"/>
-              </a:ext>
-            </a:extLst>
-          </p:cNvPr>
-          <p:cNvPicPr>
-            <a:picLocks noChangeAspect="1"/>
-          </p:cNvPicPr>
-          <p:nvPr/>
-        </p:nvPicPr>
-        <p:blipFill>
-          <a:blip r:embed="rId4"/>
-          <a:stretch>
-            <a:fillRect/>
-          </a:stretch>
-        </p:blipFill>
-        <p:spPr>
-          <a:xfrm>
-            <a:off x="7958899" y="3529622"/>
-            <a:ext cx="3915601" cy="3087878"/>
-          </a:xfrm>
-          <a:prstGeom prst="rect">
-            <a:avLst/>
-          </a:prstGeom>
-        </p:spPr>
-      </p:pic>
+              <a:rPr lang="en-US" dirty="0"/>
+              <a:t>The clients background and why they need this application</a:t>
+            </a:r>
+            <a:endParaRPr lang="en-ZA" dirty="0"/>
+          </a:p>
+        </p:txBody>
+      </p:sp>
     </p:spTree>
     <p:extLst>
       <p:ext uri="{BB962C8B-B14F-4D97-AF65-F5344CB8AC3E}">
-        <p14:creationId xmlns:p14="http://schemas.microsoft.com/office/powerpoint/2010/main" val="1974332144"/>
+        <p14:creationId xmlns:p14="http://schemas.microsoft.com/office/powerpoint/2010/main" val="4165563130"/>
       </p:ext>
     </p:extLst>
   </p:cSld>
@@ -8617,18 +10536,12 @@
 </p:sld>
 </file>
 
-<file path=ppt/slides/slide3.xml><?xml version="1.0" encoding="utf-8"?>
+<file path=ppt/slides/slide4.xml><?xml version="1.0" encoding="utf-8"?>
 <p:sld xmlns:a="http://schemas.openxmlformats.org/drawingml/2006/main" xmlns:r="http://schemas.openxmlformats.org/officeDocument/2006/relationships" xmlns:p="http://schemas.openxmlformats.org/presentationml/2006/main">
   <p:cSld>
     <p:spTree>
       <p:nvGrpSpPr>
-        <p:cNvPr id="1" name="">
-          <a:extLst>
-            <a:ext uri="{FF2B5EF4-FFF2-40B4-BE49-F238E27FC236}">
-              <a16:creationId xmlns:a16="http://schemas.microsoft.com/office/drawing/2014/main" id="{50E13EA8-609D-F197-AC0D-0ABDA4E4CD78}"/>
-            </a:ext>
-          </a:extLst>
-        </p:cNvPr>
+        <p:cNvPr id="1" name=""/>
         <p:cNvGrpSpPr/>
         <p:nvPr/>
       </p:nvGrpSpPr>
@@ -8642,295 +10555,62 @@
       </p:grpSpPr>
       <p:sp>
         <p:nvSpPr>
-          <p:cNvPr id="4" name="TextBox 3">
+          <p:cNvPr id="2" name="Title 1">
             <a:extLst>
               <a:ext uri="{FF2B5EF4-FFF2-40B4-BE49-F238E27FC236}">
-                <a16:creationId xmlns:a16="http://schemas.microsoft.com/office/drawing/2014/main" id="{4771028D-57FF-CC5F-1554-6B4C2816DE73}"/>
+                <a16:creationId xmlns:a16="http://schemas.microsoft.com/office/drawing/2014/main" id="{01F4A1D0-D60E-DFFE-8059-0886C3D60BF1}"/>
               </a:ext>
             </a:extLst>
           </p:cNvPr>
-          <p:cNvSpPr txBox="1"/>
-          <p:nvPr/>
-        </p:nvSpPr>
-        <p:spPr>
-          <a:xfrm>
-            <a:off x="3727450" y="0"/>
-            <a:ext cx="5391150" cy="369332"/>
-          </a:xfrm>
-          <a:prstGeom prst="rect">
-            <a:avLst/>
-          </a:prstGeom>
-          <a:noFill/>
-        </p:spPr>
-        <p:txBody>
-          <a:bodyPr wrap="square" rtlCol="0">
-            <a:spAutoFit/>
-          </a:bodyPr>
+          <p:cNvSpPr>
+            <a:spLocks noGrp="1"/>
+          </p:cNvSpPr>
+          <p:nvPr>
+            <p:ph type="title"/>
+          </p:nvPr>
+        </p:nvSpPr>
+        <p:spPr/>
+        <p:txBody>
+          <a:bodyPr/>
           <a:lstStyle/>
           <a:p>
             <a:r>
-              <a:rPr lang="en-GB" sz="1800" dirty="0">
-                <a:effectLst/>
-                <a:latin typeface="Cascadia Code" panose="020B0609020000020004" pitchFamily="49" charset="0"/>
-                <a:ea typeface="Calibri" panose="020F0502020204030204" pitchFamily="34" charset="0"/>
-                <a:cs typeface="Cascadia Code" panose="020B0609020000020004" pitchFamily="49" charset="0"/>
-              </a:rPr>
-              <a:t>Documentation: Architecture Artifacts</a:t>
-            </a:r>
-            <a:endParaRPr lang="en-ZA" sz="1800" dirty="0">
-              <a:effectLst/>
-              <a:latin typeface="Cascadia Code" panose="020B0609020000020004" pitchFamily="49" charset="0"/>
-              <a:ea typeface="Calibri" panose="020F0502020204030204" pitchFamily="34" charset="0"/>
-              <a:cs typeface="Cascadia Code" panose="020B0609020000020004" pitchFamily="49" charset="0"/>
-            </a:endParaRPr>
-          </a:p>
-        </p:txBody>
-      </p:sp>
-      <p:sp>
-        <p:nvSpPr>
-          <p:cNvPr id="5" name="TextBox 4">
+              <a:rPr lang="en-US" dirty="0"/>
+              <a:t>Change document</a:t>
+            </a:r>
+            <a:endParaRPr lang="en-ZA" dirty="0"/>
+          </a:p>
+        </p:txBody>
+      </p:sp>
+      <p:sp>
+        <p:nvSpPr>
+          <p:cNvPr id="3" name="Content Placeholder 2">
             <a:extLst>
               <a:ext uri="{FF2B5EF4-FFF2-40B4-BE49-F238E27FC236}">
-                <a16:creationId xmlns:a16="http://schemas.microsoft.com/office/drawing/2014/main" id="{914FE120-154D-26D8-2027-259E7E40C040}"/>
+                <a16:creationId xmlns:a16="http://schemas.microsoft.com/office/drawing/2014/main" id="{1FAA5286-91DA-B67E-49AC-746F6C4354DB}"/>
               </a:ext>
             </a:extLst>
           </p:cNvPr>
-          <p:cNvSpPr txBox="1"/>
-          <p:nvPr/>
-        </p:nvSpPr>
-        <p:spPr>
-          <a:xfrm>
-            <a:off x="228599" y="495300"/>
-            <a:ext cx="11602085" cy="2554545"/>
-          </a:xfrm>
-          <a:prstGeom prst="rect">
-            <a:avLst/>
-          </a:prstGeom>
-          <a:noFill/>
-        </p:spPr>
-        <p:txBody>
-          <a:bodyPr wrap="square" rtlCol="0">
-            <a:spAutoFit/>
-          </a:bodyPr>
+          <p:cNvSpPr>
+            <a:spLocks noGrp="1"/>
+          </p:cNvSpPr>
+          <p:nvPr>
+            <p:ph idx="1"/>
+          </p:nvPr>
+        </p:nvSpPr>
+        <p:spPr/>
+        <p:txBody>
+          <a:bodyPr/>
           <a:lstStyle/>
           <a:p>
-            <a:r>
-              <a:rPr lang="en-GB" sz="2000" b="1" dirty="0">
-                <a:solidFill>
-                  <a:srgbClr val="00B0F0"/>
-                </a:solidFill>
-                <a:latin typeface="Cascadia Code" panose="020B0609020000020004" pitchFamily="49" charset="0"/>
-                <a:cs typeface="Cascadia Code" panose="020B0609020000020004" pitchFamily="49" charset="0"/>
-              </a:rPr>
-              <a:t>Cloud Architecture:</a:t>
-            </a:r>
-          </a:p>
-          <a:p>
-            <a:r>
-              <a:rPr lang="en-GB" sz="2000" dirty="0">
-                <a:latin typeface="Cascadia Code" panose="020B0609020000020004" pitchFamily="49" charset="0"/>
-                <a:cs typeface="Cascadia Code" panose="020B0609020000020004" pitchFamily="49" charset="0"/>
-              </a:rPr>
-              <a:t>• </a:t>
-            </a:r>
-            <a:r>
-              <a:rPr lang="en-GB" sz="2000" dirty="0">
-                <a:solidFill>
-                  <a:srgbClr val="00B0F0"/>
-                </a:solidFill>
-                <a:latin typeface="Cascadia Code" panose="020B0609020000020004" pitchFamily="49" charset="0"/>
-                <a:cs typeface="Cascadia Code" panose="020B0609020000020004" pitchFamily="49" charset="0"/>
-              </a:rPr>
-              <a:t>Frontend: </a:t>
-            </a:r>
-            <a:r>
-              <a:rPr lang="en-GB" sz="2000" dirty="0">
-                <a:latin typeface="Cascadia Code" panose="020B0609020000020004" pitchFamily="49" charset="0"/>
-                <a:cs typeface="Cascadia Code" panose="020B0609020000020004" pitchFamily="49" charset="0"/>
-              </a:rPr>
-              <a:t>React on </a:t>
-            </a:r>
-            <a:r>
-              <a:rPr lang="en-GB" sz="2000" dirty="0" err="1">
-                <a:latin typeface="Cascadia Code" panose="020B0609020000020004" pitchFamily="49" charset="0"/>
-                <a:cs typeface="Cascadia Code" panose="020B0609020000020004" pitchFamily="49" charset="0"/>
-              </a:rPr>
-              <a:t>Vercel</a:t>
-            </a:r>
-            <a:r>
-              <a:rPr lang="en-GB" sz="2000" dirty="0">
-                <a:latin typeface="Cascadia Code" panose="020B0609020000020004" pitchFamily="49" charset="0"/>
-                <a:cs typeface="Cascadia Code" panose="020B0609020000020004" pitchFamily="49" charset="0"/>
-              </a:rPr>
-              <a:t> for scalability and flexibility.</a:t>
-            </a:r>
-          </a:p>
-          <a:p>
-            <a:endParaRPr lang="en-GB" sz="2000" dirty="0">
-              <a:latin typeface="Cascadia Code" panose="020B0609020000020004" pitchFamily="49" charset="0"/>
-              <a:cs typeface="Cascadia Code" panose="020B0609020000020004" pitchFamily="49" charset="0"/>
-            </a:endParaRPr>
-          </a:p>
-          <a:p>
-            <a:r>
-              <a:rPr lang="en-GB" sz="2000" dirty="0">
-                <a:latin typeface="Cascadia Code" panose="020B0609020000020004" pitchFamily="49" charset="0"/>
-                <a:cs typeface="Cascadia Code" panose="020B0609020000020004" pitchFamily="49" charset="0"/>
-              </a:rPr>
-              <a:t>• </a:t>
-            </a:r>
-            <a:r>
-              <a:rPr lang="en-GB" sz="2000" dirty="0">
-                <a:solidFill>
-                  <a:srgbClr val="00B0F0"/>
-                </a:solidFill>
-                <a:latin typeface="Cascadia Code" panose="020B0609020000020004" pitchFamily="49" charset="0"/>
-                <a:cs typeface="Cascadia Code" panose="020B0609020000020004" pitchFamily="49" charset="0"/>
-              </a:rPr>
-              <a:t>Backend: </a:t>
-            </a:r>
-            <a:r>
-              <a:rPr lang="en-GB" sz="2000" dirty="0" err="1">
-                <a:latin typeface="Cascadia Code" panose="020B0609020000020004" pitchFamily="49" charset="0"/>
-                <a:cs typeface="Cascadia Code" panose="020B0609020000020004" pitchFamily="49" charset="0"/>
-              </a:rPr>
-              <a:t>Supabase</a:t>
-            </a:r>
-            <a:r>
-              <a:rPr lang="en-GB" sz="2000" dirty="0">
-                <a:latin typeface="Cascadia Code" panose="020B0609020000020004" pitchFamily="49" charset="0"/>
-                <a:cs typeface="Cascadia Code" panose="020B0609020000020004" pitchFamily="49" charset="0"/>
-              </a:rPr>
-              <a:t> with PostgreSQL for managed database and built-in authentication.</a:t>
-            </a:r>
-          </a:p>
-          <a:p>
-            <a:endParaRPr lang="en-GB" sz="2000" dirty="0">
-              <a:latin typeface="Cascadia Code" panose="020B0609020000020004" pitchFamily="49" charset="0"/>
-              <a:cs typeface="Cascadia Code" panose="020B0609020000020004" pitchFamily="49" charset="0"/>
-            </a:endParaRPr>
-          </a:p>
-          <a:p>
-            <a:r>
-              <a:rPr lang="en-GB" sz="2000" dirty="0">
-                <a:latin typeface="Cascadia Code" panose="020B0609020000020004" pitchFamily="49" charset="0"/>
-                <a:cs typeface="Cascadia Code" panose="020B0609020000020004" pitchFamily="49" charset="0"/>
-              </a:rPr>
-              <a:t>• </a:t>
-            </a:r>
-            <a:r>
-              <a:rPr lang="en-GB" sz="2000" dirty="0">
-                <a:solidFill>
-                  <a:srgbClr val="00B0F0"/>
-                </a:solidFill>
-                <a:latin typeface="Cascadia Code" panose="020B0609020000020004" pitchFamily="49" charset="0"/>
-                <a:cs typeface="Cascadia Code" panose="020B0609020000020004" pitchFamily="49" charset="0"/>
-              </a:rPr>
-              <a:t>Integrations: </a:t>
-            </a:r>
-            <a:r>
-              <a:rPr lang="en-GB" sz="2000" dirty="0">
-                <a:latin typeface="Cascadia Code" panose="020B0609020000020004" pitchFamily="49" charset="0"/>
-                <a:cs typeface="Cascadia Code" panose="020B0609020000020004" pitchFamily="49" charset="0"/>
-              </a:rPr>
-              <a:t>Secure third-party API integration for authentication, notifications, and payments.</a:t>
-            </a:r>
-          </a:p>
-        </p:txBody>
-      </p:sp>
-      <p:sp>
-        <p:nvSpPr>
-          <p:cNvPr id="3" name="Rectangle 2">
-            <a:extLst>
-              <a:ext uri="{FF2B5EF4-FFF2-40B4-BE49-F238E27FC236}">
-                <a16:creationId xmlns:a16="http://schemas.microsoft.com/office/drawing/2014/main" id="{ACBB2606-B182-C2A5-7402-129D7F29C2AB}"/>
-              </a:ext>
-            </a:extLst>
-          </p:cNvPr>
-          <p:cNvSpPr/>
-          <p:nvPr/>
-        </p:nvSpPr>
-        <p:spPr>
-          <a:xfrm>
-            <a:off x="3727450" y="3175813"/>
-            <a:ext cx="6699250" cy="3283673"/>
-          </a:xfrm>
-          <a:prstGeom prst="rect">
-            <a:avLst/>
-          </a:prstGeom>
-          <a:ln w="38100">
-            <a:solidFill>
-              <a:srgbClr val="00B0F0"/>
-            </a:solidFill>
-          </a:ln>
-        </p:spPr>
-        <p:style>
-          <a:lnRef idx="2">
-            <a:schemeClr val="accent1">
-              <a:shade val="15000"/>
-            </a:schemeClr>
-          </a:lnRef>
-          <a:fillRef idx="1">
-            <a:schemeClr val="accent1"/>
-          </a:fillRef>
-          <a:effectRef idx="0">
-            <a:schemeClr val="accent1"/>
-          </a:effectRef>
-          <a:fontRef idx="minor">
-            <a:schemeClr val="lt1"/>
-          </a:fontRef>
-        </p:style>
-        <p:txBody>
-          <a:bodyPr rtlCol="0" anchor="ctr"/>
-          <a:lstStyle/>
-          <a:p>
-            <a:pPr algn="ctr"/>
             <a:endParaRPr lang="en-ZA"/>
           </a:p>
         </p:txBody>
       </p:sp>
-      <p:pic>
-        <p:nvPicPr>
-          <p:cNvPr id="2" name="Picture 1">
-            <a:extLst>
-              <a:ext uri="{FF2B5EF4-FFF2-40B4-BE49-F238E27FC236}">
-                <a16:creationId xmlns:a16="http://schemas.microsoft.com/office/drawing/2014/main" id="{16C69702-C094-50A6-63ED-C441635BA880}"/>
-              </a:ext>
-            </a:extLst>
-          </p:cNvPr>
-          <p:cNvPicPr>
-            <a:picLocks noChangeAspect="1"/>
-          </p:cNvPicPr>
-          <p:nvPr/>
-        </p:nvPicPr>
-        <p:blipFill>
-          <a:blip r:embed="rId2">
-            <a:extLst>
-              <a:ext uri="{28A0092B-C50C-407E-A947-70E740481C1C}">
-                <a14:useLocalDpi xmlns:a14="http://schemas.microsoft.com/office/drawing/2010/main" val="0"/>
-              </a:ext>
-            </a:extLst>
-          </a:blip>
-          <a:srcRect/>
-          <a:stretch>
-            <a:fillRect/>
-          </a:stretch>
-        </p:blipFill>
-        <p:spPr bwMode="auto">
-          <a:xfrm>
-            <a:off x="3917314" y="3325999"/>
-            <a:ext cx="6369685" cy="3024001"/>
-          </a:xfrm>
-          <a:prstGeom prst="rect">
-            <a:avLst/>
-          </a:prstGeom>
-          <a:noFill/>
-        </p:spPr>
-      </p:pic>
     </p:spTree>
     <p:extLst>
       <p:ext uri="{BB962C8B-B14F-4D97-AF65-F5344CB8AC3E}">
-        <p14:creationId xmlns:p14="http://schemas.microsoft.com/office/powerpoint/2010/main" val="1454078764"/>
+        <p14:creationId xmlns:p14="http://schemas.microsoft.com/office/powerpoint/2010/main" val="1644785266"/>
       </p:ext>
     </p:extLst>
   </p:cSld>
@@ -8940,7 +10620,103 @@
 </p:sld>
 </file>
 
-<file path=ppt/slides/slide4.xml><?xml version="1.0" encoding="utf-8"?>
+<file path=ppt/slides/slide5.xml><?xml version="1.0" encoding="utf-8"?>
+<p:sld xmlns:a="http://schemas.openxmlformats.org/drawingml/2006/main" xmlns:r="http://schemas.openxmlformats.org/officeDocument/2006/relationships" xmlns:p="http://schemas.openxmlformats.org/presentationml/2006/main">
+  <p:cSld>
+    <p:spTree>
+      <p:nvGrpSpPr>
+        <p:cNvPr id="1" name=""/>
+        <p:cNvGrpSpPr/>
+        <p:nvPr/>
+      </p:nvGrpSpPr>
+      <p:grpSpPr>
+        <a:xfrm>
+          <a:off x="0" y="0"/>
+          <a:ext cx="0" cy="0"/>
+          <a:chOff x="0" y="0"/>
+          <a:chExt cx="0" cy="0"/>
+        </a:xfrm>
+      </p:grpSpPr>
+      <p:sp>
+        <p:nvSpPr>
+          <p:cNvPr id="2" name="Title 1">
+            <a:extLst>
+              <a:ext uri="{FF2B5EF4-FFF2-40B4-BE49-F238E27FC236}">
+                <a16:creationId xmlns:a16="http://schemas.microsoft.com/office/drawing/2014/main" id="{A1ECA3CC-2F8B-3095-EEF7-1EBE2402BE13}"/>
+              </a:ext>
+            </a:extLst>
+          </p:cNvPr>
+          <p:cNvSpPr>
+            <a:spLocks noGrp="1"/>
+          </p:cNvSpPr>
+          <p:nvPr>
+            <p:ph type="ctrTitle"/>
+          </p:nvPr>
+        </p:nvSpPr>
+        <p:spPr/>
+        <p:txBody>
+          <a:bodyPr/>
+          <a:lstStyle/>
+          <a:p>
+            <a:r>
+              <a:rPr lang="en-US" dirty="0"/>
+              <a:t>GitHub</a:t>
+            </a:r>
+            <a:endParaRPr lang="en-ZA" dirty="0"/>
+          </a:p>
+        </p:txBody>
+      </p:sp>
+      <p:sp>
+        <p:nvSpPr>
+          <p:cNvPr id="3" name="Subtitle 2">
+            <a:extLst>
+              <a:ext uri="{FF2B5EF4-FFF2-40B4-BE49-F238E27FC236}">
+                <a16:creationId xmlns:a16="http://schemas.microsoft.com/office/drawing/2014/main" id="{AF5FFBC0-FDA2-7B0A-55E8-55972D5034B8}"/>
+              </a:ext>
+            </a:extLst>
+          </p:cNvPr>
+          <p:cNvSpPr>
+            <a:spLocks noGrp="1"/>
+          </p:cNvSpPr>
+          <p:nvPr>
+            <p:ph type="subTitle" idx="1"/>
+          </p:nvPr>
+        </p:nvSpPr>
+        <p:spPr/>
+        <p:txBody>
+          <a:bodyPr/>
+          <a:lstStyle/>
+          <a:p>
+            <a:r>
+              <a:rPr lang="en-US" dirty="0"/>
+              <a:t>The layout and the pipeline testing’s using the </a:t>
+            </a:r>
+            <a:r>
+              <a:rPr lang="en-US" dirty="0" err="1"/>
+              <a:t>devops</a:t>
+            </a:r>
+            <a:r>
+              <a:rPr lang="en-US" dirty="0"/>
+              <a:t> document</a:t>
+            </a:r>
+            <a:endParaRPr lang="en-ZA" dirty="0"/>
+          </a:p>
+        </p:txBody>
+      </p:sp>
+    </p:spTree>
+    <p:extLst>
+      <p:ext uri="{BB962C8B-B14F-4D97-AF65-F5344CB8AC3E}">
+        <p14:creationId xmlns:p14="http://schemas.microsoft.com/office/powerpoint/2010/main" val="2247496777"/>
+      </p:ext>
+    </p:extLst>
+  </p:cSld>
+  <p:clrMapOvr>
+    <a:masterClrMapping/>
+  </p:clrMapOvr>
+</p:sld>
+</file>
+
+<file path=ppt/slides/slide6.xml><?xml version="1.0" encoding="utf-8"?>
 <p:sld xmlns:a="http://schemas.openxmlformats.org/drawingml/2006/main" xmlns:r="http://schemas.openxmlformats.org/officeDocument/2006/relationships" xmlns:p="http://schemas.openxmlformats.org/presentationml/2006/main">
   <p:cSld>
     <p:spTree>
@@ -9023,7 +10799,7 @@
         </p:nvSpPr>
         <p:spPr>
           <a:xfrm>
-            <a:off x="228599" y="495300"/>
+            <a:off x="254000" y="582067"/>
             <a:ext cx="5867401" cy="5693866"/>
           </a:xfrm>
           <a:prstGeom prst="rect">
@@ -9553,18 +11329,12 @@
 </p:sld>
 </file>
 
-<file path=ppt/slides/slide5.xml><?xml version="1.0" encoding="utf-8"?>
+<file path=ppt/slides/slide7.xml><?xml version="1.0" encoding="utf-8"?>
 <p:sld xmlns:a="http://schemas.openxmlformats.org/drawingml/2006/main" xmlns:r="http://schemas.openxmlformats.org/officeDocument/2006/relationships" xmlns:p="http://schemas.openxmlformats.org/presentationml/2006/main">
   <p:cSld>
     <p:spTree>
       <p:nvGrpSpPr>
-        <p:cNvPr id="1" name="">
-          <a:extLst>
-            <a:ext uri="{FF2B5EF4-FFF2-40B4-BE49-F238E27FC236}">
-              <a16:creationId xmlns:a16="http://schemas.microsoft.com/office/drawing/2014/main" id="{D4562405-B359-EB81-65D9-E9EF06F83BB7}"/>
-            </a:ext>
-          </a:extLst>
-        </p:cNvPr>
+        <p:cNvPr id="1" name=""/>
         <p:cNvGrpSpPr/>
         <p:nvPr/>
       </p:nvGrpSpPr>
@@ -9578,1663 +11348,66 @@
       </p:grpSpPr>
       <p:sp>
         <p:nvSpPr>
-          <p:cNvPr id="4" name="TextBox 3">
+          <p:cNvPr id="2" name="Title 1">
             <a:extLst>
               <a:ext uri="{FF2B5EF4-FFF2-40B4-BE49-F238E27FC236}">
-                <a16:creationId xmlns:a16="http://schemas.microsoft.com/office/drawing/2014/main" id="{4896659A-CB48-EFE8-2EA5-A9F5CD77BD39}"/>
+                <a16:creationId xmlns:a16="http://schemas.microsoft.com/office/drawing/2014/main" id="{75261D10-6C5D-63EB-55F7-FC1678E619A1}"/>
               </a:ext>
             </a:extLst>
           </p:cNvPr>
-          <p:cNvSpPr txBox="1"/>
-          <p:nvPr/>
-        </p:nvSpPr>
-        <p:spPr>
-          <a:xfrm>
-            <a:off x="3727450" y="0"/>
-            <a:ext cx="4737100" cy="369332"/>
-          </a:xfrm>
-          <a:prstGeom prst="rect">
-            <a:avLst/>
-          </a:prstGeom>
-          <a:noFill/>
-        </p:spPr>
-        <p:txBody>
-          <a:bodyPr wrap="square" rtlCol="0">
-            <a:spAutoFit/>
-          </a:bodyPr>
+          <p:cNvSpPr>
+            <a:spLocks noGrp="1"/>
+          </p:cNvSpPr>
+          <p:nvPr>
+            <p:ph type="title"/>
+          </p:nvPr>
+        </p:nvSpPr>
+        <p:spPr/>
+        <p:txBody>
+          <a:bodyPr/>
           <a:lstStyle/>
           <a:p>
             <a:r>
-              <a:rPr lang="en-GB" sz="1800" dirty="0">
-                <a:effectLst/>
-                <a:latin typeface="Cascadia Code" panose="020B0609020000020004" pitchFamily="49" charset="0"/>
-                <a:ea typeface="Calibri" panose="020F0502020204030204" pitchFamily="34" charset="0"/>
-                <a:cs typeface="Cascadia Code" panose="020B0609020000020004" pitchFamily="49" charset="0"/>
-              </a:rPr>
-              <a:t>Documentation: Implementation Docs</a:t>
-            </a:r>
-            <a:endParaRPr lang="en-ZA" sz="1800" dirty="0">
-              <a:effectLst/>
-              <a:latin typeface="Cascadia Code" panose="020B0609020000020004" pitchFamily="49" charset="0"/>
-              <a:ea typeface="Calibri" panose="020F0502020204030204" pitchFamily="34" charset="0"/>
-              <a:cs typeface="Cascadia Code" panose="020B0609020000020004" pitchFamily="49" charset="0"/>
-            </a:endParaRPr>
-          </a:p>
-        </p:txBody>
-      </p:sp>
-      <p:sp>
-        <p:nvSpPr>
-          <p:cNvPr id="5" name="TextBox 4">
+              <a:rPr lang="en-US" dirty="0"/>
+              <a:t>Application</a:t>
+            </a:r>
+            <a:endParaRPr lang="en-ZA" dirty="0"/>
+          </a:p>
+        </p:txBody>
+      </p:sp>
+      <p:sp>
+        <p:nvSpPr>
+          <p:cNvPr id="3" name="Text Placeholder 2">
             <a:extLst>
               <a:ext uri="{FF2B5EF4-FFF2-40B4-BE49-F238E27FC236}">
-                <a16:creationId xmlns:a16="http://schemas.microsoft.com/office/drawing/2014/main" id="{ADCFA319-9E60-179B-24E4-33BEF184C864}"/>
+                <a16:creationId xmlns:a16="http://schemas.microsoft.com/office/drawing/2014/main" id="{32FF7864-5E98-7AA3-2884-54B4A290588F}"/>
               </a:ext>
             </a:extLst>
           </p:cNvPr>
-          <p:cNvSpPr txBox="1"/>
-          <p:nvPr/>
-        </p:nvSpPr>
-        <p:spPr>
-          <a:xfrm>
-            <a:off x="228600" y="495300"/>
-            <a:ext cx="5448301" cy="6432530"/>
-          </a:xfrm>
-          <a:prstGeom prst="rect">
-            <a:avLst/>
-          </a:prstGeom>
-          <a:noFill/>
-        </p:spPr>
-        <p:txBody>
-          <a:bodyPr wrap="square" rtlCol="0">
-            <a:spAutoFit/>
-          </a:bodyPr>
+          <p:cNvSpPr>
+            <a:spLocks noGrp="1"/>
+          </p:cNvSpPr>
+          <p:nvPr>
+            <p:ph type="body" idx="1"/>
+          </p:nvPr>
+        </p:nvSpPr>
+        <p:spPr/>
+        <p:txBody>
+          <a:bodyPr/>
           <a:lstStyle/>
           <a:p>
             <a:r>
-              <a:rPr lang="en-GB" sz="1600" b="1" dirty="0">
-                <a:solidFill>
-                  <a:srgbClr val="00B0F0"/>
-                </a:solidFill>
-                <a:latin typeface="Cascadia Code" panose="020B0609020000020004" pitchFamily="49" charset="0"/>
-                <a:cs typeface="Cascadia Code" panose="020B0609020000020004" pitchFamily="49" charset="0"/>
-              </a:rPr>
-              <a:t>System Architecture</a:t>
-            </a:r>
-          </a:p>
-          <a:p>
-            <a:pPr marL="285750" indent="-285750">
-              <a:buFont typeface="Arial" panose="020B0604020202020204" pitchFamily="34" charset="0"/>
-              <a:buChar char="•"/>
-            </a:pPr>
-            <a:r>
-              <a:rPr lang="en-GB" sz="1600" b="1" dirty="0">
-                <a:solidFill>
-                  <a:srgbClr val="00B0F0"/>
-                </a:solidFill>
-                <a:latin typeface="Cascadia Code" panose="020B0609020000020004" pitchFamily="49" charset="0"/>
-                <a:cs typeface="Cascadia Code" panose="020B0609020000020004" pitchFamily="49" charset="0"/>
-              </a:rPr>
-              <a:t>Frontend</a:t>
-            </a:r>
-            <a:r>
-              <a:rPr lang="en-GB" sz="1600" dirty="0">
-                <a:solidFill>
-                  <a:srgbClr val="00B0F0"/>
-                </a:solidFill>
-                <a:latin typeface="Cascadia Code" panose="020B0609020000020004" pitchFamily="49" charset="0"/>
-                <a:cs typeface="Cascadia Code" panose="020B0609020000020004" pitchFamily="49" charset="0"/>
-              </a:rPr>
-              <a:t>:</a:t>
-            </a:r>
-            <a:r>
-              <a:rPr lang="en-GB" sz="1600" dirty="0">
-                <a:latin typeface="Cascadia Code" panose="020B0609020000020004" pitchFamily="49" charset="0"/>
-                <a:cs typeface="Cascadia Code" panose="020B0609020000020004" pitchFamily="49" charset="0"/>
-              </a:rPr>
-              <a:t> Modern frameworks for a responsive interface.</a:t>
-            </a:r>
-          </a:p>
-          <a:p>
-            <a:pPr marL="285750" indent="-285750">
-              <a:buFont typeface="Arial" panose="020B0604020202020204" pitchFamily="34" charset="0"/>
-              <a:buChar char="•"/>
-            </a:pPr>
-            <a:r>
-              <a:rPr lang="en-GB" sz="1600" dirty="0">
-                <a:solidFill>
-                  <a:srgbClr val="00B0F0"/>
-                </a:solidFill>
-                <a:latin typeface="Cascadia Code" panose="020B0609020000020004" pitchFamily="49" charset="0"/>
-                <a:cs typeface="Cascadia Code" panose="020B0609020000020004" pitchFamily="49" charset="0"/>
-              </a:rPr>
-              <a:t>Backend: </a:t>
-            </a:r>
-            <a:r>
-              <a:rPr lang="en-GB" sz="1600" dirty="0">
-                <a:latin typeface="Cascadia Code" panose="020B0609020000020004" pitchFamily="49" charset="0"/>
-                <a:cs typeface="Cascadia Code" panose="020B0609020000020004" pitchFamily="49" charset="0"/>
-              </a:rPr>
-              <a:t>RESTful API for business logic and database interactions.</a:t>
-            </a:r>
-          </a:p>
-          <a:p>
-            <a:pPr marL="285750" indent="-285750">
-              <a:buFont typeface="Arial" panose="020B0604020202020204" pitchFamily="34" charset="0"/>
-              <a:buChar char="•"/>
-            </a:pPr>
-            <a:r>
-              <a:rPr lang="en-GB" sz="1600" b="1" dirty="0">
-                <a:solidFill>
-                  <a:srgbClr val="00B0F0"/>
-                </a:solidFill>
-                <a:latin typeface="Cascadia Code" panose="020B0609020000020004" pitchFamily="49" charset="0"/>
-                <a:cs typeface="Cascadia Code" panose="020B0609020000020004" pitchFamily="49" charset="0"/>
-              </a:rPr>
-              <a:t>Database</a:t>
-            </a:r>
-            <a:r>
-              <a:rPr lang="en-GB" sz="1600" dirty="0">
-                <a:solidFill>
-                  <a:srgbClr val="00B0F0"/>
-                </a:solidFill>
-                <a:latin typeface="Cascadia Code" panose="020B0609020000020004" pitchFamily="49" charset="0"/>
-                <a:cs typeface="Cascadia Code" panose="020B0609020000020004" pitchFamily="49" charset="0"/>
-              </a:rPr>
-              <a:t>: </a:t>
-            </a:r>
-            <a:r>
-              <a:rPr lang="en-GB" sz="1600" dirty="0">
-                <a:latin typeface="Cascadia Code" panose="020B0609020000020004" pitchFamily="49" charset="0"/>
-                <a:cs typeface="Cascadia Code" panose="020B0609020000020004" pitchFamily="49" charset="0"/>
-              </a:rPr>
-              <a:t>Cloud-hosted relational database for secure data storage.</a:t>
-            </a:r>
-          </a:p>
-          <a:p>
-            <a:pPr marL="285750" indent="-285750">
-              <a:buFont typeface="Arial" panose="020B0604020202020204" pitchFamily="34" charset="0"/>
-              <a:buChar char="•"/>
-            </a:pPr>
-            <a:r>
-              <a:rPr lang="en-GB" sz="1600" b="1" dirty="0">
-                <a:solidFill>
-                  <a:srgbClr val="00B0F0"/>
-                </a:solidFill>
-                <a:latin typeface="Cascadia Code" panose="020B0609020000020004" pitchFamily="49" charset="0"/>
-                <a:cs typeface="Cascadia Code" panose="020B0609020000020004" pitchFamily="49" charset="0"/>
-              </a:rPr>
-              <a:t>Third-Party Services</a:t>
-            </a:r>
-            <a:r>
-              <a:rPr lang="en-GB" sz="1600" dirty="0">
-                <a:solidFill>
-                  <a:srgbClr val="00B0F0"/>
-                </a:solidFill>
-                <a:latin typeface="Cascadia Code" panose="020B0609020000020004" pitchFamily="49" charset="0"/>
-                <a:cs typeface="Cascadia Code" panose="020B0609020000020004" pitchFamily="49" charset="0"/>
-              </a:rPr>
-              <a:t>:</a:t>
-            </a:r>
-            <a:r>
-              <a:rPr lang="en-GB" sz="1600" dirty="0">
-                <a:latin typeface="Cascadia Code" panose="020B0609020000020004" pitchFamily="49" charset="0"/>
-                <a:cs typeface="Cascadia Code" panose="020B0609020000020004" pitchFamily="49" charset="0"/>
-              </a:rPr>
-              <a:t> Authentication and cloud storage for scalability.</a:t>
-            </a:r>
-          </a:p>
-          <a:p>
-            <a:pPr>
-              <a:buFont typeface="Arial" panose="020B0604020202020204" pitchFamily="34" charset="0"/>
-              <a:buChar char="•"/>
-            </a:pPr>
-            <a:endParaRPr lang="en-GB" sz="1600" dirty="0">
-              <a:latin typeface="Cascadia Code" panose="020B0609020000020004" pitchFamily="49" charset="0"/>
-              <a:cs typeface="Cascadia Code" panose="020B0609020000020004" pitchFamily="49" charset="0"/>
-            </a:endParaRPr>
-          </a:p>
-          <a:p>
-            <a:r>
-              <a:rPr lang="en-GB" sz="1600" b="1" dirty="0">
-                <a:solidFill>
-                  <a:srgbClr val="00B0F0"/>
-                </a:solidFill>
-                <a:latin typeface="Cascadia Code" panose="020B0609020000020004" pitchFamily="49" charset="0"/>
-                <a:cs typeface="Cascadia Code" panose="020B0609020000020004" pitchFamily="49" charset="0"/>
-              </a:rPr>
-              <a:t>Critical Flows</a:t>
-            </a:r>
-          </a:p>
-          <a:p>
-            <a:pPr marL="285750" indent="-285750">
-              <a:buFont typeface="Arial" panose="020B0604020202020204" pitchFamily="34" charset="0"/>
-              <a:buChar char="•"/>
-            </a:pPr>
-            <a:r>
-              <a:rPr lang="en-GB" sz="1600" b="1" dirty="0">
-                <a:solidFill>
-                  <a:srgbClr val="00B0F0"/>
-                </a:solidFill>
-                <a:latin typeface="Cascadia Code" panose="020B0609020000020004" pitchFamily="49" charset="0"/>
-                <a:cs typeface="Cascadia Code" panose="020B0609020000020004" pitchFamily="49" charset="0"/>
-              </a:rPr>
-              <a:t>Lesson Booking Process:</a:t>
-            </a:r>
-          </a:p>
-          <a:p>
-            <a:pPr lvl="1">
-              <a:buFont typeface="+mj-lt"/>
-              <a:buAutoNum type="arabicPeriod"/>
-            </a:pPr>
-            <a:r>
-              <a:rPr lang="en-GB" sz="1600" dirty="0">
-                <a:latin typeface="Cascadia Code" panose="020B0609020000020004" pitchFamily="49" charset="0"/>
-                <a:cs typeface="Cascadia Code" panose="020B0609020000020004" pitchFamily="49" charset="0"/>
-              </a:rPr>
-              <a:t>User selects a time slot.</a:t>
-            </a:r>
-          </a:p>
-          <a:p>
-            <a:pPr lvl="1">
-              <a:buFont typeface="+mj-lt"/>
-              <a:buAutoNum type="arabicPeriod"/>
-            </a:pPr>
-            <a:r>
-              <a:rPr lang="en-GB" sz="1600" dirty="0">
-                <a:latin typeface="Cascadia Code" panose="020B0609020000020004" pitchFamily="49" charset="0"/>
-                <a:cs typeface="Cascadia Code" panose="020B0609020000020004" pitchFamily="49" charset="0"/>
-              </a:rPr>
-              <a:t>System verifies availability.</a:t>
-            </a:r>
-          </a:p>
-          <a:p>
-            <a:pPr lvl="1">
-              <a:buFont typeface="+mj-lt"/>
-              <a:buAutoNum type="arabicPeriod"/>
-            </a:pPr>
-            <a:r>
-              <a:rPr lang="en-GB" sz="1600" dirty="0">
-                <a:latin typeface="Cascadia Code" panose="020B0609020000020004" pitchFamily="49" charset="0"/>
-                <a:cs typeface="Cascadia Code" panose="020B0609020000020004" pitchFamily="49" charset="0"/>
-              </a:rPr>
-              <a:t>Booking confirmation is saved in the database.</a:t>
-            </a:r>
-          </a:p>
-          <a:p>
-            <a:pPr marL="285750" indent="-285750">
-              <a:buFont typeface="Arial" panose="020B0604020202020204" pitchFamily="34" charset="0"/>
-              <a:buChar char="•"/>
-            </a:pPr>
-            <a:r>
-              <a:rPr lang="en-GB" sz="1600" b="1" dirty="0">
-                <a:solidFill>
-                  <a:srgbClr val="00B0F0"/>
-                </a:solidFill>
-                <a:latin typeface="Cascadia Code" panose="020B0609020000020004" pitchFamily="49" charset="0"/>
-                <a:cs typeface="Cascadia Code" panose="020B0609020000020004" pitchFamily="49" charset="0"/>
-              </a:rPr>
-              <a:t>Lesson Management:</a:t>
-            </a:r>
-          </a:p>
-          <a:p>
-            <a:pPr lvl="1">
-              <a:buFont typeface="+mj-lt"/>
-              <a:buAutoNum type="arabicPeriod"/>
-            </a:pPr>
-            <a:r>
-              <a:rPr lang="en-GB" sz="1600" dirty="0">
-                <a:latin typeface="Cascadia Code" panose="020B0609020000020004" pitchFamily="49" charset="0"/>
-                <a:cs typeface="Cascadia Code" panose="020B0609020000020004" pitchFamily="49" charset="0"/>
-              </a:rPr>
-              <a:t>Coach/Admin manages schedules (create/edit/delete).</a:t>
-            </a:r>
-          </a:p>
-          <a:p>
-            <a:pPr lvl="1">
-              <a:buFont typeface="+mj-lt"/>
-              <a:buAutoNum type="arabicPeriod"/>
-            </a:pPr>
-            <a:r>
-              <a:rPr lang="en-GB" sz="1600" dirty="0">
-                <a:latin typeface="Cascadia Code" panose="020B0609020000020004" pitchFamily="49" charset="0"/>
-                <a:cs typeface="Cascadia Code" panose="020B0609020000020004" pitchFamily="49" charset="0"/>
-              </a:rPr>
-              <a:t>Updates are applied to the database.</a:t>
-            </a:r>
-          </a:p>
-          <a:p>
-            <a:pPr marL="285750" indent="-285750">
-              <a:buFont typeface="Arial" panose="020B0604020202020204" pitchFamily="34" charset="0"/>
-              <a:buChar char="•"/>
-            </a:pPr>
-            <a:r>
-              <a:rPr lang="en-GB" sz="1600" b="1" dirty="0">
-                <a:solidFill>
-                  <a:srgbClr val="00B0F0"/>
-                </a:solidFill>
-                <a:latin typeface="Cascadia Code" panose="020B0609020000020004" pitchFamily="49" charset="0"/>
-                <a:cs typeface="Cascadia Code" panose="020B0609020000020004" pitchFamily="49" charset="0"/>
-              </a:rPr>
-              <a:t>Payment and Booking Confirmation:</a:t>
-            </a:r>
-          </a:p>
-          <a:p>
-            <a:pPr lvl="1">
-              <a:buFont typeface="+mj-lt"/>
-              <a:buAutoNum type="arabicPeriod"/>
-            </a:pPr>
-            <a:r>
-              <a:rPr lang="en-GB" sz="1600" dirty="0">
-                <a:latin typeface="Cascadia Code" panose="020B0609020000020004" pitchFamily="49" charset="0"/>
-                <a:cs typeface="Cascadia Code" panose="020B0609020000020004" pitchFamily="49" charset="0"/>
-              </a:rPr>
-              <a:t>User pays via a secure gateway.</a:t>
-            </a:r>
-          </a:p>
-          <a:p>
-            <a:pPr lvl="1">
-              <a:buFont typeface="+mj-lt"/>
-              <a:buAutoNum type="arabicPeriod"/>
-            </a:pPr>
-            <a:r>
-              <a:rPr lang="en-GB" sz="1600" dirty="0">
-                <a:latin typeface="Cascadia Code" panose="020B0609020000020004" pitchFamily="49" charset="0"/>
-                <a:cs typeface="Cascadia Code" panose="020B0609020000020004" pitchFamily="49" charset="0"/>
-              </a:rPr>
-              <a:t>Payment status is updated in the system.</a:t>
-            </a:r>
-          </a:p>
-          <a:p>
-            <a:endParaRPr lang="en-GB" sz="1400" b="1" dirty="0">
-              <a:solidFill>
-                <a:srgbClr val="00B0F0"/>
-              </a:solidFill>
-              <a:latin typeface="Cascadia Code" panose="020B0609020000020004" pitchFamily="49" charset="0"/>
-              <a:cs typeface="Cascadia Code" panose="020B0609020000020004" pitchFamily="49" charset="0"/>
-            </a:endParaRPr>
-          </a:p>
-          <a:p>
-            <a:r>
-              <a:rPr lang="en-GB" sz="1400" dirty="0">
-                <a:latin typeface="Cascadia Code" panose="020B0609020000020004" pitchFamily="49" charset="0"/>
-                <a:cs typeface="Cascadia Code" panose="020B0609020000020004" pitchFamily="49" charset="0"/>
-              </a:rPr>
-              <a:t>•</a:t>
-            </a:r>
-            <a:endParaRPr lang="en-GB" sz="1600" dirty="0">
-              <a:latin typeface="Cascadia Code" panose="020B0609020000020004" pitchFamily="49" charset="0"/>
-              <a:cs typeface="Cascadia Code" panose="020B0609020000020004" pitchFamily="49" charset="0"/>
-            </a:endParaRPr>
-          </a:p>
-        </p:txBody>
-      </p:sp>
-      <p:sp>
-        <p:nvSpPr>
-          <p:cNvPr id="2" name="TextBox 1">
-            <a:extLst>
-              <a:ext uri="{FF2B5EF4-FFF2-40B4-BE49-F238E27FC236}">
-                <a16:creationId xmlns:a16="http://schemas.microsoft.com/office/drawing/2014/main" id="{B9D1FD27-1DC7-D27C-9A82-F8767A8A567E}"/>
-              </a:ext>
-            </a:extLst>
-          </p:cNvPr>
-          <p:cNvSpPr txBox="1"/>
-          <p:nvPr/>
-        </p:nvSpPr>
-        <p:spPr>
-          <a:xfrm>
-            <a:off x="5651500" y="495300"/>
-            <a:ext cx="6375400" cy="4955203"/>
-          </a:xfrm>
-          <a:prstGeom prst="rect">
-            <a:avLst/>
-          </a:prstGeom>
-          <a:noFill/>
-        </p:spPr>
-        <p:txBody>
-          <a:bodyPr wrap="square" rtlCol="0">
-            <a:spAutoFit/>
-          </a:bodyPr>
-          <a:lstStyle/>
-          <a:p>
-            <a:r>
-              <a:rPr lang="en-GB" sz="1600" b="1" dirty="0">
-                <a:solidFill>
-                  <a:srgbClr val="00B0F0"/>
-                </a:solidFill>
-                <a:latin typeface="Cascadia Code" panose="020B0609020000020004" pitchFamily="49" charset="0"/>
-                <a:cs typeface="Cascadia Code" panose="020B0609020000020004" pitchFamily="49" charset="0"/>
-              </a:rPr>
-              <a:t>Deployment</a:t>
-            </a:r>
-          </a:p>
-          <a:p>
-            <a:pPr marL="285750" indent="-285750">
-              <a:buFont typeface="Arial" panose="020B0604020202020204" pitchFamily="34" charset="0"/>
-              <a:buChar char="•"/>
-            </a:pPr>
-            <a:r>
-              <a:rPr lang="en-ZA" sz="1600" b="1" dirty="0">
-                <a:solidFill>
-                  <a:srgbClr val="00B0F0"/>
-                </a:solidFill>
-                <a:latin typeface="Cascadia Code" panose="020B0609020000020004" pitchFamily="49" charset="0"/>
-                <a:cs typeface="Cascadia Code" panose="020B0609020000020004" pitchFamily="49" charset="0"/>
-              </a:rPr>
-              <a:t>Environments</a:t>
-            </a:r>
-            <a:r>
-              <a:rPr lang="en-ZA" sz="1600" dirty="0">
-                <a:solidFill>
-                  <a:srgbClr val="00B0F0"/>
-                </a:solidFill>
-                <a:latin typeface="Cascadia Code" panose="020B0609020000020004" pitchFamily="49" charset="0"/>
-                <a:cs typeface="Cascadia Code" panose="020B0609020000020004" pitchFamily="49" charset="0"/>
-              </a:rPr>
-              <a:t>: </a:t>
-            </a:r>
-            <a:r>
-              <a:rPr lang="en-ZA" sz="1600" dirty="0">
-                <a:latin typeface="Cascadia Code" panose="020B0609020000020004" pitchFamily="49" charset="0"/>
-                <a:cs typeface="Cascadia Code" panose="020B0609020000020004" pitchFamily="49" charset="0"/>
-              </a:rPr>
-              <a:t>Development, staging, production.</a:t>
-            </a:r>
-          </a:p>
-          <a:p>
-            <a:pPr marL="285750" indent="-285750">
-              <a:buFont typeface="Arial" panose="020B0604020202020204" pitchFamily="34" charset="0"/>
-              <a:buChar char="•"/>
-            </a:pPr>
-            <a:r>
-              <a:rPr lang="en-ZA" sz="1600" b="1" dirty="0">
-                <a:solidFill>
-                  <a:srgbClr val="00B0F0"/>
-                </a:solidFill>
-                <a:latin typeface="Cascadia Code" panose="020B0609020000020004" pitchFamily="49" charset="0"/>
-                <a:cs typeface="Cascadia Code" panose="020B0609020000020004" pitchFamily="49" charset="0"/>
-              </a:rPr>
-              <a:t>Key Steps</a:t>
-            </a:r>
-            <a:r>
-              <a:rPr lang="en-ZA" sz="1600" dirty="0">
-                <a:solidFill>
-                  <a:srgbClr val="00B0F0"/>
-                </a:solidFill>
-                <a:latin typeface="Cascadia Code" panose="020B0609020000020004" pitchFamily="49" charset="0"/>
-                <a:cs typeface="Cascadia Code" panose="020B0609020000020004" pitchFamily="49" charset="0"/>
-              </a:rPr>
-              <a:t>:</a:t>
-            </a:r>
-          </a:p>
-          <a:p>
-            <a:pPr marL="800100" lvl="1" indent="-342900">
-              <a:buFont typeface="+mj-lt"/>
-              <a:buAutoNum type="arabicPeriod"/>
-            </a:pPr>
-            <a:r>
-              <a:rPr lang="en-ZA" sz="1600" dirty="0">
-                <a:latin typeface="Cascadia Code" panose="020B0609020000020004" pitchFamily="49" charset="0"/>
-                <a:cs typeface="Cascadia Code" panose="020B0609020000020004" pitchFamily="49" charset="0"/>
-              </a:rPr>
-              <a:t>Hosting on </a:t>
-            </a:r>
-            <a:r>
-              <a:rPr lang="en-ZA" sz="1600" dirty="0" err="1">
-                <a:latin typeface="Cascadia Code" panose="020B0609020000020004" pitchFamily="49" charset="0"/>
-                <a:cs typeface="Cascadia Code" panose="020B0609020000020004" pitchFamily="49" charset="0"/>
-              </a:rPr>
-              <a:t>Vercel</a:t>
-            </a:r>
-            <a:r>
-              <a:rPr lang="en-ZA" sz="1600" dirty="0">
-                <a:latin typeface="Cascadia Code" panose="020B0609020000020004" pitchFamily="49" charset="0"/>
-                <a:cs typeface="Cascadia Code" panose="020B0609020000020004" pitchFamily="49" charset="0"/>
-              </a:rPr>
-              <a:t> (frontend) and </a:t>
-            </a:r>
-            <a:r>
-              <a:rPr lang="en-ZA" sz="1600" dirty="0" err="1">
-                <a:latin typeface="Cascadia Code" panose="020B0609020000020004" pitchFamily="49" charset="0"/>
-                <a:cs typeface="Cascadia Code" panose="020B0609020000020004" pitchFamily="49" charset="0"/>
-              </a:rPr>
-              <a:t>Supabase</a:t>
-            </a:r>
-            <a:r>
-              <a:rPr lang="en-ZA" sz="1600" dirty="0">
-                <a:latin typeface="Cascadia Code" panose="020B0609020000020004" pitchFamily="49" charset="0"/>
-                <a:cs typeface="Cascadia Code" panose="020B0609020000020004" pitchFamily="49" charset="0"/>
-              </a:rPr>
-              <a:t> (backend).</a:t>
-            </a:r>
-          </a:p>
-          <a:p>
-            <a:pPr marL="800100" lvl="1" indent="-342900">
-              <a:buFont typeface="+mj-lt"/>
-              <a:buAutoNum type="arabicPeriod"/>
-            </a:pPr>
-            <a:r>
-              <a:rPr lang="en-ZA" sz="1600" dirty="0">
-                <a:latin typeface="Cascadia Code" panose="020B0609020000020004" pitchFamily="49" charset="0"/>
-                <a:cs typeface="Cascadia Code" panose="020B0609020000020004" pitchFamily="49" charset="0"/>
-              </a:rPr>
-              <a:t>Environment configuration (API keys, database URLs).</a:t>
-            </a:r>
-          </a:p>
-          <a:p>
-            <a:pPr marL="800100" lvl="1" indent="-342900">
-              <a:buFont typeface="+mj-lt"/>
-              <a:buAutoNum type="arabicPeriod"/>
-            </a:pPr>
-            <a:r>
-              <a:rPr lang="en-ZA" sz="1600" dirty="0">
-                <a:latin typeface="Cascadia Code" panose="020B0609020000020004" pitchFamily="49" charset="0"/>
-                <a:cs typeface="Cascadia Code" panose="020B0609020000020004" pitchFamily="49" charset="0"/>
-              </a:rPr>
-              <a:t>Build and deploy with end-to-end testing.</a:t>
-            </a:r>
-          </a:p>
-          <a:p>
-            <a:pPr lvl="1"/>
-            <a:endParaRPr lang="en-ZA" sz="1600" dirty="0">
-              <a:latin typeface="Cascadia Code" panose="020B0609020000020004" pitchFamily="49" charset="0"/>
-              <a:cs typeface="Cascadia Code" panose="020B0609020000020004" pitchFamily="49" charset="0"/>
-            </a:endParaRPr>
-          </a:p>
-          <a:p>
-            <a:r>
-              <a:rPr lang="en-ZA" sz="1600" b="1" dirty="0">
-                <a:solidFill>
-                  <a:srgbClr val="00B0F0"/>
-                </a:solidFill>
-                <a:latin typeface="Cascadia Code" panose="020B0609020000020004" pitchFamily="49" charset="0"/>
-                <a:cs typeface="Cascadia Code" panose="020B0609020000020004" pitchFamily="49" charset="0"/>
-              </a:rPr>
-              <a:t>Related Documentation</a:t>
-            </a:r>
-          </a:p>
-          <a:p>
-            <a:pPr marL="285750" indent="-285750">
-              <a:buFont typeface="Arial" panose="020B0604020202020204" pitchFamily="34" charset="0"/>
-              <a:buChar char="•"/>
-            </a:pPr>
-            <a:r>
-              <a:rPr lang="en-ZA" sz="1600" b="1" dirty="0">
-                <a:solidFill>
-                  <a:srgbClr val="00B0F0"/>
-                </a:solidFill>
-                <a:latin typeface="Cascadia Code" panose="020B0609020000020004" pitchFamily="49" charset="0"/>
-                <a:cs typeface="Cascadia Code" panose="020B0609020000020004" pitchFamily="49" charset="0"/>
-              </a:rPr>
-              <a:t>Database Schema</a:t>
-            </a:r>
-            <a:r>
-              <a:rPr lang="en-ZA" sz="1600" dirty="0">
-                <a:solidFill>
-                  <a:srgbClr val="00B0F0"/>
-                </a:solidFill>
-                <a:latin typeface="Cascadia Code" panose="020B0609020000020004" pitchFamily="49" charset="0"/>
-                <a:cs typeface="Cascadia Code" panose="020B0609020000020004" pitchFamily="49" charset="0"/>
-              </a:rPr>
-              <a:t>: </a:t>
-            </a:r>
-            <a:r>
-              <a:rPr lang="en-ZA" sz="1600" dirty="0">
-                <a:latin typeface="Cascadia Code" panose="020B0609020000020004" pitchFamily="49" charset="0"/>
-                <a:cs typeface="Cascadia Code" panose="020B0609020000020004" pitchFamily="49" charset="0"/>
-              </a:rPr>
-              <a:t>ER diagram defines relationships between entities (e.g., User, Lesson, Payment).</a:t>
-            </a:r>
-          </a:p>
-          <a:p>
-            <a:pPr marL="285750" indent="-285750">
-              <a:buFont typeface="Arial" panose="020B0604020202020204" pitchFamily="34" charset="0"/>
-              <a:buChar char="•"/>
-            </a:pPr>
-            <a:r>
-              <a:rPr lang="en-ZA" sz="1600" b="1" dirty="0">
-                <a:solidFill>
-                  <a:srgbClr val="00B0F0"/>
-                </a:solidFill>
-                <a:latin typeface="Cascadia Code" panose="020B0609020000020004" pitchFamily="49" charset="0"/>
-                <a:cs typeface="Cascadia Code" panose="020B0609020000020004" pitchFamily="49" charset="0"/>
-              </a:rPr>
-              <a:t>API Documentation</a:t>
-            </a:r>
-            <a:r>
-              <a:rPr lang="en-ZA" sz="1600" dirty="0">
-                <a:solidFill>
-                  <a:srgbClr val="00B0F0"/>
-                </a:solidFill>
-                <a:latin typeface="Cascadia Code" panose="020B0609020000020004" pitchFamily="49" charset="0"/>
-                <a:cs typeface="Cascadia Code" panose="020B0609020000020004" pitchFamily="49" charset="0"/>
-              </a:rPr>
-              <a:t>:</a:t>
-            </a:r>
-          </a:p>
-          <a:p>
-            <a:pPr marL="742950" lvl="1" indent="-285750">
-              <a:buFont typeface="Arial" panose="020B0604020202020204" pitchFamily="34" charset="0"/>
-              <a:buChar char="•"/>
-            </a:pPr>
-            <a:r>
-              <a:rPr lang="en-ZA" sz="1600" dirty="0">
-                <a:latin typeface="Cascadia Code" panose="020B0609020000020004" pitchFamily="49" charset="0"/>
-                <a:cs typeface="Cascadia Code" panose="020B0609020000020004" pitchFamily="49" charset="0"/>
-              </a:rPr>
-              <a:t>Endpoints for scheduling, payments.</a:t>
-            </a:r>
-          </a:p>
-          <a:p>
-            <a:pPr marL="742950" lvl="1" indent="-285750">
-              <a:buFont typeface="Arial" panose="020B0604020202020204" pitchFamily="34" charset="0"/>
-              <a:buChar char="•"/>
-            </a:pPr>
-            <a:r>
-              <a:rPr lang="en-ZA" sz="1600" dirty="0">
-                <a:latin typeface="Cascadia Code" panose="020B0609020000020004" pitchFamily="49" charset="0"/>
-                <a:cs typeface="Cascadia Code" panose="020B0609020000020004" pitchFamily="49" charset="0"/>
-              </a:rPr>
-              <a:t>Secure authentication via tokens.</a:t>
-            </a:r>
-          </a:p>
-          <a:p>
-            <a:pPr marL="285750" indent="-285750">
-              <a:buFont typeface="Arial" panose="020B0604020202020204" pitchFamily="34" charset="0"/>
-              <a:buChar char="•"/>
-            </a:pPr>
-            <a:r>
-              <a:rPr lang="en-ZA" sz="1600" b="1" dirty="0">
-                <a:solidFill>
-                  <a:srgbClr val="00B0F0"/>
-                </a:solidFill>
-                <a:latin typeface="Cascadia Code" panose="020B0609020000020004" pitchFamily="49" charset="0"/>
-                <a:cs typeface="Cascadia Code" panose="020B0609020000020004" pitchFamily="49" charset="0"/>
-              </a:rPr>
-              <a:t>Error Handling</a:t>
-            </a:r>
-            <a:r>
-              <a:rPr lang="en-ZA" sz="1600" dirty="0">
-                <a:solidFill>
-                  <a:srgbClr val="00B0F0"/>
-                </a:solidFill>
-                <a:latin typeface="Cascadia Code" panose="020B0609020000020004" pitchFamily="49" charset="0"/>
-                <a:cs typeface="Cascadia Code" panose="020B0609020000020004" pitchFamily="49" charset="0"/>
-              </a:rPr>
-              <a:t>:</a:t>
-            </a:r>
-          </a:p>
-          <a:p>
-            <a:pPr marL="742950" lvl="1" indent="-285750">
-              <a:buFont typeface="Arial" panose="020B0604020202020204" pitchFamily="34" charset="0"/>
-              <a:buChar char="•"/>
-            </a:pPr>
-            <a:r>
-              <a:rPr lang="en-ZA" sz="1600" dirty="0">
-                <a:latin typeface="Cascadia Code" panose="020B0609020000020004" pitchFamily="49" charset="0"/>
-                <a:cs typeface="Cascadia Code" panose="020B0609020000020004" pitchFamily="49" charset="0"/>
-              </a:rPr>
-              <a:t>Centralised logging and error codes for debugging.</a:t>
-            </a:r>
-          </a:p>
-          <a:p>
-            <a:endParaRPr lang="en-GB" sz="1400" b="1" dirty="0">
-              <a:solidFill>
-                <a:srgbClr val="00B0F0"/>
-              </a:solidFill>
-              <a:latin typeface="Cascadia Code" panose="020B0609020000020004" pitchFamily="49" charset="0"/>
-              <a:cs typeface="Cascadia Code" panose="020B0609020000020004" pitchFamily="49" charset="0"/>
-            </a:endParaRPr>
-          </a:p>
-          <a:p>
-            <a:r>
-              <a:rPr lang="en-GB" sz="1400" dirty="0">
-                <a:latin typeface="Cascadia Code" panose="020B0609020000020004" pitchFamily="49" charset="0"/>
-                <a:cs typeface="Cascadia Code" panose="020B0609020000020004" pitchFamily="49" charset="0"/>
-              </a:rPr>
-              <a:t>•</a:t>
-            </a:r>
-            <a:endParaRPr lang="en-GB" sz="1600" dirty="0">
-              <a:latin typeface="Cascadia Code" panose="020B0609020000020004" pitchFamily="49" charset="0"/>
-              <a:cs typeface="Cascadia Code" panose="020B0609020000020004" pitchFamily="49" charset="0"/>
-            </a:endParaRPr>
+              <a:rPr lang="en-US" dirty="0"/>
+              <a:t>What type of application and the features it gives</a:t>
+            </a:r>
+            <a:endParaRPr lang="en-ZA" dirty="0"/>
           </a:p>
         </p:txBody>
       </p:sp>
     </p:spTree>
     <p:extLst>
       <p:ext uri="{BB962C8B-B14F-4D97-AF65-F5344CB8AC3E}">
-        <p14:creationId xmlns:p14="http://schemas.microsoft.com/office/powerpoint/2010/main" val="4239085686"/>
-      </p:ext>
-    </p:extLst>
-  </p:cSld>
-  <p:clrMapOvr>
-    <a:masterClrMapping/>
-  </p:clrMapOvr>
-</p:sld>
-</file>
-
-<file path=ppt/slides/slide6.xml><?xml version="1.0" encoding="utf-8"?>
-<p:sld xmlns:a="http://schemas.openxmlformats.org/drawingml/2006/main" xmlns:r="http://schemas.openxmlformats.org/officeDocument/2006/relationships" xmlns:p="http://schemas.openxmlformats.org/presentationml/2006/main">
-  <p:cSld>
-    <p:spTree>
-      <p:nvGrpSpPr>
-        <p:cNvPr id="1" name="">
-          <a:extLst>
-            <a:ext uri="{FF2B5EF4-FFF2-40B4-BE49-F238E27FC236}">
-              <a16:creationId xmlns:a16="http://schemas.microsoft.com/office/drawing/2014/main" id="{C167DE32-9BA8-348F-7EE5-FE311C208206}"/>
-            </a:ext>
-          </a:extLst>
-        </p:cNvPr>
-        <p:cNvGrpSpPr/>
-        <p:nvPr/>
-      </p:nvGrpSpPr>
-      <p:grpSpPr>
-        <a:xfrm>
-          <a:off x="0" y="0"/>
-          <a:ext cx="0" cy="0"/>
-          <a:chOff x="0" y="0"/>
-          <a:chExt cx="0" cy="0"/>
-        </a:xfrm>
-      </p:grpSpPr>
-      <p:sp>
-        <p:nvSpPr>
-          <p:cNvPr id="4" name="TextBox 3">
-            <a:extLst>
-              <a:ext uri="{FF2B5EF4-FFF2-40B4-BE49-F238E27FC236}">
-                <a16:creationId xmlns:a16="http://schemas.microsoft.com/office/drawing/2014/main" id="{6D344A8D-2BC1-B5EF-B1F7-97EC6EC01E0C}"/>
-              </a:ext>
-            </a:extLst>
-          </p:cNvPr>
-          <p:cNvSpPr txBox="1"/>
-          <p:nvPr/>
-        </p:nvSpPr>
-        <p:spPr>
-          <a:xfrm>
-            <a:off x="1346200" y="0"/>
-            <a:ext cx="9144000" cy="369332"/>
-          </a:xfrm>
-          <a:prstGeom prst="rect">
-            <a:avLst/>
-          </a:prstGeom>
-          <a:noFill/>
-        </p:spPr>
-        <p:txBody>
-          <a:bodyPr wrap="square" rtlCol="0">
-            <a:spAutoFit/>
-          </a:bodyPr>
-          <a:lstStyle/>
-          <a:p>
-            <a:r>
-              <a:rPr lang="en-GB" sz="1800" dirty="0">
-                <a:effectLst/>
-                <a:latin typeface="Cascadia Code" panose="020B0609020000020004" pitchFamily="49" charset="0"/>
-                <a:ea typeface="Calibri" panose="020F0502020204030204" pitchFamily="34" charset="0"/>
-                <a:cs typeface="Cascadia Code" panose="020B0609020000020004" pitchFamily="49" charset="0"/>
-              </a:rPr>
-              <a:t>Documentation: Non-Functional Requirements Based on ISO/IEC 12207</a:t>
-            </a:r>
-            <a:endParaRPr lang="en-ZA" sz="1800" dirty="0">
-              <a:effectLst/>
-              <a:latin typeface="Cascadia Code" panose="020B0609020000020004" pitchFamily="49" charset="0"/>
-              <a:ea typeface="Calibri" panose="020F0502020204030204" pitchFamily="34" charset="0"/>
-              <a:cs typeface="Cascadia Code" panose="020B0609020000020004" pitchFamily="49" charset="0"/>
-            </a:endParaRPr>
-          </a:p>
-        </p:txBody>
-      </p:sp>
-      <p:sp>
-        <p:nvSpPr>
-          <p:cNvPr id="5" name="TextBox 4">
-            <a:extLst>
-              <a:ext uri="{FF2B5EF4-FFF2-40B4-BE49-F238E27FC236}">
-                <a16:creationId xmlns:a16="http://schemas.microsoft.com/office/drawing/2014/main" id="{E8349FF9-81FA-A5DF-6FE9-3B39FE97635A}"/>
-              </a:ext>
-            </a:extLst>
-          </p:cNvPr>
-          <p:cNvSpPr txBox="1"/>
-          <p:nvPr/>
-        </p:nvSpPr>
-        <p:spPr>
-          <a:xfrm>
-            <a:off x="228600" y="495300"/>
-            <a:ext cx="5448301" cy="5878532"/>
-          </a:xfrm>
-          <a:prstGeom prst="rect">
-            <a:avLst/>
-          </a:prstGeom>
-          <a:noFill/>
-        </p:spPr>
-        <p:txBody>
-          <a:bodyPr wrap="square" rtlCol="0">
-            <a:spAutoFit/>
-          </a:bodyPr>
-          <a:lstStyle/>
-          <a:p>
-            <a:r>
-              <a:rPr lang="en-GB" b="1" dirty="0">
-                <a:solidFill>
-                  <a:srgbClr val="00B0F0"/>
-                </a:solidFill>
-                <a:latin typeface="Cascadia Code" panose="020B0609020000020004" pitchFamily="49" charset="0"/>
-                <a:cs typeface="Cascadia Code" panose="020B0609020000020004" pitchFamily="49" charset="0"/>
-              </a:rPr>
-              <a:t>Performance</a:t>
-            </a:r>
-          </a:p>
-          <a:p>
-            <a:pPr marL="285750" indent="-285750">
-              <a:buFont typeface="Arial" panose="020B0604020202020204" pitchFamily="34" charset="0"/>
-              <a:buChar char="•"/>
-            </a:pPr>
-            <a:r>
-              <a:rPr lang="en-GB" b="1" dirty="0">
-                <a:latin typeface="Cascadia Code" panose="020B0609020000020004" pitchFamily="49" charset="0"/>
-                <a:cs typeface="Cascadia Code" panose="020B0609020000020004" pitchFamily="49" charset="0"/>
-              </a:rPr>
-              <a:t>Response within 7 seconds for 5,000 concurrent users.</a:t>
-            </a:r>
-          </a:p>
-          <a:p>
-            <a:pPr marL="285750" indent="-285750">
-              <a:buFont typeface="Arial" panose="020B0604020202020204" pitchFamily="34" charset="0"/>
-              <a:buChar char="•"/>
-            </a:pPr>
-            <a:r>
-              <a:rPr lang="en-GB" b="1" dirty="0">
-                <a:latin typeface="Cascadia Code" panose="020B0609020000020004" pitchFamily="49" charset="0"/>
-                <a:cs typeface="Cascadia Code" panose="020B0609020000020004" pitchFamily="49" charset="0"/>
-              </a:rPr>
-              <a:t>100 concurrent transactions/second.</a:t>
-            </a:r>
-          </a:p>
-          <a:p>
-            <a:pPr marL="285750" indent="-285750">
-              <a:buFont typeface="Arial" panose="020B0604020202020204" pitchFamily="34" charset="0"/>
-              <a:buChar char="•"/>
-            </a:pPr>
-            <a:r>
-              <a:rPr lang="en-GB" b="1" dirty="0">
-                <a:latin typeface="Cascadia Code" panose="020B0609020000020004" pitchFamily="49" charset="0"/>
-                <a:cs typeface="Cascadia Code" panose="020B0609020000020004" pitchFamily="49" charset="0"/>
-              </a:rPr>
-              <a:t>Implementation: Optimised server-side rendering, database indexing, caching.</a:t>
-            </a:r>
-          </a:p>
-          <a:p>
-            <a:r>
-              <a:rPr lang="en-GB" b="1" dirty="0">
-                <a:solidFill>
-                  <a:srgbClr val="00B0F0"/>
-                </a:solidFill>
-                <a:latin typeface="Cascadia Code" panose="020B0609020000020004" pitchFamily="49" charset="0"/>
-                <a:cs typeface="Cascadia Code" panose="020B0609020000020004" pitchFamily="49" charset="0"/>
-              </a:rPr>
-              <a:t>Scalability</a:t>
-            </a:r>
-          </a:p>
-          <a:p>
-            <a:pPr marL="285750" indent="-285750">
-              <a:buFont typeface="Arial" panose="020B0604020202020204" pitchFamily="34" charset="0"/>
-              <a:buChar char="•"/>
-            </a:pPr>
-            <a:r>
-              <a:rPr lang="en-GB" b="1" dirty="0">
-                <a:latin typeface="Cascadia Code" panose="020B0609020000020004" pitchFamily="49" charset="0"/>
-                <a:cs typeface="Cascadia Code" panose="020B0609020000020004" pitchFamily="49" charset="0"/>
-              </a:rPr>
-              <a:t>Support for tenfold increase in users and transactions.</a:t>
-            </a:r>
-          </a:p>
-          <a:p>
-            <a:pPr marL="285750" indent="-285750">
-              <a:buFont typeface="Arial" panose="020B0604020202020204" pitchFamily="34" charset="0"/>
-              <a:buChar char="•"/>
-            </a:pPr>
-            <a:r>
-              <a:rPr lang="en-GB" b="1" dirty="0">
-                <a:latin typeface="Cascadia Code" panose="020B0609020000020004" pitchFamily="49" charset="0"/>
-                <a:cs typeface="Cascadia Code" panose="020B0609020000020004" pitchFamily="49" charset="0"/>
-              </a:rPr>
-              <a:t>Dynamic and horizontal scaling via </a:t>
-            </a:r>
-            <a:r>
-              <a:rPr lang="en-GB" b="1" dirty="0" err="1">
-                <a:latin typeface="Cascadia Code" panose="020B0609020000020004" pitchFamily="49" charset="0"/>
-                <a:cs typeface="Cascadia Code" panose="020B0609020000020004" pitchFamily="49" charset="0"/>
-              </a:rPr>
-              <a:t>Vercel</a:t>
-            </a:r>
-            <a:r>
-              <a:rPr lang="en-GB" b="1" dirty="0">
-                <a:latin typeface="Cascadia Code" panose="020B0609020000020004" pitchFamily="49" charset="0"/>
-                <a:cs typeface="Cascadia Code" panose="020B0609020000020004" pitchFamily="49" charset="0"/>
-              </a:rPr>
-              <a:t> and </a:t>
-            </a:r>
-            <a:r>
-              <a:rPr lang="en-GB" b="1" dirty="0" err="1">
-                <a:latin typeface="Cascadia Code" panose="020B0609020000020004" pitchFamily="49" charset="0"/>
-                <a:cs typeface="Cascadia Code" panose="020B0609020000020004" pitchFamily="49" charset="0"/>
-              </a:rPr>
-              <a:t>Supabase</a:t>
-            </a:r>
-            <a:r>
-              <a:rPr lang="en-GB" b="1" dirty="0">
-                <a:latin typeface="Cascadia Code" panose="020B0609020000020004" pitchFamily="49" charset="0"/>
-                <a:cs typeface="Cascadia Code" panose="020B0609020000020004" pitchFamily="49" charset="0"/>
-              </a:rPr>
-              <a:t>.</a:t>
-            </a:r>
-          </a:p>
-          <a:p>
-            <a:r>
-              <a:rPr lang="en-GB" b="1" dirty="0">
-                <a:solidFill>
-                  <a:srgbClr val="00B0F0"/>
-                </a:solidFill>
-                <a:latin typeface="Cascadia Code" panose="020B0609020000020004" pitchFamily="49" charset="0"/>
-                <a:cs typeface="Cascadia Code" panose="020B0609020000020004" pitchFamily="49" charset="0"/>
-              </a:rPr>
-              <a:t>Reliability</a:t>
-            </a:r>
-          </a:p>
-          <a:p>
-            <a:pPr marL="285750" indent="-285750">
-              <a:buFont typeface="Arial" panose="020B0604020202020204" pitchFamily="34" charset="0"/>
-              <a:buChar char="•"/>
-            </a:pPr>
-            <a:r>
-              <a:rPr lang="en-GB" b="1" dirty="0">
-                <a:latin typeface="Cascadia Code" panose="020B0609020000020004" pitchFamily="49" charset="0"/>
-                <a:cs typeface="Cascadia Code" panose="020B0609020000020004" pitchFamily="49" charset="0"/>
-              </a:rPr>
-              <a:t>95% uptime, 1-hour MTTR.</a:t>
-            </a:r>
-          </a:p>
-          <a:p>
-            <a:pPr marL="285750" indent="-285750">
-              <a:buFont typeface="Arial" panose="020B0604020202020204" pitchFamily="34" charset="0"/>
-              <a:buChar char="•"/>
-            </a:pPr>
-            <a:r>
-              <a:rPr lang="en-GB" b="1" dirty="0">
-                <a:latin typeface="Cascadia Code" panose="020B0609020000020004" pitchFamily="49" charset="0"/>
-                <a:cs typeface="Cascadia Code" panose="020B0609020000020004" pitchFamily="49" charset="0"/>
-              </a:rPr>
-              <a:t>Regular backups and redundancy implemented.</a:t>
-            </a:r>
-          </a:p>
-          <a:p>
-            <a:r>
-              <a:rPr lang="en-GB" b="1" dirty="0">
-                <a:solidFill>
-                  <a:srgbClr val="00B0F0"/>
-                </a:solidFill>
-                <a:latin typeface="Cascadia Code" panose="020B0609020000020004" pitchFamily="49" charset="0"/>
-                <a:cs typeface="Cascadia Code" panose="020B0609020000020004" pitchFamily="49" charset="0"/>
-              </a:rPr>
-              <a:t>Maintainability</a:t>
-            </a:r>
-          </a:p>
-          <a:p>
-            <a:pPr marL="285750" indent="-285750">
-              <a:buFont typeface="Arial" panose="020B0604020202020204" pitchFamily="34" charset="0"/>
-              <a:buChar char="•"/>
-            </a:pPr>
-            <a:r>
-              <a:rPr lang="en-GB" b="1" dirty="0">
-                <a:latin typeface="Cascadia Code" panose="020B0609020000020004" pitchFamily="49" charset="0"/>
-                <a:cs typeface="Cascadia Code" panose="020B0609020000020004" pitchFamily="49" charset="0"/>
-              </a:rPr>
-              <a:t>Modular design for easy updates.</a:t>
-            </a:r>
-          </a:p>
-          <a:p>
-            <a:pPr marL="285750" indent="-285750">
-              <a:buFont typeface="Arial" panose="020B0604020202020204" pitchFamily="34" charset="0"/>
-              <a:buChar char="•"/>
-            </a:pPr>
-            <a:r>
-              <a:rPr lang="en-GB" b="1" dirty="0">
-                <a:latin typeface="Cascadia Code" panose="020B0609020000020004" pitchFamily="49" charset="0"/>
-                <a:cs typeface="Cascadia Code" panose="020B0609020000020004" pitchFamily="49" charset="0"/>
-              </a:rPr>
-              <a:t>Comprehensive code and architecture documentation.</a:t>
-            </a:r>
-            <a:endParaRPr lang="en-GB" sz="1600" b="1" dirty="0">
-              <a:latin typeface="Cascadia Code" panose="020B0609020000020004" pitchFamily="49" charset="0"/>
-              <a:cs typeface="Cascadia Code" panose="020B0609020000020004" pitchFamily="49" charset="0"/>
-            </a:endParaRPr>
-          </a:p>
-          <a:p>
-            <a:endParaRPr lang="en-GB" sz="1600" dirty="0">
-              <a:latin typeface="Cascadia Code" panose="020B0609020000020004" pitchFamily="49" charset="0"/>
-              <a:cs typeface="Cascadia Code" panose="020B0609020000020004" pitchFamily="49" charset="0"/>
-            </a:endParaRPr>
-          </a:p>
-        </p:txBody>
-      </p:sp>
-      <p:sp>
-        <p:nvSpPr>
-          <p:cNvPr id="2" name="TextBox 1">
-            <a:extLst>
-              <a:ext uri="{FF2B5EF4-FFF2-40B4-BE49-F238E27FC236}">
-                <a16:creationId xmlns:a16="http://schemas.microsoft.com/office/drawing/2014/main" id="{6A45C260-8134-B689-586B-CE43C9BD0E5D}"/>
-              </a:ext>
-            </a:extLst>
-          </p:cNvPr>
-          <p:cNvSpPr txBox="1"/>
-          <p:nvPr/>
-        </p:nvSpPr>
-        <p:spPr>
-          <a:xfrm>
-            <a:off x="5651500" y="495300"/>
-            <a:ext cx="6375400" cy="4770537"/>
-          </a:xfrm>
-          <a:prstGeom prst="rect">
-            <a:avLst/>
-          </a:prstGeom>
-          <a:noFill/>
-        </p:spPr>
-        <p:txBody>
-          <a:bodyPr wrap="square" rtlCol="0">
-            <a:spAutoFit/>
-          </a:bodyPr>
-          <a:lstStyle/>
-          <a:p>
-            <a:r>
-              <a:rPr lang="en-GB" b="1" dirty="0">
-                <a:solidFill>
-                  <a:srgbClr val="00B0F0"/>
-                </a:solidFill>
-                <a:latin typeface="Cascadia Code" panose="020B0609020000020004" pitchFamily="49" charset="0"/>
-                <a:cs typeface="Cascadia Code" panose="020B0609020000020004" pitchFamily="49" charset="0"/>
-              </a:rPr>
-              <a:t>Security</a:t>
-            </a:r>
-          </a:p>
-          <a:p>
-            <a:pPr marL="285750" indent="-285750">
-              <a:buFont typeface="Arial" panose="020B0604020202020204" pitchFamily="34" charset="0"/>
-              <a:buChar char="•"/>
-            </a:pPr>
-            <a:r>
-              <a:rPr lang="en-GB" b="1" dirty="0">
-                <a:latin typeface="Cascadia Code" panose="020B0609020000020004" pitchFamily="49" charset="0"/>
-                <a:cs typeface="Cascadia Code" panose="020B0609020000020004" pitchFamily="49" charset="0"/>
-              </a:rPr>
-              <a:t>Role-Based Access Control (RBAC) with Clerk.com.</a:t>
-            </a:r>
-          </a:p>
-          <a:p>
-            <a:pPr marL="285750" indent="-285750">
-              <a:buFont typeface="Arial" panose="020B0604020202020204" pitchFamily="34" charset="0"/>
-              <a:buChar char="•"/>
-            </a:pPr>
-            <a:r>
-              <a:rPr lang="en-GB" b="1" dirty="0">
-                <a:latin typeface="Cascadia Code" panose="020B0609020000020004" pitchFamily="49" charset="0"/>
-                <a:cs typeface="Cascadia Code" panose="020B0609020000020004" pitchFamily="49" charset="0"/>
-              </a:rPr>
-              <a:t>Data encryption in transit and at rest.</a:t>
-            </a:r>
-          </a:p>
-          <a:p>
-            <a:r>
-              <a:rPr lang="en-GB" b="1" dirty="0">
-                <a:solidFill>
-                  <a:srgbClr val="00B0F0"/>
-                </a:solidFill>
-                <a:latin typeface="Cascadia Code" panose="020B0609020000020004" pitchFamily="49" charset="0"/>
-                <a:cs typeface="Cascadia Code" panose="020B0609020000020004" pitchFamily="49" charset="0"/>
-              </a:rPr>
-              <a:t>Usability</a:t>
-            </a:r>
-          </a:p>
-          <a:p>
-            <a:pPr marL="285750" indent="-285750">
-              <a:buFont typeface="Arial" panose="020B0604020202020204" pitchFamily="34" charset="0"/>
-              <a:buChar char="•"/>
-            </a:pPr>
-            <a:r>
-              <a:rPr lang="en-GB" b="1" dirty="0">
-                <a:latin typeface="Cascadia Code" panose="020B0609020000020004" pitchFamily="49" charset="0"/>
-                <a:cs typeface="Cascadia Code" panose="020B0609020000020004" pitchFamily="49" charset="0"/>
-              </a:rPr>
-              <a:t>Responsive, consistent interface for all devices.</a:t>
-            </a:r>
-          </a:p>
-          <a:p>
-            <a:pPr marL="285750" indent="-285750">
-              <a:buFont typeface="Arial" panose="020B0604020202020204" pitchFamily="34" charset="0"/>
-              <a:buChar char="•"/>
-            </a:pPr>
-            <a:r>
-              <a:rPr lang="en-GB" b="1" dirty="0">
-                <a:latin typeface="Cascadia Code" panose="020B0609020000020004" pitchFamily="49" charset="0"/>
-                <a:cs typeface="Cascadia Code" panose="020B0609020000020004" pitchFamily="49" charset="0"/>
-              </a:rPr>
-              <a:t>Accessibility for users with disabilities.</a:t>
-            </a:r>
-          </a:p>
-          <a:p>
-            <a:r>
-              <a:rPr lang="en-GB" b="1" dirty="0">
-                <a:solidFill>
-                  <a:srgbClr val="00B0F0"/>
-                </a:solidFill>
-                <a:latin typeface="Cascadia Code" panose="020B0609020000020004" pitchFamily="49" charset="0"/>
-                <a:cs typeface="Cascadia Code" panose="020B0609020000020004" pitchFamily="49" charset="0"/>
-              </a:rPr>
-              <a:t>Interoperability</a:t>
-            </a:r>
-          </a:p>
-          <a:p>
-            <a:pPr marL="285750" indent="-285750">
-              <a:buFont typeface="Arial" panose="020B0604020202020204" pitchFamily="34" charset="0"/>
-              <a:buChar char="•"/>
-            </a:pPr>
-            <a:r>
-              <a:rPr lang="en-GB" b="1" dirty="0">
-                <a:latin typeface="Cascadia Code" panose="020B0609020000020004" pitchFamily="49" charset="0"/>
-                <a:cs typeface="Cascadia Code" panose="020B0609020000020004" pitchFamily="49" charset="0"/>
-              </a:rPr>
-              <a:t>REST APIs for seamless system integration.</a:t>
-            </a:r>
-          </a:p>
-          <a:p>
-            <a:pPr marL="285750" indent="-285750">
-              <a:buFont typeface="Arial" panose="020B0604020202020204" pitchFamily="34" charset="0"/>
-              <a:buChar char="•"/>
-            </a:pPr>
-            <a:r>
-              <a:rPr lang="en-GB" b="1" dirty="0">
-                <a:latin typeface="Cascadia Code" panose="020B0609020000020004" pitchFamily="49" charset="0"/>
-                <a:cs typeface="Cascadia Code" panose="020B0609020000020004" pitchFamily="49" charset="0"/>
-              </a:rPr>
-              <a:t>Compatibility with all browsers and devices.</a:t>
-            </a:r>
-          </a:p>
-          <a:p>
-            <a:r>
-              <a:rPr lang="en-GB" b="1" dirty="0">
-                <a:solidFill>
-                  <a:srgbClr val="00B0F0"/>
-                </a:solidFill>
-                <a:latin typeface="Cascadia Code" panose="020B0609020000020004" pitchFamily="49" charset="0"/>
-                <a:cs typeface="Cascadia Code" panose="020B0609020000020004" pitchFamily="49" charset="0"/>
-              </a:rPr>
-              <a:t>Regulatory Compliance</a:t>
-            </a:r>
-          </a:p>
-          <a:p>
-            <a:pPr marL="285750" indent="-285750">
-              <a:buFont typeface="Arial" panose="020B0604020202020204" pitchFamily="34" charset="0"/>
-              <a:buChar char="•"/>
-            </a:pPr>
-            <a:r>
-              <a:rPr lang="en-GB" b="1" dirty="0">
-                <a:latin typeface="Cascadia Code" panose="020B0609020000020004" pitchFamily="49" charset="0"/>
-                <a:cs typeface="Cascadia Code" panose="020B0609020000020004" pitchFamily="49" charset="0"/>
-              </a:rPr>
-              <a:t>POPIA-compliant with informed consent mechanisms.</a:t>
-            </a:r>
-          </a:p>
-          <a:p>
-            <a:pPr marL="285750" indent="-285750">
-              <a:buFont typeface="Arial" panose="020B0604020202020204" pitchFamily="34" charset="0"/>
-              <a:buChar char="•"/>
-            </a:pPr>
-            <a:r>
-              <a:rPr lang="en-GB" b="1" dirty="0">
-                <a:latin typeface="Cascadia Code" panose="020B0609020000020004" pitchFamily="49" charset="0"/>
-                <a:cs typeface="Cascadia Code" panose="020B0609020000020004" pitchFamily="49" charset="0"/>
-              </a:rPr>
-              <a:t>Secure user data protection and limited data collection.</a:t>
-            </a:r>
-          </a:p>
-          <a:p>
-            <a:endParaRPr lang="en-GB" sz="1600" b="1" dirty="0">
-              <a:solidFill>
-                <a:srgbClr val="00B0F0"/>
-              </a:solidFill>
-              <a:latin typeface="Cascadia Code" panose="020B0609020000020004" pitchFamily="49" charset="0"/>
-              <a:cs typeface="Cascadia Code" panose="020B0609020000020004" pitchFamily="49" charset="0"/>
-            </a:endParaRPr>
-          </a:p>
-        </p:txBody>
-      </p:sp>
-    </p:spTree>
-    <p:extLst>
-      <p:ext uri="{BB962C8B-B14F-4D97-AF65-F5344CB8AC3E}">
-        <p14:creationId xmlns:p14="http://schemas.microsoft.com/office/powerpoint/2010/main" val="275202363"/>
-      </p:ext>
-    </p:extLst>
-  </p:cSld>
-  <p:clrMapOvr>
-    <a:masterClrMapping/>
-  </p:clrMapOvr>
-</p:sld>
-</file>
-
-<file path=ppt/slides/slide7.xml><?xml version="1.0" encoding="utf-8"?>
-<p:sld xmlns:a="http://schemas.openxmlformats.org/drawingml/2006/main" xmlns:r="http://schemas.openxmlformats.org/officeDocument/2006/relationships" xmlns:p="http://schemas.openxmlformats.org/presentationml/2006/main">
-  <p:cSld>
-    <p:spTree>
-      <p:nvGrpSpPr>
-        <p:cNvPr id="1" name="">
-          <a:extLst>
-            <a:ext uri="{FF2B5EF4-FFF2-40B4-BE49-F238E27FC236}">
-              <a16:creationId xmlns:a16="http://schemas.microsoft.com/office/drawing/2014/main" id="{5A75D688-D7EA-BCB9-F9BB-A6FD09167363}"/>
-            </a:ext>
-          </a:extLst>
-        </p:cNvPr>
-        <p:cNvGrpSpPr/>
-        <p:nvPr/>
-      </p:nvGrpSpPr>
-      <p:grpSpPr>
-        <a:xfrm>
-          <a:off x="0" y="0"/>
-          <a:ext cx="0" cy="0"/>
-          <a:chOff x="0" y="0"/>
-          <a:chExt cx="0" cy="0"/>
-        </a:xfrm>
-      </p:grpSpPr>
-      <p:sp>
-        <p:nvSpPr>
-          <p:cNvPr id="4" name="TextBox 3">
-            <a:extLst>
-              <a:ext uri="{FF2B5EF4-FFF2-40B4-BE49-F238E27FC236}">
-                <a16:creationId xmlns:a16="http://schemas.microsoft.com/office/drawing/2014/main" id="{38485730-BB57-5260-64A4-1BD89B50BA8C}"/>
-              </a:ext>
-            </a:extLst>
-          </p:cNvPr>
-          <p:cNvSpPr txBox="1"/>
-          <p:nvPr/>
-        </p:nvSpPr>
-        <p:spPr>
-          <a:xfrm>
-            <a:off x="1346200" y="0"/>
-            <a:ext cx="9144000" cy="369332"/>
-          </a:xfrm>
-          <a:prstGeom prst="rect">
-            <a:avLst/>
-          </a:prstGeom>
-          <a:noFill/>
-        </p:spPr>
-        <p:txBody>
-          <a:bodyPr wrap="square" rtlCol="0">
-            <a:spAutoFit/>
-          </a:bodyPr>
-          <a:lstStyle/>
-          <a:p>
-            <a:r>
-              <a:rPr lang="en-GB" sz="1800" dirty="0">
-                <a:effectLst/>
-                <a:latin typeface="Cascadia Code" panose="020B0609020000020004" pitchFamily="49" charset="0"/>
-                <a:ea typeface="Calibri" panose="020F0502020204030204" pitchFamily="34" charset="0"/>
-                <a:cs typeface="Cascadia Code" panose="020B0609020000020004" pitchFamily="49" charset="0"/>
-              </a:rPr>
-              <a:t>Documentation: Functional Requirements</a:t>
-            </a:r>
-            <a:endParaRPr lang="en-ZA" sz="1800" dirty="0">
-              <a:effectLst/>
-              <a:latin typeface="Cascadia Code" panose="020B0609020000020004" pitchFamily="49" charset="0"/>
-              <a:ea typeface="Calibri" panose="020F0502020204030204" pitchFamily="34" charset="0"/>
-              <a:cs typeface="Cascadia Code" panose="020B0609020000020004" pitchFamily="49" charset="0"/>
-            </a:endParaRPr>
-          </a:p>
-        </p:txBody>
-      </p:sp>
-      <p:sp>
-        <p:nvSpPr>
-          <p:cNvPr id="5" name="TextBox 4">
-            <a:extLst>
-              <a:ext uri="{FF2B5EF4-FFF2-40B4-BE49-F238E27FC236}">
-                <a16:creationId xmlns:a16="http://schemas.microsoft.com/office/drawing/2014/main" id="{5E4920A3-42B6-3277-14AA-442417F221CE}"/>
-              </a:ext>
-            </a:extLst>
-          </p:cNvPr>
-          <p:cNvSpPr txBox="1"/>
-          <p:nvPr/>
-        </p:nvSpPr>
-        <p:spPr>
-          <a:xfrm>
-            <a:off x="228600" y="495300"/>
-            <a:ext cx="5448301" cy="5786199"/>
-          </a:xfrm>
-          <a:prstGeom prst="rect">
-            <a:avLst/>
-          </a:prstGeom>
-          <a:noFill/>
-        </p:spPr>
-        <p:txBody>
-          <a:bodyPr wrap="square" rtlCol="0">
-            <a:spAutoFit/>
-          </a:bodyPr>
-          <a:lstStyle/>
-          <a:p>
-            <a:r>
-              <a:rPr lang="en-GB" b="1" dirty="0">
-                <a:solidFill>
-                  <a:srgbClr val="00B0F0"/>
-                </a:solidFill>
-                <a:latin typeface="Cascadia Code" panose="020B0609020000020004" pitchFamily="49" charset="0"/>
-                <a:cs typeface="Cascadia Code" panose="020B0609020000020004" pitchFamily="49" charset="0"/>
-              </a:rPr>
-              <a:t>User Roles</a:t>
-            </a:r>
-          </a:p>
-          <a:p>
-            <a:pPr marL="285750" indent="-285750">
-              <a:buFont typeface="Arial" panose="020B0604020202020204" pitchFamily="34" charset="0"/>
-              <a:buChar char="•"/>
-            </a:pPr>
-            <a:r>
-              <a:rPr lang="en-GB" sz="1600" dirty="0">
-                <a:latin typeface="Cascadia Code" panose="020B0609020000020004" pitchFamily="49" charset="0"/>
-                <a:cs typeface="Cascadia Code" panose="020B0609020000020004" pitchFamily="49" charset="0"/>
-              </a:rPr>
-              <a:t>Client: Access to booking and limited functionality.</a:t>
-            </a:r>
-          </a:p>
-          <a:p>
-            <a:pPr marL="285750" indent="-285750">
-              <a:buFont typeface="Arial" panose="020B0604020202020204" pitchFamily="34" charset="0"/>
-              <a:buChar char="•"/>
-            </a:pPr>
-            <a:r>
-              <a:rPr lang="en-GB" sz="1600" dirty="0">
-                <a:latin typeface="Cascadia Code" panose="020B0609020000020004" pitchFamily="49" charset="0"/>
-                <a:cs typeface="Cascadia Code" panose="020B0609020000020004" pitchFamily="49" charset="0"/>
-              </a:rPr>
-              <a:t>Coach: Manages lessons, participants, and skill levels.</a:t>
-            </a:r>
-          </a:p>
-          <a:p>
-            <a:pPr marL="285750" indent="-285750">
-              <a:buFont typeface="Arial" panose="020B0604020202020204" pitchFamily="34" charset="0"/>
-              <a:buChar char="•"/>
-            </a:pPr>
-            <a:r>
-              <a:rPr lang="en-GB" sz="1600" dirty="0">
-                <a:latin typeface="Cascadia Code" panose="020B0609020000020004" pitchFamily="49" charset="0"/>
-                <a:cs typeface="Cascadia Code" panose="020B0609020000020004" pitchFamily="49" charset="0"/>
-              </a:rPr>
-              <a:t>Admin: Full system access, including lessons, users, and configurations.</a:t>
-            </a:r>
-          </a:p>
-          <a:p>
-            <a:pPr marL="285750" indent="-285750">
-              <a:buFont typeface="Arial" panose="020B0604020202020204" pitchFamily="34" charset="0"/>
-              <a:buChar char="•"/>
-            </a:pPr>
-            <a:endParaRPr lang="en-GB" sz="1600" dirty="0">
-              <a:latin typeface="Cascadia Code" panose="020B0609020000020004" pitchFamily="49" charset="0"/>
-              <a:cs typeface="Cascadia Code" panose="020B0609020000020004" pitchFamily="49" charset="0"/>
-            </a:endParaRPr>
-          </a:p>
-          <a:p>
-            <a:r>
-              <a:rPr lang="en-GB" sz="1600" dirty="0">
-                <a:solidFill>
-                  <a:srgbClr val="00B0F0"/>
-                </a:solidFill>
-                <a:latin typeface="Cascadia Code" panose="020B0609020000020004" pitchFamily="49" charset="0"/>
-                <a:cs typeface="Cascadia Code" panose="020B0609020000020004" pitchFamily="49" charset="0"/>
-              </a:rPr>
-              <a:t>Key User Stories</a:t>
-            </a:r>
-          </a:p>
-          <a:p>
-            <a:r>
-              <a:rPr lang="en-GB" sz="1600" dirty="0">
-                <a:solidFill>
-                  <a:srgbClr val="00B0F0"/>
-                </a:solidFill>
-                <a:latin typeface="Cascadia Code" panose="020B0609020000020004" pitchFamily="49" charset="0"/>
-                <a:cs typeface="Cascadia Code" panose="020B0609020000020004" pitchFamily="49" charset="0"/>
-              </a:rPr>
-              <a:t>Clients:</a:t>
-            </a:r>
-          </a:p>
-          <a:p>
-            <a:pPr marL="285750" indent="-285750">
-              <a:buFont typeface="Arial" panose="020B0604020202020204" pitchFamily="34" charset="0"/>
-              <a:buChar char="•"/>
-            </a:pPr>
-            <a:r>
-              <a:rPr lang="en-GB" sz="1600" dirty="0">
-                <a:latin typeface="Cascadia Code" panose="020B0609020000020004" pitchFamily="49" charset="0"/>
-                <a:cs typeface="Cascadia Code" panose="020B0609020000020004" pitchFamily="49" charset="0"/>
-              </a:rPr>
-              <a:t>Book skill-appropriate lessons with detailed lesson and payment information.</a:t>
-            </a:r>
-          </a:p>
-          <a:p>
-            <a:pPr marL="285750" indent="-285750">
-              <a:buFont typeface="Arial" panose="020B0604020202020204" pitchFamily="34" charset="0"/>
-              <a:buChar char="•"/>
-            </a:pPr>
-            <a:r>
-              <a:rPr lang="en-GB" sz="1600" dirty="0">
-                <a:latin typeface="Cascadia Code" panose="020B0609020000020004" pitchFamily="49" charset="0"/>
-                <a:cs typeface="Cascadia Code" panose="020B0609020000020004" pitchFamily="49" charset="0"/>
-              </a:rPr>
-              <a:t>View booked and pending lessons with status indicators.</a:t>
-            </a:r>
-          </a:p>
-          <a:p>
-            <a:r>
-              <a:rPr lang="en-GB" sz="1600" dirty="0">
-                <a:solidFill>
-                  <a:srgbClr val="00B0F0"/>
-                </a:solidFill>
-                <a:latin typeface="Cascadia Code" panose="020B0609020000020004" pitchFamily="49" charset="0"/>
-                <a:cs typeface="Cascadia Code" panose="020B0609020000020004" pitchFamily="49" charset="0"/>
-              </a:rPr>
-              <a:t>Coaches:</a:t>
-            </a:r>
-          </a:p>
-          <a:p>
-            <a:pPr marL="285750" indent="-285750">
-              <a:buFont typeface="Arial" panose="020B0604020202020204" pitchFamily="34" charset="0"/>
-              <a:buChar char="•"/>
-            </a:pPr>
-            <a:r>
-              <a:rPr lang="en-GB" sz="1600" dirty="0">
-                <a:latin typeface="Cascadia Code" panose="020B0609020000020004" pitchFamily="49" charset="0"/>
-                <a:cs typeface="Cascadia Code" panose="020B0609020000020004" pitchFamily="49" charset="0"/>
-              </a:rPr>
-              <a:t>Add, edit, and manage lessons with participant details.</a:t>
-            </a:r>
-          </a:p>
-          <a:p>
-            <a:pPr marL="285750" indent="-285750">
-              <a:buFont typeface="Arial" panose="020B0604020202020204" pitchFamily="34" charset="0"/>
-              <a:buChar char="•"/>
-            </a:pPr>
-            <a:r>
-              <a:rPr lang="en-GB" sz="1600" dirty="0">
-                <a:latin typeface="Cascadia Code" panose="020B0609020000020004" pitchFamily="49" charset="0"/>
-                <a:cs typeface="Cascadia Code" panose="020B0609020000020004" pitchFamily="49" charset="0"/>
-              </a:rPr>
-              <a:t>Update skill levels for users and horses.</a:t>
-            </a:r>
-          </a:p>
-          <a:p>
-            <a:r>
-              <a:rPr lang="en-GB" sz="1600" dirty="0">
-                <a:solidFill>
-                  <a:srgbClr val="00B0F0"/>
-                </a:solidFill>
-                <a:latin typeface="Cascadia Code" panose="020B0609020000020004" pitchFamily="49" charset="0"/>
-                <a:cs typeface="Cascadia Code" panose="020B0609020000020004" pitchFamily="49" charset="0"/>
-              </a:rPr>
-              <a:t>Admins:</a:t>
-            </a:r>
-          </a:p>
-          <a:p>
-            <a:pPr marL="285750" indent="-285750">
-              <a:buFont typeface="Arial" panose="020B0604020202020204" pitchFamily="34" charset="0"/>
-              <a:buChar char="•"/>
-            </a:pPr>
-            <a:r>
-              <a:rPr lang="en-GB" sz="1600" dirty="0">
-                <a:latin typeface="Cascadia Code" panose="020B0609020000020004" pitchFamily="49" charset="0"/>
-                <a:cs typeface="Cascadia Code" panose="020B0609020000020004" pitchFamily="49" charset="0"/>
-              </a:rPr>
-              <a:t>Create, view, edit, and delete lessons, users, and horses.</a:t>
-            </a:r>
-          </a:p>
-          <a:p>
-            <a:pPr marL="285750" indent="-285750">
-              <a:buFont typeface="Arial" panose="020B0604020202020204" pitchFamily="34" charset="0"/>
-              <a:buChar char="•"/>
-            </a:pPr>
-            <a:r>
-              <a:rPr lang="en-GB" sz="1600" dirty="0">
-                <a:latin typeface="Cascadia Code" panose="020B0609020000020004" pitchFamily="49" charset="0"/>
-                <a:cs typeface="Cascadia Code" panose="020B0609020000020004" pitchFamily="49" charset="0"/>
-              </a:rPr>
-              <a:t>Manage contact, payment, and address details.</a:t>
-            </a:r>
-          </a:p>
-        </p:txBody>
-      </p:sp>
-      <p:sp>
-        <p:nvSpPr>
-          <p:cNvPr id="2" name="TextBox 1">
-            <a:extLst>
-              <a:ext uri="{FF2B5EF4-FFF2-40B4-BE49-F238E27FC236}">
-                <a16:creationId xmlns:a16="http://schemas.microsoft.com/office/drawing/2014/main" id="{B844E1B9-9F4F-1CFA-48AF-8C90581CCF22}"/>
-              </a:ext>
-            </a:extLst>
-          </p:cNvPr>
-          <p:cNvSpPr txBox="1"/>
-          <p:nvPr/>
-        </p:nvSpPr>
-        <p:spPr>
-          <a:xfrm>
-            <a:off x="5651500" y="495300"/>
-            <a:ext cx="6375400" cy="2831544"/>
-          </a:xfrm>
-          <a:prstGeom prst="rect">
-            <a:avLst/>
-          </a:prstGeom>
-          <a:noFill/>
-        </p:spPr>
-        <p:txBody>
-          <a:bodyPr wrap="square" rtlCol="0">
-            <a:spAutoFit/>
-          </a:bodyPr>
-          <a:lstStyle/>
-          <a:p>
-            <a:r>
-              <a:rPr lang="en-GB" b="1" dirty="0">
-                <a:solidFill>
-                  <a:srgbClr val="00B0F0"/>
-                </a:solidFill>
-                <a:latin typeface="Cascadia Code" panose="020B0609020000020004" pitchFamily="49" charset="0"/>
-                <a:cs typeface="Cascadia Code" panose="020B0609020000020004" pitchFamily="49" charset="0"/>
-              </a:rPr>
-              <a:t>Critical Features</a:t>
-            </a:r>
-          </a:p>
-          <a:p>
-            <a:r>
-              <a:rPr lang="en-GB" sz="1600" b="1" dirty="0">
-                <a:solidFill>
-                  <a:srgbClr val="00B0F0"/>
-                </a:solidFill>
-                <a:latin typeface="Cascadia Code" panose="020B0609020000020004" pitchFamily="49" charset="0"/>
-                <a:cs typeface="Cascadia Code" panose="020B0609020000020004" pitchFamily="49" charset="0"/>
-              </a:rPr>
-              <a:t>Lesson Booking:</a:t>
-            </a:r>
-          </a:p>
-          <a:p>
-            <a:pPr marL="285750" indent="-285750">
-              <a:buFont typeface="Arial" panose="020B0604020202020204" pitchFamily="34" charset="0"/>
-              <a:buChar char="•"/>
-            </a:pPr>
-            <a:r>
-              <a:rPr lang="en-GB" sz="1600" b="1" dirty="0">
-                <a:latin typeface="Cascadia Code" panose="020B0609020000020004" pitchFamily="49" charset="0"/>
-                <a:cs typeface="Cascadia Code" panose="020B0609020000020004" pitchFamily="49" charset="0"/>
-              </a:rPr>
-              <a:t>Calendar-based selection with availability verification.</a:t>
-            </a:r>
-          </a:p>
-          <a:p>
-            <a:pPr marL="285750" indent="-285750">
-              <a:buFont typeface="Arial" panose="020B0604020202020204" pitchFamily="34" charset="0"/>
-              <a:buChar char="•"/>
-            </a:pPr>
-            <a:r>
-              <a:rPr lang="en-GB" sz="1600" b="1" dirty="0">
-                <a:latin typeface="Cascadia Code" panose="020B0609020000020004" pitchFamily="49" charset="0"/>
-                <a:cs typeface="Cascadia Code" panose="020B0609020000020004" pitchFamily="49" charset="0"/>
-              </a:rPr>
-              <a:t>Integrated payment and proof submission.</a:t>
-            </a:r>
-          </a:p>
-          <a:p>
-            <a:r>
-              <a:rPr lang="en-GB" sz="1600" dirty="0">
-                <a:solidFill>
-                  <a:srgbClr val="00B0F0"/>
-                </a:solidFill>
-                <a:latin typeface="Cascadia Code" panose="020B0609020000020004" pitchFamily="49" charset="0"/>
-                <a:cs typeface="Cascadia Code" panose="020B0609020000020004" pitchFamily="49" charset="0"/>
-              </a:rPr>
-              <a:t>Lesson Management:</a:t>
-            </a:r>
-          </a:p>
-          <a:p>
-            <a:pPr marL="285750" indent="-285750">
-              <a:buFont typeface="Arial" panose="020B0604020202020204" pitchFamily="34" charset="0"/>
-              <a:buChar char="•"/>
-            </a:pPr>
-            <a:r>
-              <a:rPr lang="en-GB" sz="1600" b="1" dirty="0">
-                <a:latin typeface="Cascadia Code" panose="020B0609020000020004" pitchFamily="49" charset="0"/>
-                <a:cs typeface="Cascadia Code" panose="020B0609020000020004" pitchFamily="49" charset="0"/>
-              </a:rPr>
-              <a:t>CRUD operations for lessons with detailed configurations.</a:t>
-            </a:r>
-          </a:p>
-          <a:p>
-            <a:r>
-              <a:rPr lang="en-GB" sz="1600" b="1" dirty="0">
-                <a:solidFill>
-                  <a:srgbClr val="00B0F0"/>
-                </a:solidFill>
-                <a:latin typeface="Cascadia Code" panose="020B0609020000020004" pitchFamily="49" charset="0"/>
-                <a:cs typeface="Cascadia Code" panose="020B0609020000020004" pitchFamily="49" charset="0"/>
-              </a:rPr>
-              <a:t>Data Management:</a:t>
-            </a:r>
-          </a:p>
-          <a:p>
-            <a:pPr marL="285750" indent="-285750">
-              <a:buFont typeface="Arial" panose="020B0604020202020204" pitchFamily="34" charset="0"/>
-              <a:buChar char="•"/>
-            </a:pPr>
-            <a:r>
-              <a:rPr lang="en-GB" sz="1600" b="1" dirty="0">
-                <a:latin typeface="Cascadia Code" panose="020B0609020000020004" pitchFamily="49" charset="0"/>
-                <a:cs typeface="Cascadia Code" panose="020B0609020000020004" pitchFamily="49" charset="0"/>
-              </a:rPr>
-              <a:t>Manage users, horses, payment, and contact details with filters and search functionality.</a:t>
-            </a:r>
-          </a:p>
-        </p:txBody>
-      </p:sp>
-    </p:spTree>
-    <p:extLst>
-      <p:ext uri="{BB962C8B-B14F-4D97-AF65-F5344CB8AC3E}">
-        <p14:creationId xmlns:p14="http://schemas.microsoft.com/office/powerpoint/2010/main" val="1185129995"/>
+        <p14:creationId xmlns:p14="http://schemas.microsoft.com/office/powerpoint/2010/main" val="3656472228"/>
       </p:ext>
     </p:extLst>
   </p:cSld>
@@ -11249,13 +11422,7 @@
   <p:cSld>
     <p:spTree>
       <p:nvGrpSpPr>
-        <p:cNvPr id="1" name="">
-          <a:extLst>
-            <a:ext uri="{FF2B5EF4-FFF2-40B4-BE49-F238E27FC236}">
-              <a16:creationId xmlns:a16="http://schemas.microsoft.com/office/drawing/2014/main" id="{65ABFFC4-E3E9-1C86-4D38-403143981A5A}"/>
-            </a:ext>
-          </a:extLst>
-        </p:cNvPr>
+        <p:cNvPr id="1" name=""/>
         <p:cNvGrpSpPr/>
         <p:nvPr/>
       </p:nvGrpSpPr>
@@ -11272,7 +11439,7 @@
           <p:cNvPr id="4" name="TextBox 3">
             <a:extLst>
               <a:ext uri="{FF2B5EF4-FFF2-40B4-BE49-F238E27FC236}">
-                <a16:creationId xmlns:a16="http://schemas.microsoft.com/office/drawing/2014/main" id="{DEC631FA-9F94-31DE-CB4B-B447BA0F6C29}"/>
+                <a16:creationId xmlns:a16="http://schemas.microsoft.com/office/drawing/2014/main" id="{90B2EFFA-AFA9-A2F6-6A11-9714D06B7DA6}"/>
               </a:ext>
             </a:extLst>
           </p:cNvPr>
@@ -11282,7 +11449,7 @@
         <p:spPr>
           <a:xfrm>
             <a:off x="3727450" y="0"/>
-            <a:ext cx="5391150" cy="369332"/>
+            <a:ext cx="4737100" cy="369332"/>
           </a:xfrm>
           <a:prstGeom prst="rect">
             <a:avLst/>
@@ -11302,7 +11469,7 @@
                 <a:ea typeface="Calibri" panose="020F0502020204030204" pitchFamily="34" charset="0"/>
                 <a:cs typeface="Cascadia Code" panose="020B0609020000020004" pitchFamily="49" charset="0"/>
               </a:rPr>
-              <a:t>Documentation: Security</a:t>
+              <a:t>Documentation: Analysis Artifacts</a:t>
             </a:r>
             <a:endParaRPr lang="en-ZA" sz="1800" dirty="0">
               <a:effectLst/>
@@ -11318,7 +11485,7 @@
           <p:cNvPr id="5" name="TextBox 4">
             <a:extLst>
               <a:ext uri="{FF2B5EF4-FFF2-40B4-BE49-F238E27FC236}">
-                <a16:creationId xmlns:a16="http://schemas.microsoft.com/office/drawing/2014/main" id="{DF23A49D-B4A9-6067-C8B7-4F173D7B3C9F}"/>
+                <a16:creationId xmlns:a16="http://schemas.microsoft.com/office/drawing/2014/main" id="{D609BECC-AF93-36DB-44AA-93C8B6224AA6}"/>
               </a:ext>
             </a:extLst>
           </p:cNvPr>
@@ -11327,8 +11494,8 @@
         </p:nvSpPr>
         <p:spPr>
           <a:xfrm>
-            <a:off x="228599" y="495300"/>
-            <a:ext cx="6453189" cy="5262979"/>
+            <a:off x="228600" y="495300"/>
+            <a:ext cx="6375400" cy="3323987"/>
           </a:xfrm>
           <a:prstGeom prst="rect">
             <a:avLst/>
@@ -11346,327 +11513,306 @@
                 <a:solidFill>
                   <a:srgbClr val="00B0F0"/>
                 </a:solidFill>
-                <a:latin typeface="Cascadia Code" panose="020B0609020000020004" pitchFamily="49" charset="0"/>
-                <a:cs typeface="Cascadia Code" panose="020B0609020000020004" pitchFamily="49" charset="0"/>
-              </a:rPr>
-              <a:t>Security Architecture</a:t>
+                <a:latin typeface="Luxerie" panose="02000500000000000000" pitchFamily="2" charset="0"/>
+                <a:cs typeface="Cascadia Code" panose="020B0609020000020004" pitchFamily="49" charset="0"/>
+              </a:rPr>
+              <a:t>Key Bounded Contexts:</a:t>
             </a:r>
           </a:p>
           <a:p>
             <a:r>
               <a:rPr lang="en-GB" sz="1400" dirty="0">
+                <a:latin typeface="Luxerie" panose="02000500000000000000" pitchFamily="2" charset="0"/>
+                <a:cs typeface="Cascadia Code" panose="020B0609020000020004" pitchFamily="49" charset="0"/>
+              </a:rPr>
+              <a:t>• </a:t>
+            </a:r>
+            <a:r>
+              <a:rPr lang="en-GB" sz="1400" dirty="0">
                 <a:solidFill>
                   <a:srgbClr val="00B0F0"/>
                 </a:solidFill>
-                <a:latin typeface="Cascadia Code" panose="020B0609020000020004" pitchFamily="49" charset="0"/>
-                <a:cs typeface="Cascadia Code" panose="020B0609020000020004" pitchFamily="49" charset="0"/>
-              </a:rPr>
-              <a:t>Frontend (React):</a:t>
-            </a:r>
-          </a:p>
-          <a:p>
-            <a:pPr marL="285750" indent="-285750">
-              <a:buFont typeface="Arial" panose="020B0604020202020204" pitchFamily="34" charset="0"/>
-              <a:buChar char="•"/>
-            </a:pPr>
+                <a:latin typeface="Luxerie" panose="02000500000000000000" pitchFamily="2" charset="0"/>
+                <a:cs typeface="Cascadia Code" panose="020B0609020000020004" pitchFamily="49" charset="0"/>
+              </a:rPr>
+              <a:t>User Management Context:</a:t>
+            </a:r>
+          </a:p>
+          <a:p>
             <a:r>
               <a:rPr lang="en-GB" sz="1400" dirty="0">
-                <a:latin typeface="Cascadia Code" panose="020B0609020000020004" pitchFamily="49" charset="0"/>
-                <a:cs typeface="Cascadia Code" panose="020B0609020000020004" pitchFamily="49" charset="0"/>
-              </a:rPr>
-              <a:t>Validates user inputs and prevents XSS attacks.</a:t>
-            </a:r>
-          </a:p>
-          <a:p>
-            <a:pPr marL="285750" indent="-285750">
-              <a:buFont typeface="Arial" panose="020B0604020202020204" pitchFamily="34" charset="0"/>
-              <a:buChar char="•"/>
-            </a:pPr>
+                <a:latin typeface="Luxerie" panose="02000500000000000000" pitchFamily="2" charset="0"/>
+                <a:cs typeface="Cascadia Code" panose="020B0609020000020004" pitchFamily="49" charset="0"/>
+              </a:rPr>
+              <a:t>  - User authentication, profiles, and role-based access.</a:t>
+            </a:r>
+          </a:p>
+          <a:p>
             <a:r>
               <a:rPr lang="en-GB" sz="1400" dirty="0">
-                <a:latin typeface="Cascadia Code" panose="020B0609020000020004" pitchFamily="49" charset="0"/>
-                <a:cs typeface="Cascadia Code" panose="020B0609020000020004" pitchFamily="49" charset="0"/>
-              </a:rPr>
-              <a:t>Secure communication via HTTPS.</a:t>
-            </a:r>
+                <a:latin typeface="Luxerie" panose="02000500000000000000" pitchFamily="2" charset="0"/>
+                <a:cs typeface="Cascadia Code" panose="020B0609020000020004" pitchFamily="49" charset="0"/>
+              </a:rPr>
+              <a:t>  - CRUD operations for user roles (Client, Coach, Admin).</a:t>
+            </a:r>
+          </a:p>
+          <a:p>
+            <a:endParaRPr lang="en-GB" sz="1400" dirty="0">
+              <a:latin typeface="Luxerie" panose="02000500000000000000" pitchFamily="2" charset="0"/>
+              <a:cs typeface="Cascadia Code" panose="020B0609020000020004" pitchFamily="49" charset="0"/>
+            </a:endParaRPr>
           </a:p>
           <a:p>
             <a:r>
               <a:rPr lang="en-GB" sz="1400" dirty="0">
+                <a:latin typeface="Luxerie" panose="02000500000000000000" pitchFamily="2" charset="0"/>
+                <a:cs typeface="Cascadia Code" panose="020B0609020000020004" pitchFamily="49" charset="0"/>
+              </a:rPr>
+              <a:t>• </a:t>
+            </a:r>
+            <a:r>
+              <a:rPr lang="en-GB" sz="1400" b="1" dirty="0">
                 <a:solidFill>
                   <a:srgbClr val="00B0F0"/>
                 </a:solidFill>
-                <a:latin typeface="Cascadia Code" panose="020B0609020000020004" pitchFamily="49" charset="0"/>
-                <a:cs typeface="Cascadia Code" panose="020B0609020000020004" pitchFamily="49" charset="0"/>
-              </a:rPr>
-              <a:t>Backend (Next.js):</a:t>
-            </a:r>
-          </a:p>
-          <a:p>
-            <a:pPr marL="285750" indent="-285750">
-              <a:buFont typeface="Arial" panose="020B0604020202020204" pitchFamily="34" charset="0"/>
-              <a:buChar char="•"/>
-            </a:pPr>
+                <a:latin typeface="Luxerie" panose="02000500000000000000" pitchFamily="2" charset="0"/>
+                <a:cs typeface="Cascadia Code" panose="020B0609020000020004" pitchFamily="49" charset="0"/>
+              </a:rPr>
+              <a:t>Lesson Booking Context:</a:t>
+            </a:r>
+          </a:p>
+          <a:p>
             <a:r>
               <a:rPr lang="en-GB" sz="1400" dirty="0">
-                <a:latin typeface="Cascadia Code" panose="020B0609020000020004" pitchFamily="49" charset="0"/>
-                <a:cs typeface="Cascadia Code" panose="020B0609020000020004" pitchFamily="49" charset="0"/>
-              </a:rPr>
-              <a:t>Role-based access control (RBAC).</a:t>
-            </a:r>
-          </a:p>
-          <a:p>
-            <a:pPr marL="285750" indent="-285750">
-              <a:buFont typeface="Arial" panose="020B0604020202020204" pitchFamily="34" charset="0"/>
-              <a:buChar char="•"/>
-            </a:pPr>
+                <a:latin typeface="Luxerie" panose="02000500000000000000" pitchFamily="2" charset="0"/>
+                <a:cs typeface="Cascadia Code" panose="020B0609020000020004" pitchFamily="49" charset="0"/>
+              </a:rPr>
+              <a:t>  - Schedules lessons and manages booking confirmations.</a:t>
+            </a:r>
+          </a:p>
+          <a:p>
             <a:r>
               <a:rPr lang="en-GB" sz="1400" dirty="0">
-                <a:latin typeface="Cascadia Code" panose="020B0609020000020004" pitchFamily="49" charset="0"/>
-                <a:cs typeface="Cascadia Code" panose="020B0609020000020004" pitchFamily="49" charset="0"/>
-              </a:rPr>
-              <a:t>API request validation and session token management.</a:t>
+                <a:latin typeface="Luxerie" panose="02000500000000000000" pitchFamily="2" charset="0"/>
+                <a:cs typeface="Cascadia Code" panose="020B0609020000020004" pitchFamily="49" charset="0"/>
+              </a:rPr>
+              <a:t>• Payment Management Context:</a:t>
             </a:r>
           </a:p>
           <a:p>
             <a:r>
               <a:rPr lang="en-GB" sz="1400" dirty="0">
+                <a:latin typeface="Luxerie" panose="02000500000000000000" pitchFamily="2" charset="0"/>
+                <a:cs typeface="Cascadia Code" panose="020B0609020000020004" pitchFamily="49" charset="0"/>
+              </a:rPr>
+              <a:t>  - Processes payments and tracks history.</a:t>
+            </a:r>
+          </a:p>
+          <a:p>
+            <a:endParaRPr lang="en-GB" sz="1400" dirty="0">
+              <a:latin typeface="Luxerie" panose="02000500000000000000" pitchFamily="2" charset="0"/>
+              <a:cs typeface="Cascadia Code" panose="020B0609020000020004" pitchFamily="49" charset="0"/>
+            </a:endParaRPr>
+          </a:p>
+          <a:p>
+            <a:r>
+              <a:rPr lang="en-GB" sz="1400" b="1" dirty="0">
+                <a:latin typeface="Luxerie" panose="02000500000000000000" pitchFamily="2" charset="0"/>
+                <a:cs typeface="Cascadia Code" panose="020B0609020000020004" pitchFamily="49" charset="0"/>
+              </a:rPr>
+              <a:t>• </a:t>
+            </a:r>
+            <a:r>
+              <a:rPr lang="en-GB" sz="1400" b="1" dirty="0">
                 <a:solidFill>
                   <a:srgbClr val="00B0F0"/>
                 </a:solidFill>
-                <a:latin typeface="Cascadia Code" panose="020B0609020000020004" pitchFamily="49" charset="0"/>
-                <a:cs typeface="Cascadia Code" panose="020B0609020000020004" pitchFamily="49" charset="0"/>
-              </a:rPr>
-              <a:t>Database (</a:t>
-            </a:r>
-            <a:r>
-              <a:rPr lang="en-GB" sz="1400" dirty="0" err="1">
+                <a:latin typeface="Luxerie" panose="02000500000000000000" pitchFamily="2" charset="0"/>
+                <a:cs typeface="Cascadia Code" panose="020B0609020000020004" pitchFamily="49" charset="0"/>
+              </a:rPr>
+              <a:t>Lesson Management Context:</a:t>
+            </a:r>
+          </a:p>
+          <a:p>
+            <a:r>
+              <a:rPr lang="en-GB" sz="1400" dirty="0">
+                <a:latin typeface="Luxerie" panose="02000500000000000000" pitchFamily="2" charset="0"/>
+                <a:cs typeface="Cascadia Code" panose="020B0609020000020004" pitchFamily="49" charset="0"/>
+              </a:rPr>
+              <a:t>  - Manages lesson details and assignments.</a:t>
+            </a:r>
+          </a:p>
+          <a:p>
+            <a:endParaRPr lang="en-GB" sz="1400" dirty="0">
+              <a:latin typeface="Luxerie" panose="02000500000000000000" pitchFamily="2" charset="0"/>
+              <a:cs typeface="Cascadia Code" panose="020B0609020000020004" pitchFamily="49" charset="0"/>
+            </a:endParaRPr>
+          </a:p>
+          <a:p>
+            <a:r>
+              <a:rPr lang="en-GB" sz="1400" b="1" dirty="0">
+                <a:latin typeface="Luxerie" panose="02000500000000000000" pitchFamily="2" charset="0"/>
+                <a:cs typeface="Cascadia Code" panose="020B0609020000020004" pitchFamily="49" charset="0"/>
+              </a:rPr>
+              <a:t>• </a:t>
+            </a:r>
+            <a:r>
+              <a:rPr lang="en-GB" sz="1400" b="1" dirty="0">
                 <a:solidFill>
                   <a:srgbClr val="00B0F0"/>
                 </a:solidFill>
-                <a:latin typeface="Cascadia Code" panose="020B0609020000020004" pitchFamily="49" charset="0"/>
-                <a:cs typeface="Cascadia Code" panose="020B0609020000020004" pitchFamily="49" charset="0"/>
-              </a:rPr>
-              <a:t>Supabase</a:t>
-            </a:r>
+                <a:latin typeface="Luxerie" panose="02000500000000000000" pitchFamily="2" charset="0"/>
+                <a:cs typeface="Cascadia Code" panose="020B0609020000020004" pitchFamily="49" charset="0"/>
+              </a:rPr>
+              <a:t>Notification Context:</a:t>
+            </a:r>
+          </a:p>
+          <a:p>
             <a:r>
               <a:rPr lang="en-GB" sz="1400" dirty="0">
+                <a:latin typeface="Luxerie" panose="02000500000000000000" pitchFamily="2" charset="0"/>
+                <a:cs typeface="Cascadia Code" panose="020B0609020000020004" pitchFamily="49" charset="0"/>
+              </a:rPr>
+              <a:t>  - Customizes alerts for events.</a:t>
+            </a:r>
+            <a:endParaRPr lang="en-GB" sz="1600" dirty="0">
+              <a:latin typeface="Luxerie" panose="02000500000000000000" pitchFamily="2" charset="0"/>
+              <a:cs typeface="Cascadia Code" panose="020B0609020000020004" pitchFamily="49" charset="0"/>
+            </a:endParaRPr>
+          </a:p>
+        </p:txBody>
+      </p:sp>
+      <p:sp>
+        <p:nvSpPr>
+          <p:cNvPr id="6" name="TextBox 5">
+            <a:extLst>
+              <a:ext uri="{FF2B5EF4-FFF2-40B4-BE49-F238E27FC236}">
+                <a16:creationId xmlns:a16="http://schemas.microsoft.com/office/drawing/2014/main" id="{82CE9BD6-AADF-9793-DA41-1AB235309A79}"/>
+              </a:ext>
+            </a:extLst>
+          </p:cNvPr>
+          <p:cNvSpPr txBox="1"/>
+          <p:nvPr/>
+        </p:nvSpPr>
+        <p:spPr>
+          <a:xfrm>
+            <a:off x="241300" y="4241820"/>
+            <a:ext cx="7808594" cy="1815882"/>
+          </a:xfrm>
+          <a:prstGeom prst="rect">
+            <a:avLst/>
+          </a:prstGeom>
+          <a:noFill/>
+        </p:spPr>
+        <p:txBody>
+          <a:bodyPr wrap="square" rtlCol="0">
+            <a:spAutoFit/>
+          </a:bodyPr>
+          <a:lstStyle/>
+          <a:p>
+            <a:r>
+              <a:rPr lang="en-GB" sz="1400" b="1" dirty="0">
                 <a:solidFill>
                   <a:srgbClr val="00B0F0"/>
                 </a:solidFill>
                 <a:latin typeface="Cascadia Code" panose="020B0609020000020004" pitchFamily="49" charset="0"/>
                 <a:cs typeface="Cascadia Code" panose="020B0609020000020004" pitchFamily="49" charset="0"/>
               </a:rPr>
-              <a:t>):</a:t>
-            </a:r>
-          </a:p>
-          <a:p>
-            <a:pPr marL="285750" indent="-285750">
-              <a:buFont typeface="Arial" panose="020B0604020202020204" pitchFamily="34" charset="0"/>
-              <a:buChar char="•"/>
-            </a:pPr>
+              <a:t>Design Artifacts:</a:t>
+            </a:r>
+          </a:p>
+          <a:p>
             <a:r>
               <a:rPr lang="en-GB" sz="1400" dirty="0">
                 <a:latin typeface="Cascadia Code" panose="020B0609020000020004" pitchFamily="49" charset="0"/>
                 <a:cs typeface="Cascadia Code" panose="020B0609020000020004" pitchFamily="49" charset="0"/>
               </a:rPr>
-              <a:t>Row-level security (RLS) and encryption.</a:t>
-            </a:r>
-          </a:p>
-          <a:p>
-            <a:pPr marL="285750" indent="-285750">
-              <a:buFont typeface="Arial" panose="020B0604020202020204" pitchFamily="34" charset="0"/>
-              <a:buChar char="•"/>
-            </a:pPr>
+              <a:t>• </a:t>
+            </a:r>
+            <a:r>
+              <a:rPr lang="en-GB" sz="1400" b="1" dirty="0">
+                <a:solidFill>
+                  <a:srgbClr val="00B0F0"/>
+                </a:solidFill>
+                <a:latin typeface="Cascadia Code" panose="020B0609020000020004" pitchFamily="49" charset="0"/>
+                <a:cs typeface="Cascadia Code" panose="020B0609020000020004" pitchFamily="49" charset="0"/>
+              </a:rPr>
+              <a:t>Domain Model Analysis:</a:t>
+            </a:r>
+          </a:p>
+          <a:p>
             <a:r>
               <a:rPr lang="en-GB" sz="1400" dirty="0">
                 <a:latin typeface="Cascadia Code" panose="020B0609020000020004" pitchFamily="49" charset="0"/>
                 <a:cs typeface="Cascadia Code" panose="020B0609020000020004" pitchFamily="49" charset="0"/>
               </a:rPr>
-              <a:t>Periodic backups ensure data recovery.</a:t>
-            </a:r>
-          </a:p>
-          <a:p>
-            <a:r>
-              <a:rPr lang="en-GB" sz="1400" dirty="0">
-                <a:solidFill>
-                  <a:srgbClr val="00B0F0"/>
-                </a:solidFill>
-                <a:latin typeface="Cascadia Code" panose="020B0609020000020004" pitchFamily="49" charset="0"/>
-                <a:cs typeface="Cascadia Code" panose="020B0609020000020004" pitchFamily="49" charset="0"/>
-              </a:rPr>
-              <a:t>Third-Party Services:</a:t>
-            </a:r>
-          </a:p>
-          <a:p>
-            <a:pPr marL="285750" indent="-285750">
-              <a:buFont typeface="Arial" panose="020B0604020202020204" pitchFamily="34" charset="0"/>
-              <a:buChar char="•"/>
-            </a:pPr>
-            <a:r>
-              <a:rPr lang="en-GB" sz="1400" dirty="0">
-                <a:latin typeface="Cascadia Code" panose="020B0609020000020004" pitchFamily="49" charset="0"/>
-                <a:cs typeface="Cascadia Code" panose="020B0609020000020004" pitchFamily="49" charset="0"/>
-              </a:rPr>
-              <a:t>Secure payment processing and notification systems.</a:t>
-            </a:r>
-          </a:p>
-          <a:p>
-            <a:r>
-              <a:rPr lang="en-GB" sz="1400" dirty="0">
-                <a:solidFill>
-                  <a:srgbClr val="00B0F0"/>
-                </a:solidFill>
-                <a:latin typeface="Cascadia Code" panose="020B0609020000020004" pitchFamily="49" charset="0"/>
-                <a:cs typeface="Cascadia Code" panose="020B0609020000020004" pitchFamily="49" charset="0"/>
-              </a:rPr>
-              <a:t>Threats and Mitigations</a:t>
-            </a:r>
-          </a:p>
-          <a:p>
-            <a:r>
-              <a:rPr lang="en-GB" sz="1400" dirty="0">
-                <a:solidFill>
-                  <a:srgbClr val="00B0F0"/>
-                </a:solidFill>
-                <a:latin typeface="Cascadia Code" panose="020B0609020000020004" pitchFamily="49" charset="0"/>
-                <a:cs typeface="Cascadia Code" panose="020B0609020000020004" pitchFamily="49" charset="0"/>
-              </a:rPr>
-              <a:t>Potential Threats:</a:t>
-            </a:r>
-          </a:p>
-          <a:p>
-            <a:pPr marL="285750" indent="-285750">
-              <a:buFont typeface="Arial" panose="020B0604020202020204" pitchFamily="34" charset="0"/>
-              <a:buChar char="•"/>
-            </a:pPr>
-            <a:r>
-              <a:rPr lang="en-GB" sz="1400" dirty="0">
-                <a:latin typeface="Cascadia Code" panose="020B0609020000020004" pitchFamily="49" charset="0"/>
-                <a:cs typeface="Cascadia Code" panose="020B0609020000020004" pitchFamily="49" charset="0"/>
-              </a:rPr>
-              <a:t>SQL injection, XSS, social engineering.</a:t>
-            </a:r>
-          </a:p>
-          <a:p>
-            <a:pPr marL="285750" indent="-285750">
-              <a:buFont typeface="Arial" panose="020B0604020202020204" pitchFamily="34" charset="0"/>
-              <a:buChar char="•"/>
-            </a:pPr>
-            <a:r>
-              <a:rPr lang="en-GB" sz="1400" dirty="0">
-                <a:latin typeface="Cascadia Code" panose="020B0609020000020004" pitchFamily="49" charset="0"/>
-                <a:cs typeface="Cascadia Code" panose="020B0609020000020004" pitchFamily="49" charset="0"/>
-              </a:rPr>
-              <a:t>Weak passwords and unsecured APIs.</a:t>
-            </a:r>
-          </a:p>
-          <a:p>
-            <a:r>
-              <a:rPr lang="en-GB" sz="1400" dirty="0">
-                <a:solidFill>
-                  <a:srgbClr val="00B0F0"/>
-                </a:solidFill>
-                <a:latin typeface="Cascadia Code" panose="020B0609020000020004" pitchFamily="49" charset="0"/>
-                <a:cs typeface="Cascadia Code" panose="020B0609020000020004" pitchFamily="49" charset="0"/>
-              </a:rPr>
-              <a:t>Mitigations:</a:t>
-            </a:r>
-          </a:p>
-          <a:p>
-            <a:pPr marL="285750" indent="-285750">
-              <a:buFont typeface="Arial" panose="020B0604020202020204" pitchFamily="34" charset="0"/>
-              <a:buChar char="•"/>
-            </a:pPr>
-            <a:r>
-              <a:rPr lang="en-GB" sz="1400" dirty="0">
-                <a:latin typeface="Cascadia Code" panose="020B0609020000020004" pitchFamily="49" charset="0"/>
-                <a:cs typeface="Cascadia Code" panose="020B0609020000020004" pitchFamily="49" charset="0"/>
-              </a:rPr>
-              <a:t>Input validation and multi-factor authentication (MFA).</a:t>
-            </a:r>
-          </a:p>
-          <a:p>
-            <a:pPr marL="285750" indent="-285750">
-              <a:buFont typeface="Arial" panose="020B0604020202020204" pitchFamily="34" charset="0"/>
-              <a:buChar char="•"/>
-            </a:pPr>
-            <a:r>
-              <a:rPr lang="en-GB" sz="1400" dirty="0">
-                <a:latin typeface="Cascadia Code" panose="020B0609020000020004" pitchFamily="49" charset="0"/>
-                <a:cs typeface="Cascadia Code" panose="020B0609020000020004" pitchFamily="49" charset="0"/>
-              </a:rPr>
-              <a:t>Secure tokens, HTTPS for encrypted communication.</a:t>
-            </a:r>
-          </a:p>
-          <a:p>
-            <a:r>
-              <a:rPr lang="en-GB" sz="1400" dirty="0">
-                <a:solidFill>
-                  <a:srgbClr val="00B0F0"/>
-                </a:solidFill>
-                <a:latin typeface="Cascadia Code" panose="020B0609020000020004" pitchFamily="49" charset="0"/>
-                <a:cs typeface="Cascadia Code" panose="020B0609020000020004" pitchFamily="49" charset="0"/>
-              </a:rPr>
-              <a:t>General Security Measures</a:t>
-            </a:r>
-          </a:p>
-          <a:p>
-            <a:pPr marL="285750" indent="-285750">
-              <a:buFont typeface="Arial" panose="020B0604020202020204" pitchFamily="34" charset="0"/>
-              <a:buChar char="•"/>
-            </a:pPr>
-            <a:r>
-              <a:rPr lang="en-GB" sz="1400" dirty="0">
-                <a:latin typeface="Cascadia Code" panose="020B0609020000020004" pitchFamily="49" charset="0"/>
-                <a:cs typeface="Cascadia Code" panose="020B0609020000020004" pitchFamily="49" charset="0"/>
-              </a:rPr>
-              <a:t>Authentication and RBAC for controlled access.</a:t>
-            </a:r>
-          </a:p>
-          <a:p>
-            <a:pPr marL="285750" indent="-285750">
-              <a:buFont typeface="Arial" panose="020B0604020202020204" pitchFamily="34" charset="0"/>
-              <a:buChar char="•"/>
-            </a:pPr>
-            <a:r>
-              <a:rPr lang="en-GB" sz="1400" dirty="0">
-                <a:latin typeface="Cascadia Code" panose="020B0609020000020004" pitchFamily="49" charset="0"/>
-                <a:cs typeface="Cascadia Code" panose="020B0609020000020004" pitchFamily="49" charset="0"/>
-              </a:rPr>
-              <a:t>Encryption for data in transit and at rest.</a:t>
-            </a:r>
-          </a:p>
-          <a:p>
-            <a:pPr marL="285750" indent="-285750">
-              <a:buFont typeface="Arial" panose="020B0604020202020204" pitchFamily="34" charset="0"/>
-              <a:buChar char="•"/>
-            </a:pPr>
-            <a:r>
-              <a:rPr lang="en-GB" sz="1400" dirty="0">
-                <a:latin typeface="Cascadia Code" panose="020B0609020000020004" pitchFamily="49" charset="0"/>
-                <a:cs typeface="Cascadia Code" panose="020B0609020000020004" pitchFamily="49" charset="0"/>
-              </a:rPr>
-              <a:t>Complete mediation: Validating every request.</a:t>
+              <a:t>  - Focus on user roles, lesson booking, payments, and notifications.</a:t>
             </a:r>
           </a:p>
           <a:p>
             <a:endParaRPr lang="en-GB" sz="1400" dirty="0">
-              <a:solidFill>
-                <a:srgbClr val="00B0F0"/>
-              </a:solidFill>
               <a:latin typeface="Cascadia Code" panose="020B0609020000020004" pitchFamily="49" charset="0"/>
               <a:cs typeface="Cascadia Code" panose="020B0609020000020004" pitchFamily="49" charset="0"/>
             </a:endParaRPr>
           </a:p>
-        </p:txBody>
-      </p:sp>
-      <p:sp>
-        <p:nvSpPr>
-          <p:cNvPr id="6" name="Rectangle 5">
+          <a:p>
+            <a:r>
+              <a:rPr lang="en-GB" sz="1400" dirty="0">
+                <a:latin typeface="Cascadia Code" panose="020B0609020000020004" pitchFamily="49" charset="0"/>
+                <a:cs typeface="Cascadia Code" panose="020B0609020000020004" pitchFamily="49" charset="0"/>
+              </a:rPr>
+              <a:t>• </a:t>
+            </a:r>
+            <a:r>
+              <a:rPr lang="en-GB" sz="1400" b="1" dirty="0">
+                <a:solidFill>
+                  <a:srgbClr val="00B0F0"/>
+                </a:solidFill>
+                <a:latin typeface="Cascadia Code" panose="020B0609020000020004" pitchFamily="49" charset="0"/>
+                <a:cs typeface="Cascadia Code" panose="020B0609020000020004" pitchFamily="49" charset="0"/>
+              </a:rPr>
+              <a:t>Implementation Highlights:</a:t>
+            </a:r>
+          </a:p>
+          <a:p>
+            <a:r>
+              <a:rPr lang="en-GB" sz="1400" dirty="0">
+                <a:latin typeface="Cascadia Code" panose="020B0609020000020004" pitchFamily="49" charset="0"/>
+                <a:cs typeface="Cascadia Code" panose="020B0609020000020004" pitchFamily="49" charset="0"/>
+              </a:rPr>
+              <a:t>  - User roles with distinct permissions.</a:t>
+            </a:r>
+          </a:p>
+          <a:p>
+            <a:r>
+              <a:rPr lang="en-GB" sz="1400" dirty="0">
+                <a:latin typeface="Cascadia Code" panose="020B0609020000020004" pitchFamily="49" charset="0"/>
+                <a:cs typeface="Cascadia Code" panose="020B0609020000020004" pitchFamily="49" charset="0"/>
+              </a:rPr>
+              <a:t>  - Structured lesson management and scheduling.</a:t>
+            </a:r>
+          </a:p>
+          <a:p>
+            <a:r>
+              <a:rPr lang="en-GB" sz="1400" dirty="0">
+                <a:latin typeface="Cascadia Code" panose="020B0609020000020004" pitchFamily="49" charset="0"/>
+                <a:cs typeface="Cascadia Code" panose="020B0609020000020004" pitchFamily="49" charset="0"/>
+              </a:rPr>
+              <a:t>  - Streamlined payment integration.</a:t>
+            </a:r>
+            <a:endParaRPr lang="en-GB" sz="1600" dirty="0">
+              <a:latin typeface="Cascadia Code" panose="020B0609020000020004" pitchFamily="49" charset="0"/>
+              <a:cs typeface="Cascadia Code" panose="020B0609020000020004" pitchFamily="49" charset="0"/>
+            </a:endParaRPr>
+          </a:p>
+        </p:txBody>
+      </p:sp>
+      <p:sp>
+        <p:nvSpPr>
+          <p:cNvPr id="9" name="Rectangle 8">
             <a:extLst>
               <a:ext uri="{FF2B5EF4-FFF2-40B4-BE49-F238E27FC236}">
-                <a16:creationId xmlns:a16="http://schemas.microsoft.com/office/drawing/2014/main" id="{3AB14232-D1BA-5FD8-40AB-9980000C4904}"/>
+                <a16:creationId xmlns:a16="http://schemas.microsoft.com/office/drawing/2014/main" id="{53D9A1CC-602C-1E73-14B3-82196A116899}"/>
               </a:ext>
             </a:extLst>
           </p:cNvPr>
@@ -11675,8 +11821,8 @@
         </p:nvSpPr>
         <p:spPr>
           <a:xfrm>
-            <a:off x="6781800" y="952500"/>
-            <a:ext cx="5156200" cy="5727700"/>
+            <a:off x="7035800" y="495300"/>
+            <a:ext cx="4152900" cy="3283673"/>
           </a:xfrm>
           <a:prstGeom prst="rect">
             <a:avLst/>
@@ -11714,15 +11860,411 @@
       </p:sp>
       <p:pic>
         <p:nvPicPr>
-          <p:cNvPr id="1026" name="Picture 2" descr="PlantUML Diagram">
+          <p:cNvPr id="7" name="Picture 6">
             <a:extLst>
               <a:ext uri="{FF2B5EF4-FFF2-40B4-BE49-F238E27FC236}">
-                <a16:creationId xmlns:a16="http://schemas.microsoft.com/office/drawing/2014/main" id="{3E8C38A4-BB8C-3706-76FA-B889F808EC90}"/>
+                <a16:creationId xmlns:a16="http://schemas.microsoft.com/office/drawing/2014/main" id="{ACEA9CC1-85AB-7CCB-E6B9-3564CF3CEE8C}"/>
               </a:ext>
             </a:extLst>
           </p:cNvPr>
           <p:cNvPicPr>
-            <a:picLocks noChangeAspect="1" noChangeArrowheads="1"/>
+            <a:picLocks noChangeAspect="1"/>
+          </p:cNvPicPr>
+          <p:nvPr/>
+        </p:nvPicPr>
+        <p:blipFill>
+          <a:blip r:embed="rId3"/>
+          <a:stretch>
+            <a:fillRect/>
+          </a:stretch>
+        </p:blipFill>
+        <p:spPr>
+          <a:xfrm>
+            <a:off x="7153402" y="592305"/>
+            <a:ext cx="3917696" cy="3060700"/>
+          </a:xfrm>
+          <a:prstGeom prst="rect">
+            <a:avLst/>
+          </a:prstGeom>
+        </p:spPr>
+      </p:pic>
+      <p:sp>
+        <p:nvSpPr>
+          <p:cNvPr id="10" name="Rectangle 9">
+            <a:extLst>
+              <a:ext uri="{FF2B5EF4-FFF2-40B4-BE49-F238E27FC236}">
+                <a16:creationId xmlns:a16="http://schemas.microsoft.com/office/drawing/2014/main" id="{AA71D577-2AE1-D4F5-1DB6-2EDA39DC6B6F}"/>
+              </a:ext>
+            </a:extLst>
+          </p:cNvPr>
+          <p:cNvSpPr/>
+          <p:nvPr/>
+        </p:nvSpPr>
+        <p:spPr>
+          <a:xfrm>
+            <a:off x="7815897" y="3429000"/>
+            <a:ext cx="4152900" cy="3283673"/>
+          </a:xfrm>
+          <a:prstGeom prst="rect">
+            <a:avLst/>
+          </a:prstGeom>
+          <a:ln w="38100">
+            <a:solidFill>
+              <a:srgbClr val="00B0F0"/>
+            </a:solidFill>
+          </a:ln>
+        </p:spPr>
+        <p:style>
+          <a:lnRef idx="2">
+            <a:schemeClr val="accent1">
+              <a:shade val="15000"/>
+            </a:schemeClr>
+          </a:lnRef>
+          <a:fillRef idx="1">
+            <a:schemeClr val="accent1"/>
+          </a:fillRef>
+          <a:effectRef idx="0">
+            <a:schemeClr val="accent1"/>
+          </a:effectRef>
+          <a:fontRef idx="minor">
+            <a:schemeClr val="lt1"/>
+          </a:fontRef>
+        </p:style>
+        <p:txBody>
+          <a:bodyPr rtlCol="0" anchor="ctr"/>
+          <a:lstStyle/>
+          <a:p>
+            <a:pPr algn="ctr"/>
+            <a:endParaRPr lang="en-ZA"/>
+          </a:p>
+        </p:txBody>
+      </p:sp>
+      <p:pic>
+        <p:nvPicPr>
+          <p:cNvPr id="8" name="Picture 7">
+            <a:extLst>
+              <a:ext uri="{FF2B5EF4-FFF2-40B4-BE49-F238E27FC236}">
+                <a16:creationId xmlns:a16="http://schemas.microsoft.com/office/drawing/2014/main" id="{0B0B92DB-BFBC-B113-B0BF-7A7CDA05C6BA}"/>
+              </a:ext>
+            </a:extLst>
+          </p:cNvPr>
+          <p:cNvPicPr>
+            <a:picLocks noChangeAspect="1"/>
+          </p:cNvPicPr>
+          <p:nvPr/>
+        </p:nvPicPr>
+        <p:blipFill>
+          <a:blip r:embed="rId4"/>
+          <a:stretch>
+            <a:fillRect/>
+          </a:stretch>
+        </p:blipFill>
+        <p:spPr>
+          <a:xfrm>
+            <a:off x="7958899" y="3529622"/>
+            <a:ext cx="3915601" cy="3087878"/>
+          </a:xfrm>
+          <a:prstGeom prst="rect">
+            <a:avLst/>
+          </a:prstGeom>
+        </p:spPr>
+      </p:pic>
+    </p:spTree>
+    <p:extLst>
+      <p:ext uri="{BB962C8B-B14F-4D97-AF65-F5344CB8AC3E}">
+        <p14:creationId xmlns:p14="http://schemas.microsoft.com/office/powerpoint/2010/main" val="1974332144"/>
+      </p:ext>
+    </p:extLst>
+  </p:cSld>
+  <p:clrMapOvr>
+    <a:masterClrMapping/>
+  </p:clrMapOvr>
+</p:sld>
+</file>
+
+<file path=ppt/slides/slide9.xml><?xml version="1.0" encoding="utf-8"?>
+<p:sld xmlns:a="http://schemas.openxmlformats.org/drawingml/2006/main" xmlns:r="http://schemas.openxmlformats.org/officeDocument/2006/relationships" xmlns:p="http://schemas.openxmlformats.org/presentationml/2006/main">
+  <p:cSld>
+    <p:spTree>
+      <p:nvGrpSpPr>
+        <p:cNvPr id="1" name="">
+          <a:extLst>
+            <a:ext uri="{FF2B5EF4-FFF2-40B4-BE49-F238E27FC236}">
+              <a16:creationId xmlns:a16="http://schemas.microsoft.com/office/drawing/2014/main" id="{50E13EA8-609D-F197-AC0D-0ABDA4E4CD78}"/>
+            </a:ext>
+          </a:extLst>
+        </p:cNvPr>
+        <p:cNvGrpSpPr/>
+        <p:nvPr/>
+      </p:nvGrpSpPr>
+      <p:grpSpPr>
+        <a:xfrm>
+          <a:off x="0" y="0"/>
+          <a:ext cx="0" cy="0"/>
+          <a:chOff x="0" y="0"/>
+          <a:chExt cx="0" cy="0"/>
+        </a:xfrm>
+      </p:grpSpPr>
+      <p:sp>
+        <p:nvSpPr>
+          <p:cNvPr id="4" name="TextBox 3">
+            <a:extLst>
+              <a:ext uri="{FF2B5EF4-FFF2-40B4-BE49-F238E27FC236}">
+                <a16:creationId xmlns:a16="http://schemas.microsoft.com/office/drawing/2014/main" id="{4771028D-57FF-CC5F-1554-6B4C2816DE73}"/>
+              </a:ext>
+            </a:extLst>
+          </p:cNvPr>
+          <p:cNvSpPr txBox="1"/>
+          <p:nvPr/>
+        </p:nvSpPr>
+        <p:spPr>
+          <a:xfrm>
+            <a:off x="3727450" y="0"/>
+            <a:ext cx="5391150" cy="369332"/>
+          </a:xfrm>
+          <a:prstGeom prst="rect">
+            <a:avLst/>
+          </a:prstGeom>
+          <a:noFill/>
+        </p:spPr>
+        <p:txBody>
+          <a:bodyPr wrap="square" rtlCol="0">
+            <a:spAutoFit/>
+          </a:bodyPr>
+          <a:lstStyle/>
+          <a:p>
+            <a:r>
+              <a:rPr lang="en-GB" sz="1800" dirty="0">
+                <a:effectLst/>
+                <a:latin typeface="Cascadia Code" panose="020B0609020000020004" pitchFamily="49" charset="0"/>
+                <a:ea typeface="Calibri" panose="020F0502020204030204" pitchFamily="34" charset="0"/>
+                <a:cs typeface="Cascadia Code" panose="020B0609020000020004" pitchFamily="49" charset="0"/>
+              </a:rPr>
+              <a:t>Documentation: Architecture Artifacts</a:t>
+            </a:r>
+            <a:endParaRPr lang="en-ZA" sz="1800" dirty="0">
+              <a:effectLst/>
+              <a:latin typeface="Cascadia Code" panose="020B0609020000020004" pitchFamily="49" charset="0"/>
+              <a:ea typeface="Calibri" panose="020F0502020204030204" pitchFamily="34" charset="0"/>
+              <a:cs typeface="Cascadia Code" panose="020B0609020000020004" pitchFamily="49" charset="0"/>
+            </a:endParaRPr>
+          </a:p>
+        </p:txBody>
+      </p:sp>
+      <p:sp>
+        <p:nvSpPr>
+          <p:cNvPr id="5" name="TextBox 4">
+            <a:extLst>
+              <a:ext uri="{FF2B5EF4-FFF2-40B4-BE49-F238E27FC236}">
+                <a16:creationId xmlns:a16="http://schemas.microsoft.com/office/drawing/2014/main" id="{914FE120-154D-26D8-2027-259E7E40C040}"/>
+              </a:ext>
+            </a:extLst>
+          </p:cNvPr>
+          <p:cNvSpPr txBox="1"/>
+          <p:nvPr/>
+        </p:nvSpPr>
+        <p:spPr>
+          <a:xfrm>
+            <a:off x="228599" y="495300"/>
+            <a:ext cx="11602085" cy="2554545"/>
+          </a:xfrm>
+          <a:prstGeom prst="rect">
+            <a:avLst/>
+          </a:prstGeom>
+          <a:noFill/>
+        </p:spPr>
+        <p:txBody>
+          <a:bodyPr wrap="square" rtlCol="0">
+            <a:spAutoFit/>
+          </a:bodyPr>
+          <a:lstStyle/>
+          <a:p>
+            <a:r>
+              <a:rPr lang="en-GB" sz="2000" b="1" dirty="0">
+                <a:solidFill>
+                  <a:srgbClr val="00B0F0"/>
+                </a:solidFill>
+                <a:latin typeface="Cascadia Code" panose="020B0609020000020004" pitchFamily="49" charset="0"/>
+                <a:cs typeface="Cascadia Code" panose="020B0609020000020004" pitchFamily="49" charset="0"/>
+              </a:rPr>
+              <a:t>Cloud Architecture:</a:t>
+            </a:r>
+          </a:p>
+          <a:p>
+            <a:r>
+              <a:rPr lang="en-GB" sz="2000" dirty="0">
+                <a:latin typeface="Cascadia Code" panose="020B0609020000020004" pitchFamily="49" charset="0"/>
+                <a:cs typeface="Cascadia Code" panose="020B0609020000020004" pitchFamily="49" charset="0"/>
+              </a:rPr>
+              <a:t>• </a:t>
+            </a:r>
+            <a:r>
+              <a:rPr lang="en-GB" sz="2000" dirty="0">
+                <a:solidFill>
+                  <a:srgbClr val="00B0F0"/>
+                </a:solidFill>
+                <a:latin typeface="Cascadia Code" panose="020B0609020000020004" pitchFamily="49" charset="0"/>
+                <a:cs typeface="Cascadia Code" panose="020B0609020000020004" pitchFamily="49" charset="0"/>
+              </a:rPr>
+              <a:t>Frontend: </a:t>
+            </a:r>
+            <a:r>
+              <a:rPr lang="en-GB" sz="2000" dirty="0">
+                <a:latin typeface="Cascadia Code" panose="020B0609020000020004" pitchFamily="49" charset="0"/>
+                <a:cs typeface="Cascadia Code" panose="020B0609020000020004" pitchFamily="49" charset="0"/>
+              </a:rPr>
+              <a:t>React on </a:t>
+            </a:r>
+            <a:r>
+              <a:rPr lang="en-GB" sz="2000" dirty="0" err="1">
+                <a:latin typeface="Cascadia Code" panose="020B0609020000020004" pitchFamily="49" charset="0"/>
+                <a:cs typeface="Cascadia Code" panose="020B0609020000020004" pitchFamily="49" charset="0"/>
+              </a:rPr>
+              <a:t>Vercel</a:t>
+            </a:r>
+            <a:r>
+              <a:rPr lang="en-GB" sz="2000" dirty="0">
+                <a:latin typeface="Cascadia Code" panose="020B0609020000020004" pitchFamily="49" charset="0"/>
+                <a:cs typeface="Cascadia Code" panose="020B0609020000020004" pitchFamily="49" charset="0"/>
+              </a:rPr>
+              <a:t> for scalability and flexibility.</a:t>
+            </a:r>
+          </a:p>
+          <a:p>
+            <a:endParaRPr lang="en-GB" sz="2000" dirty="0">
+              <a:latin typeface="Cascadia Code" panose="020B0609020000020004" pitchFamily="49" charset="0"/>
+              <a:cs typeface="Cascadia Code" panose="020B0609020000020004" pitchFamily="49" charset="0"/>
+            </a:endParaRPr>
+          </a:p>
+          <a:p>
+            <a:r>
+              <a:rPr lang="en-GB" sz="2000" dirty="0">
+                <a:latin typeface="Cascadia Code" panose="020B0609020000020004" pitchFamily="49" charset="0"/>
+                <a:cs typeface="Cascadia Code" panose="020B0609020000020004" pitchFamily="49" charset="0"/>
+              </a:rPr>
+              <a:t>• </a:t>
+            </a:r>
+            <a:r>
+              <a:rPr lang="en-GB" sz="2000" dirty="0">
+                <a:solidFill>
+                  <a:srgbClr val="00B0F0"/>
+                </a:solidFill>
+                <a:latin typeface="Cascadia Code" panose="020B0609020000020004" pitchFamily="49" charset="0"/>
+                <a:cs typeface="Cascadia Code" panose="020B0609020000020004" pitchFamily="49" charset="0"/>
+              </a:rPr>
+              <a:t>Backend: </a:t>
+            </a:r>
+            <a:r>
+              <a:rPr lang="en-GB" sz="2000" dirty="0" err="1">
+                <a:latin typeface="Cascadia Code" panose="020B0609020000020004" pitchFamily="49" charset="0"/>
+                <a:cs typeface="Cascadia Code" panose="020B0609020000020004" pitchFamily="49" charset="0"/>
+              </a:rPr>
+              <a:t>Supabase</a:t>
+            </a:r>
+            <a:r>
+              <a:rPr lang="en-GB" sz="2000" dirty="0">
+                <a:latin typeface="Cascadia Code" panose="020B0609020000020004" pitchFamily="49" charset="0"/>
+                <a:cs typeface="Cascadia Code" panose="020B0609020000020004" pitchFamily="49" charset="0"/>
+              </a:rPr>
+              <a:t> with PostgreSQL for managed database and built-in authentication.</a:t>
+            </a:r>
+          </a:p>
+          <a:p>
+            <a:endParaRPr lang="en-GB" sz="2000" dirty="0">
+              <a:latin typeface="Cascadia Code" panose="020B0609020000020004" pitchFamily="49" charset="0"/>
+              <a:cs typeface="Cascadia Code" panose="020B0609020000020004" pitchFamily="49" charset="0"/>
+            </a:endParaRPr>
+          </a:p>
+          <a:p>
+            <a:r>
+              <a:rPr lang="en-GB" sz="2000" dirty="0">
+                <a:latin typeface="Cascadia Code" panose="020B0609020000020004" pitchFamily="49" charset="0"/>
+                <a:cs typeface="Cascadia Code" panose="020B0609020000020004" pitchFamily="49" charset="0"/>
+              </a:rPr>
+              <a:t>• </a:t>
+            </a:r>
+            <a:r>
+              <a:rPr lang="en-GB" sz="2000" dirty="0">
+                <a:solidFill>
+                  <a:srgbClr val="00B0F0"/>
+                </a:solidFill>
+                <a:latin typeface="Cascadia Code" panose="020B0609020000020004" pitchFamily="49" charset="0"/>
+                <a:cs typeface="Cascadia Code" panose="020B0609020000020004" pitchFamily="49" charset="0"/>
+              </a:rPr>
+              <a:t>Integrations: </a:t>
+            </a:r>
+            <a:r>
+              <a:rPr lang="en-GB" sz="2000" dirty="0">
+                <a:latin typeface="Cascadia Code" panose="020B0609020000020004" pitchFamily="49" charset="0"/>
+                <a:cs typeface="Cascadia Code" panose="020B0609020000020004" pitchFamily="49" charset="0"/>
+              </a:rPr>
+              <a:t>Secure third-party API integration for authentication, notifications, and payments.</a:t>
+            </a:r>
+          </a:p>
+        </p:txBody>
+      </p:sp>
+      <p:sp>
+        <p:nvSpPr>
+          <p:cNvPr id="3" name="Rectangle 2">
+            <a:extLst>
+              <a:ext uri="{FF2B5EF4-FFF2-40B4-BE49-F238E27FC236}">
+                <a16:creationId xmlns:a16="http://schemas.microsoft.com/office/drawing/2014/main" id="{ACBB2606-B182-C2A5-7402-129D7F29C2AB}"/>
+              </a:ext>
+            </a:extLst>
+          </p:cNvPr>
+          <p:cNvSpPr/>
+          <p:nvPr/>
+        </p:nvSpPr>
+        <p:spPr>
+          <a:xfrm>
+            <a:off x="3727450" y="3175813"/>
+            <a:ext cx="6699250" cy="3283673"/>
+          </a:xfrm>
+          <a:prstGeom prst="rect">
+            <a:avLst/>
+          </a:prstGeom>
+          <a:ln w="38100">
+            <a:solidFill>
+              <a:srgbClr val="00B0F0"/>
+            </a:solidFill>
+          </a:ln>
+        </p:spPr>
+        <p:style>
+          <a:lnRef idx="2">
+            <a:schemeClr val="accent1">
+              <a:shade val="15000"/>
+            </a:schemeClr>
+          </a:lnRef>
+          <a:fillRef idx="1">
+            <a:schemeClr val="accent1"/>
+          </a:fillRef>
+          <a:effectRef idx="0">
+            <a:schemeClr val="accent1"/>
+          </a:effectRef>
+          <a:fontRef idx="minor">
+            <a:schemeClr val="lt1"/>
+          </a:fontRef>
+        </p:style>
+        <p:txBody>
+          <a:bodyPr rtlCol="0" anchor="ctr"/>
+          <a:lstStyle/>
+          <a:p>
+            <a:pPr algn="ctr"/>
+            <a:endParaRPr lang="en-ZA"/>
+          </a:p>
+        </p:txBody>
+      </p:sp>
+      <p:pic>
+        <p:nvPicPr>
+          <p:cNvPr id="2" name="Picture 1">
+            <a:extLst>
+              <a:ext uri="{FF2B5EF4-FFF2-40B4-BE49-F238E27FC236}">
+                <a16:creationId xmlns:a16="http://schemas.microsoft.com/office/drawing/2014/main" id="{16C69702-C094-50A6-63ED-C441635BA880}"/>
+              </a:ext>
+            </a:extLst>
+          </p:cNvPr>
+          <p:cNvPicPr>
+            <a:picLocks noChangeAspect="1"/>
           </p:cNvPicPr>
           <p:nvPr/>
         </p:nvPicPr>
@@ -11741,28 +12283,19 @@
         </p:blipFill>
         <p:spPr bwMode="auto">
           <a:xfrm>
-            <a:off x="6913683" y="1094265"/>
-            <a:ext cx="4924305" cy="5446236"/>
+            <a:off x="3917314" y="3325999"/>
+            <a:ext cx="6369685" cy="3024001"/>
           </a:xfrm>
           <a:prstGeom prst="rect">
             <a:avLst/>
           </a:prstGeom>
           <a:noFill/>
-          <a:extLst>
-            <a:ext uri="{909E8E84-426E-40DD-AFC4-6F175D3DCCD1}">
-              <a14:hiddenFill xmlns:a14="http://schemas.microsoft.com/office/drawing/2010/main">
-                <a:solidFill>
-                  <a:srgbClr val="FFFFFF"/>
-                </a:solidFill>
-              </a14:hiddenFill>
-            </a:ext>
-          </a:extLst>
         </p:spPr>
       </p:pic>
     </p:spTree>
     <p:extLst>
       <p:ext uri="{BB962C8B-B14F-4D97-AF65-F5344CB8AC3E}">
-        <p14:creationId xmlns:p14="http://schemas.microsoft.com/office/powerpoint/2010/main" val="3093404958"/>
+        <p14:creationId xmlns:p14="http://schemas.microsoft.com/office/powerpoint/2010/main" val="1454078764"/>
       </p:ext>
     </p:extLst>
   </p:cSld>

--- a/Documentation/Presentation/docs-presentation-gs.pptx
+++ b/Documentation/Presentation/docs-presentation-gs.pptx
@@ -521,6 +521,10 @@
           <a:bodyPr/>
           <a:lstStyle/>
           <a:p>
+            <a:r>
+              <a:rPr lang="en-US" dirty="0"/>
+              <a:t>Damian</a:t>
+            </a:r>
             <a:endParaRPr lang="en-ZA" dirty="0"/>
           </a:p>
         </p:txBody>
@@ -552,6 +556,358 @@
     <p:extLst>
       <p:ext uri="{BB962C8B-B14F-4D97-AF65-F5344CB8AC3E}">
         <p14:creationId xmlns:p14="http://schemas.microsoft.com/office/powerpoint/2010/main" val="965694228"/>
+      </p:ext>
+    </p:extLst>
+  </p:cSld>
+  <p:clrMapOvr>
+    <a:masterClrMapping/>
+  </p:clrMapOvr>
+</p:notes>
+</file>
+
+<file path=ppt/notesSlides/notesSlide10.xml><?xml version="1.0" encoding="utf-8"?>
+<p:notes xmlns:a="http://schemas.openxmlformats.org/drawingml/2006/main" xmlns:r="http://schemas.openxmlformats.org/officeDocument/2006/relationships" xmlns:p="http://schemas.openxmlformats.org/presentationml/2006/main">
+  <p:cSld>
+    <p:spTree>
+      <p:nvGrpSpPr>
+        <p:cNvPr id="1" name=""/>
+        <p:cNvGrpSpPr/>
+        <p:nvPr/>
+      </p:nvGrpSpPr>
+      <p:grpSpPr>
+        <a:xfrm>
+          <a:off x="0" y="0"/>
+          <a:ext cx="0" cy="0"/>
+          <a:chOff x="0" y="0"/>
+          <a:chExt cx="0" cy="0"/>
+        </a:xfrm>
+      </p:grpSpPr>
+      <p:sp>
+        <p:nvSpPr>
+          <p:cNvPr id="2" name="Slide Image Placeholder 1"/>
+          <p:cNvSpPr>
+            <a:spLocks noGrp="1" noRot="1" noChangeAspect="1"/>
+          </p:cNvSpPr>
+          <p:nvPr>
+            <p:ph type="sldImg"/>
+          </p:nvPr>
+        </p:nvSpPr>
+        <p:spPr/>
+      </p:sp>
+      <p:sp>
+        <p:nvSpPr>
+          <p:cNvPr id="3" name="Notes Placeholder 2"/>
+          <p:cNvSpPr>
+            <a:spLocks noGrp="1"/>
+          </p:cNvSpPr>
+          <p:nvPr>
+            <p:ph type="body" idx="1"/>
+          </p:nvPr>
+        </p:nvSpPr>
+        <p:spPr/>
+        <p:txBody>
+          <a:bodyPr/>
+          <a:lstStyle/>
+          <a:p>
+            <a:r>
+              <a:rPr lang="en-ZA" dirty="0" err="1"/>
+              <a:t>Guilliaume</a:t>
+            </a:r>
+            <a:endParaRPr lang="en-ZA" dirty="0"/>
+          </a:p>
+        </p:txBody>
+      </p:sp>
+      <p:sp>
+        <p:nvSpPr>
+          <p:cNvPr id="4" name="Slide Number Placeholder 3"/>
+          <p:cNvSpPr>
+            <a:spLocks noGrp="1"/>
+          </p:cNvSpPr>
+          <p:nvPr>
+            <p:ph type="sldNum" sz="quarter" idx="5"/>
+          </p:nvPr>
+        </p:nvSpPr>
+        <p:spPr/>
+        <p:txBody>
+          <a:bodyPr/>
+          <a:lstStyle/>
+          <a:p>
+            <a:fld id="{1D3658D1-CD45-44D5-81C0-61D4BA0AFDA4}" type="slidenum">
+              <a:rPr lang="en-ZA" smtClean="0"/>
+              <a:t>10</a:t>
+            </a:fld>
+            <a:endParaRPr lang="en-ZA"/>
+          </a:p>
+        </p:txBody>
+      </p:sp>
+    </p:spTree>
+    <p:extLst>
+      <p:ext uri="{BB962C8B-B14F-4D97-AF65-F5344CB8AC3E}">
+        <p14:creationId xmlns:p14="http://schemas.microsoft.com/office/powerpoint/2010/main" val="1180298169"/>
+      </p:ext>
+    </p:extLst>
+  </p:cSld>
+  <p:clrMapOvr>
+    <a:masterClrMapping/>
+  </p:clrMapOvr>
+</p:notes>
+</file>
+
+<file path=ppt/notesSlides/notesSlide11.xml><?xml version="1.0" encoding="utf-8"?>
+<p:notes xmlns:a="http://schemas.openxmlformats.org/drawingml/2006/main" xmlns:r="http://schemas.openxmlformats.org/officeDocument/2006/relationships" xmlns:p="http://schemas.openxmlformats.org/presentationml/2006/main">
+  <p:cSld>
+    <p:spTree>
+      <p:nvGrpSpPr>
+        <p:cNvPr id="1" name=""/>
+        <p:cNvGrpSpPr/>
+        <p:nvPr/>
+      </p:nvGrpSpPr>
+      <p:grpSpPr>
+        <a:xfrm>
+          <a:off x="0" y="0"/>
+          <a:ext cx="0" cy="0"/>
+          <a:chOff x="0" y="0"/>
+          <a:chExt cx="0" cy="0"/>
+        </a:xfrm>
+      </p:grpSpPr>
+      <p:sp>
+        <p:nvSpPr>
+          <p:cNvPr id="2" name="Slide Image Placeholder 1"/>
+          <p:cNvSpPr>
+            <a:spLocks noGrp="1" noRot="1" noChangeAspect="1"/>
+          </p:cNvSpPr>
+          <p:nvPr>
+            <p:ph type="sldImg"/>
+          </p:nvPr>
+        </p:nvSpPr>
+        <p:spPr/>
+      </p:sp>
+      <p:sp>
+        <p:nvSpPr>
+          <p:cNvPr id="3" name="Notes Placeholder 2"/>
+          <p:cNvSpPr>
+            <a:spLocks noGrp="1"/>
+          </p:cNvSpPr>
+          <p:nvPr>
+            <p:ph type="body" idx="1"/>
+          </p:nvPr>
+        </p:nvSpPr>
+        <p:spPr/>
+        <p:txBody>
+          <a:bodyPr/>
+          <a:lstStyle/>
+          <a:p>
+            <a:r>
+              <a:rPr lang="en-ZA" dirty="0" err="1"/>
+              <a:t>Guilliaume</a:t>
+            </a:r>
+            <a:endParaRPr lang="en-ZA" dirty="0"/>
+          </a:p>
+        </p:txBody>
+      </p:sp>
+      <p:sp>
+        <p:nvSpPr>
+          <p:cNvPr id="4" name="Slide Number Placeholder 3"/>
+          <p:cNvSpPr>
+            <a:spLocks noGrp="1"/>
+          </p:cNvSpPr>
+          <p:nvPr>
+            <p:ph type="sldNum" sz="quarter" idx="5"/>
+          </p:nvPr>
+        </p:nvSpPr>
+        <p:spPr/>
+        <p:txBody>
+          <a:bodyPr/>
+          <a:lstStyle/>
+          <a:p>
+            <a:fld id="{1D3658D1-CD45-44D5-81C0-61D4BA0AFDA4}" type="slidenum">
+              <a:rPr lang="en-ZA" smtClean="0"/>
+              <a:t>11</a:t>
+            </a:fld>
+            <a:endParaRPr lang="en-ZA"/>
+          </a:p>
+        </p:txBody>
+      </p:sp>
+    </p:spTree>
+    <p:extLst>
+      <p:ext uri="{BB962C8B-B14F-4D97-AF65-F5344CB8AC3E}">
+        <p14:creationId xmlns:p14="http://schemas.microsoft.com/office/powerpoint/2010/main" val="2954639509"/>
+      </p:ext>
+    </p:extLst>
+  </p:cSld>
+  <p:clrMapOvr>
+    <a:masterClrMapping/>
+  </p:clrMapOvr>
+</p:notes>
+</file>
+
+<file path=ppt/notesSlides/notesSlide12.xml><?xml version="1.0" encoding="utf-8"?>
+<p:notes xmlns:a="http://schemas.openxmlformats.org/drawingml/2006/main" xmlns:r="http://schemas.openxmlformats.org/officeDocument/2006/relationships" xmlns:p="http://schemas.openxmlformats.org/presentationml/2006/main">
+  <p:cSld>
+    <p:spTree>
+      <p:nvGrpSpPr>
+        <p:cNvPr id="1" name=""/>
+        <p:cNvGrpSpPr/>
+        <p:nvPr/>
+      </p:nvGrpSpPr>
+      <p:grpSpPr>
+        <a:xfrm>
+          <a:off x="0" y="0"/>
+          <a:ext cx="0" cy="0"/>
+          <a:chOff x="0" y="0"/>
+          <a:chExt cx="0" cy="0"/>
+        </a:xfrm>
+      </p:grpSpPr>
+      <p:sp>
+        <p:nvSpPr>
+          <p:cNvPr id="2" name="Slide Image Placeholder 1"/>
+          <p:cNvSpPr>
+            <a:spLocks noGrp="1" noRot="1" noChangeAspect="1"/>
+          </p:cNvSpPr>
+          <p:nvPr>
+            <p:ph type="sldImg"/>
+          </p:nvPr>
+        </p:nvSpPr>
+        <p:spPr/>
+      </p:sp>
+      <p:sp>
+        <p:nvSpPr>
+          <p:cNvPr id="3" name="Notes Placeholder 2"/>
+          <p:cNvSpPr>
+            <a:spLocks noGrp="1"/>
+          </p:cNvSpPr>
+          <p:nvPr>
+            <p:ph type="body" idx="1"/>
+          </p:nvPr>
+        </p:nvSpPr>
+        <p:spPr/>
+        <p:txBody>
+          <a:bodyPr/>
+          <a:lstStyle/>
+          <a:p>
+            <a:r>
+              <a:rPr lang="en-ZA" dirty="0" err="1"/>
+              <a:t>Guilliaume</a:t>
+            </a:r>
+            <a:endParaRPr lang="en-ZA" dirty="0"/>
+          </a:p>
+        </p:txBody>
+      </p:sp>
+      <p:sp>
+        <p:nvSpPr>
+          <p:cNvPr id="4" name="Slide Number Placeholder 3"/>
+          <p:cNvSpPr>
+            <a:spLocks noGrp="1"/>
+          </p:cNvSpPr>
+          <p:nvPr>
+            <p:ph type="sldNum" sz="quarter" idx="5"/>
+          </p:nvPr>
+        </p:nvSpPr>
+        <p:spPr/>
+        <p:txBody>
+          <a:bodyPr/>
+          <a:lstStyle/>
+          <a:p>
+            <a:fld id="{1D3658D1-CD45-44D5-81C0-61D4BA0AFDA4}" type="slidenum">
+              <a:rPr lang="en-ZA" smtClean="0"/>
+              <a:t>12</a:t>
+            </a:fld>
+            <a:endParaRPr lang="en-ZA"/>
+          </a:p>
+        </p:txBody>
+      </p:sp>
+    </p:spTree>
+    <p:extLst>
+      <p:ext uri="{BB962C8B-B14F-4D97-AF65-F5344CB8AC3E}">
+        <p14:creationId xmlns:p14="http://schemas.microsoft.com/office/powerpoint/2010/main" val="1049089933"/>
+      </p:ext>
+    </p:extLst>
+  </p:cSld>
+  <p:clrMapOvr>
+    <a:masterClrMapping/>
+  </p:clrMapOvr>
+</p:notes>
+</file>
+
+<file path=ppt/notesSlides/notesSlide13.xml><?xml version="1.0" encoding="utf-8"?>
+<p:notes xmlns:a="http://schemas.openxmlformats.org/drawingml/2006/main" xmlns:r="http://schemas.openxmlformats.org/officeDocument/2006/relationships" xmlns:p="http://schemas.openxmlformats.org/presentationml/2006/main">
+  <p:cSld>
+    <p:spTree>
+      <p:nvGrpSpPr>
+        <p:cNvPr id="1" name=""/>
+        <p:cNvGrpSpPr/>
+        <p:nvPr/>
+      </p:nvGrpSpPr>
+      <p:grpSpPr>
+        <a:xfrm>
+          <a:off x="0" y="0"/>
+          <a:ext cx="0" cy="0"/>
+          <a:chOff x="0" y="0"/>
+          <a:chExt cx="0" cy="0"/>
+        </a:xfrm>
+      </p:grpSpPr>
+      <p:sp>
+        <p:nvSpPr>
+          <p:cNvPr id="2" name="Slide Image Placeholder 1"/>
+          <p:cNvSpPr>
+            <a:spLocks noGrp="1" noRot="1" noChangeAspect="1"/>
+          </p:cNvSpPr>
+          <p:nvPr>
+            <p:ph type="sldImg"/>
+          </p:nvPr>
+        </p:nvSpPr>
+        <p:spPr/>
+      </p:sp>
+      <p:sp>
+        <p:nvSpPr>
+          <p:cNvPr id="3" name="Notes Placeholder 2"/>
+          <p:cNvSpPr>
+            <a:spLocks noGrp="1"/>
+          </p:cNvSpPr>
+          <p:nvPr>
+            <p:ph type="body" idx="1"/>
+          </p:nvPr>
+        </p:nvSpPr>
+        <p:spPr/>
+        <p:txBody>
+          <a:bodyPr/>
+          <a:lstStyle/>
+          <a:p>
+            <a:r>
+              <a:rPr lang="en-ZA" dirty="0" err="1"/>
+              <a:t>Guilliaume</a:t>
+            </a:r>
+            <a:endParaRPr lang="en-ZA" dirty="0"/>
+          </a:p>
+        </p:txBody>
+      </p:sp>
+      <p:sp>
+        <p:nvSpPr>
+          <p:cNvPr id="4" name="Slide Number Placeholder 3"/>
+          <p:cNvSpPr>
+            <a:spLocks noGrp="1"/>
+          </p:cNvSpPr>
+          <p:nvPr>
+            <p:ph type="sldNum" sz="quarter" idx="5"/>
+          </p:nvPr>
+        </p:nvSpPr>
+        <p:spPr/>
+        <p:txBody>
+          <a:bodyPr/>
+          <a:lstStyle/>
+          <a:p>
+            <a:fld id="{1D3658D1-CD45-44D5-81C0-61D4BA0AFDA4}" type="slidenum">
+              <a:rPr lang="en-ZA" smtClean="0"/>
+              <a:t>13</a:t>
+            </a:fld>
+            <a:endParaRPr lang="en-ZA"/>
+          </a:p>
+        </p:txBody>
+      </p:sp>
+    </p:spTree>
+    <p:extLst>
+      <p:ext uri="{BB962C8B-B14F-4D97-AF65-F5344CB8AC3E}">
+        <p14:creationId xmlns:p14="http://schemas.microsoft.com/office/powerpoint/2010/main" val="3631231485"/>
       </p:ext>
     </p:extLst>
   </p:cSld>
@@ -692,7 +1048,451 @@
           <a:bodyPr/>
           <a:lstStyle/>
           <a:p>
+            <a:r>
+              <a:rPr lang="en-US" dirty="0"/>
+              <a:t>Ruan</a:t>
+            </a:r>
+            <a:endParaRPr lang="en-ZA" dirty="0"/>
+          </a:p>
+        </p:txBody>
+      </p:sp>
+      <p:sp>
+        <p:nvSpPr>
+          <p:cNvPr id="4" name="Slide Number Placeholder 3"/>
+          <p:cNvSpPr>
+            <a:spLocks noGrp="1"/>
+          </p:cNvSpPr>
+          <p:nvPr>
+            <p:ph type="sldNum" sz="quarter" idx="5"/>
+          </p:nvPr>
+        </p:nvSpPr>
+        <p:spPr/>
+        <p:txBody>
+          <a:bodyPr/>
+          <a:lstStyle/>
+          <a:p>
+            <a:fld id="{1D3658D1-CD45-44D5-81C0-61D4BA0AFDA4}" type="slidenum">
+              <a:rPr lang="en-ZA" smtClean="0"/>
+              <a:t>3</a:t>
+            </a:fld>
             <a:endParaRPr lang="en-ZA"/>
+          </a:p>
+        </p:txBody>
+      </p:sp>
+    </p:spTree>
+    <p:extLst>
+      <p:ext uri="{BB962C8B-B14F-4D97-AF65-F5344CB8AC3E}">
+        <p14:creationId xmlns:p14="http://schemas.microsoft.com/office/powerpoint/2010/main" val="2981331901"/>
+      </p:ext>
+    </p:extLst>
+  </p:cSld>
+  <p:clrMapOvr>
+    <a:masterClrMapping/>
+  </p:clrMapOvr>
+</p:notes>
+</file>
+
+<file path=ppt/notesSlides/notesSlide4.xml><?xml version="1.0" encoding="utf-8"?>
+<p:notes xmlns:a="http://schemas.openxmlformats.org/drawingml/2006/main" xmlns:r="http://schemas.openxmlformats.org/officeDocument/2006/relationships" xmlns:p="http://schemas.openxmlformats.org/presentationml/2006/main">
+  <p:cSld>
+    <p:spTree>
+      <p:nvGrpSpPr>
+        <p:cNvPr id="1" name=""/>
+        <p:cNvGrpSpPr/>
+        <p:nvPr/>
+      </p:nvGrpSpPr>
+      <p:grpSpPr>
+        <a:xfrm>
+          <a:off x="0" y="0"/>
+          <a:ext cx="0" cy="0"/>
+          <a:chOff x="0" y="0"/>
+          <a:chExt cx="0" cy="0"/>
+        </a:xfrm>
+      </p:grpSpPr>
+      <p:sp>
+        <p:nvSpPr>
+          <p:cNvPr id="2" name="Slide Image Placeholder 1"/>
+          <p:cNvSpPr>
+            <a:spLocks noGrp="1" noRot="1" noChangeAspect="1"/>
+          </p:cNvSpPr>
+          <p:nvPr>
+            <p:ph type="sldImg"/>
+          </p:nvPr>
+        </p:nvSpPr>
+        <p:spPr/>
+      </p:sp>
+      <p:sp>
+        <p:nvSpPr>
+          <p:cNvPr id="3" name="Notes Placeholder 2"/>
+          <p:cNvSpPr>
+            <a:spLocks noGrp="1"/>
+          </p:cNvSpPr>
+          <p:nvPr>
+            <p:ph type="body" idx="1"/>
+          </p:nvPr>
+        </p:nvSpPr>
+        <p:spPr/>
+        <p:txBody>
+          <a:bodyPr/>
+          <a:lstStyle/>
+          <a:p>
+            <a:r>
+              <a:rPr lang="en-US" dirty="0"/>
+              <a:t>Ruan</a:t>
+            </a:r>
+            <a:endParaRPr lang="en-ZA" dirty="0"/>
+          </a:p>
+        </p:txBody>
+      </p:sp>
+      <p:sp>
+        <p:nvSpPr>
+          <p:cNvPr id="4" name="Slide Number Placeholder 3"/>
+          <p:cNvSpPr>
+            <a:spLocks noGrp="1"/>
+          </p:cNvSpPr>
+          <p:nvPr>
+            <p:ph type="sldNum" sz="quarter" idx="5"/>
+          </p:nvPr>
+        </p:nvSpPr>
+        <p:spPr/>
+        <p:txBody>
+          <a:bodyPr/>
+          <a:lstStyle/>
+          <a:p>
+            <a:fld id="{1D3658D1-CD45-44D5-81C0-61D4BA0AFDA4}" type="slidenum">
+              <a:rPr lang="en-ZA" smtClean="0"/>
+              <a:t>4</a:t>
+            </a:fld>
+            <a:endParaRPr lang="en-ZA"/>
+          </a:p>
+        </p:txBody>
+      </p:sp>
+    </p:spTree>
+    <p:extLst>
+      <p:ext uri="{BB962C8B-B14F-4D97-AF65-F5344CB8AC3E}">
+        <p14:creationId xmlns:p14="http://schemas.microsoft.com/office/powerpoint/2010/main" val="3996554515"/>
+      </p:ext>
+    </p:extLst>
+  </p:cSld>
+  <p:clrMapOvr>
+    <a:masterClrMapping/>
+  </p:clrMapOvr>
+</p:notes>
+</file>
+
+<file path=ppt/notesSlides/notesSlide5.xml><?xml version="1.0" encoding="utf-8"?>
+<p:notes xmlns:a="http://schemas.openxmlformats.org/drawingml/2006/main" xmlns:r="http://schemas.openxmlformats.org/officeDocument/2006/relationships" xmlns:p="http://schemas.openxmlformats.org/presentationml/2006/main">
+  <p:cSld>
+    <p:spTree>
+      <p:nvGrpSpPr>
+        <p:cNvPr id="1" name=""/>
+        <p:cNvGrpSpPr/>
+        <p:nvPr/>
+      </p:nvGrpSpPr>
+      <p:grpSpPr>
+        <a:xfrm>
+          <a:off x="0" y="0"/>
+          <a:ext cx="0" cy="0"/>
+          <a:chOff x="0" y="0"/>
+          <a:chExt cx="0" cy="0"/>
+        </a:xfrm>
+      </p:grpSpPr>
+      <p:sp>
+        <p:nvSpPr>
+          <p:cNvPr id="2" name="Slide Image Placeholder 1"/>
+          <p:cNvSpPr>
+            <a:spLocks noGrp="1" noRot="1" noChangeAspect="1"/>
+          </p:cNvSpPr>
+          <p:nvPr>
+            <p:ph type="sldImg"/>
+          </p:nvPr>
+        </p:nvSpPr>
+        <p:spPr/>
+      </p:sp>
+      <p:sp>
+        <p:nvSpPr>
+          <p:cNvPr id="3" name="Notes Placeholder 2"/>
+          <p:cNvSpPr>
+            <a:spLocks noGrp="1"/>
+          </p:cNvSpPr>
+          <p:nvPr>
+            <p:ph type="body" idx="1"/>
+          </p:nvPr>
+        </p:nvSpPr>
+        <p:spPr/>
+        <p:txBody>
+          <a:bodyPr/>
+          <a:lstStyle/>
+          <a:p>
+            <a:r>
+              <a:rPr lang="en-US" dirty="0"/>
+              <a:t>Christiaan</a:t>
+            </a:r>
+            <a:endParaRPr lang="en-ZA" dirty="0"/>
+          </a:p>
+        </p:txBody>
+      </p:sp>
+      <p:sp>
+        <p:nvSpPr>
+          <p:cNvPr id="4" name="Slide Number Placeholder 3"/>
+          <p:cNvSpPr>
+            <a:spLocks noGrp="1"/>
+          </p:cNvSpPr>
+          <p:nvPr>
+            <p:ph type="sldNum" sz="quarter" idx="5"/>
+          </p:nvPr>
+        </p:nvSpPr>
+        <p:spPr/>
+        <p:txBody>
+          <a:bodyPr/>
+          <a:lstStyle/>
+          <a:p>
+            <a:fld id="{1D3658D1-CD45-44D5-81C0-61D4BA0AFDA4}" type="slidenum">
+              <a:rPr lang="en-ZA" smtClean="0"/>
+              <a:t>5</a:t>
+            </a:fld>
+            <a:endParaRPr lang="en-ZA"/>
+          </a:p>
+        </p:txBody>
+      </p:sp>
+    </p:spTree>
+    <p:extLst>
+      <p:ext uri="{BB962C8B-B14F-4D97-AF65-F5344CB8AC3E}">
+        <p14:creationId xmlns:p14="http://schemas.microsoft.com/office/powerpoint/2010/main" val="1473865979"/>
+      </p:ext>
+    </p:extLst>
+  </p:cSld>
+  <p:clrMapOvr>
+    <a:masterClrMapping/>
+  </p:clrMapOvr>
+</p:notes>
+</file>
+
+<file path=ppt/notesSlides/notesSlide6.xml><?xml version="1.0" encoding="utf-8"?>
+<p:notes xmlns:a="http://schemas.openxmlformats.org/drawingml/2006/main" xmlns:r="http://schemas.openxmlformats.org/officeDocument/2006/relationships" xmlns:p="http://schemas.openxmlformats.org/presentationml/2006/main">
+  <p:cSld>
+    <p:spTree>
+      <p:nvGrpSpPr>
+        <p:cNvPr id="1" name=""/>
+        <p:cNvGrpSpPr/>
+        <p:nvPr/>
+      </p:nvGrpSpPr>
+      <p:grpSpPr>
+        <a:xfrm>
+          <a:off x="0" y="0"/>
+          <a:ext cx="0" cy="0"/>
+          <a:chOff x="0" y="0"/>
+          <a:chExt cx="0" cy="0"/>
+        </a:xfrm>
+      </p:grpSpPr>
+      <p:sp>
+        <p:nvSpPr>
+          <p:cNvPr id="2" name="Slide Image Placeholder 1"/>
+          <p:cNvSpPr>
+            <a:spLocks noGrp="1" noRot="1" noChangeAspect="1"/>
+          </p:cNvSpPr>
+          <p:nvPr>
+            <p:ph type="sldImg"/>
+          </p:nvPr>
+        </p:nvSpPr>
+        <p:spPr/>
+      </p:sp>
+      <p:sp>
+        <p:nvSpPr>
+          <p:cNvPr id="3" name="Notes Placeholder 2"/>
+          <p:cNvSpPr>
+            <a:spLocks noGrp="1"/>
+          </p:cNvSpPr>
+          <p:nvPr>
+            <p:ph type="body" idx="1"/>
+          </p:nvPr>
+        </p:nvSpPr>
+        <p:spPr/>
+        <p:txBody>
+          <a:bodyPr/>
+          <a:lstStyle/>
+          <a:p>
+            <a:r>
+              <a:rPr lang="en-US" dirty="0"/>
+              <a:t>Christiaan</a:t>
+            </a:r>
+            <a:endParaRPr lang="en-ZA" dirty="0"/>
+          </a:p>
+        </p:txBody>
+      </p:sp>
+      <p:sp>
+        <p:nvSpPr>
+          <p:cNvPr id="4" name="Slide Number Placeholder 3"/>
+          <p:cNvSpPr>
+            <a:spLocks noGrp="1"/>
+          </p:cNvSpPr>
+          <p:nvPr>
+            <p:ph type="sldNum" sz="quarter" idx="5"/>
+          </p:nvPr>
+        </p:nvSpPr>
+        <p:spPr/>
+        <p:txBody>
+          <a:bodyPr/>
+          <a:lstStyle/>
+          <a:p>
+            <a:fld id="{1D3658D1-CD45-44D5-81C0-61D4BA0AFDA4}" type="slidenum">
+              <a:rPr lang="en-ZA" smtClean="0"/>
+              <a:t>6</a:t>
+            </a:fld>
+            <a:endParaRPr lang="en-ZA"/>
+          </a:p>
+        </p:txBody>
+      </p:sp>
+    </p:spTree>
+    <p:extLst>
+      <p:ext uri="{BB962C8B-B14F-4D97-AF65-F5344CB8AC3E}">
+        <p14:creationId xmlns:p14="http://schemas.microsoft.com/office/powerpoint/2010/main" val="3376590940"/>
+      </p:ext>
+    </p:extLst>
+  </p:cSld>
+  <p:clrMapOvr>
+    <a:masterClrMapping/>
+  </p:clrMapOvr>
+</p:notes>
+</file>
+
+<file path=ppt/notesSlides/notesSlide7.xml><?xml version="1.0" encoding="utf-8"?>
+<p:notes xmlns:a="http://schemas.openxmlformats.org/drawingml/2006/main" xmlns:r="http://schemas.openxmlformats.org/officeDocument/2006/relationships" xmlns:p="http://schemas.openxmlformats.org/presentationml/2006/main">
+  <p:cSld>
+    <p:spTree>
+      <p:nvGrpSpPr>
+        <p:cNvPr id="1" name=""/>
+        <p:cNvGrpSpPr/>
+        <p:nvPr/>
+      </p:nvGrpSpPr>
+      <p:grpSpPr>
+        <a:xfrm>
+          <a:off x="0" y="0"/>
+          <a:ext cx="0" cy="0"/>
+          <a:chOff x="0" y="0"/>
+          <a:chExt cx="0" cy="0"/>
+        </a:xfrm>
+      </p:grpSpPr>
+      <p:sp>
+        <p:nvSpPr>
+          <p:cNvPr id="2" name="Slide Image Placeholder 1"/>
+          <p:cNvSpPr>
+            <a:spLocks noGrp="1" noRot="1" noChangeAspect="1"/>
+          </p:cNvSpPr>
+          <p:nvPr>
+            <p:ph type="sldImg"/>
+          </p:nvPr>
+        </p:nvSpPr>
+        <p:spPr/>
+      </p:sp>
+      <p:sp>
+        <p:nvSpPr>
+          <p:cNvPr id="3" name="Notes Placeholder 2"/>
+          <p:cNvSpPr>
+            <a:spLocks noGrp="1"/>
+          </p:cNvSpPr>
+          <p:nvPr>
+            <p:ph type="body" idx="1"/>
+          </p:nvPr>
+        </p:nvSpPr>
+        <p:spPr/>
+        <p:txBody>
+          <a:bodyPr/>
+          <a:lstStyle/>
+          <a:p>
+            <a:r>
+              <a:rPr lang="en-US" dirty="0"/>
+              <a:t>Damian</a:t>
+            </a:r>
+            <a:endParaRPr lang="en-ZA" dirty="0"/>
+          </a:p>
+        </p:txBody>
+      </p:sp>
+      <p:sp>
+        <p:nvSpPr>
+          <p:cNvPr id="4" name="Slide Number Placeholder 3"/>
+          <p:cNvSpPr>
+            <a:spLocks noGrp="1"/>
+          </p:cNvSpPr>
+          <p:nvPr>
+            <p:ph type="sldNum" sz="quarter" idx="5"/>
+          </p:nvPr>
+        </p:nvSpPr>
+        <p:spPr/>
+        <p:txBody>
+          <a:bodyPr/>
+          <a:lstStyle/>
+          <a:p>
+            <a:fld id="{1D3658D1-CD45-44D5-81C0-61D4BA0AFDA4}" type="slidenum">
+              <a:rPr lang="en-ZA" smtClean="0"/>
+              <a:t>7</a:t>
+            </a:fld>
+            <a:endParaRPr lang="en-ZA"/>
+          </a:p>
+        </p:txBody>
+      </p:sp>
+    </p:spTree>
+    <p:extLst>
+      <p:ext uri="{BB962C8B-B14F-4D97-AF65-F5344CB8AC3E}">
+        <p14:creationId xmlns:p14="http://schemas.microsoft.com/office/powerpoint/2010/main" val="1366289195"/>
+      </p:ext>
+    </p:extLst>
+  </p:cSld>
+  <p:clrMapOvr>
+    <a:masterClrMapping/>
+  </p:clrMapOvr>
+</p:notes>
+</file>
+
+<file path=ppt/notesSlides/notesSlide8.xml><?xml version="1.0" encoding="utf-8"?>
+<p:notes xmlns:a="http://schemas.openxmlformats.org/drawingml/2006/main" xmlns:r="http://schemas.openxmlformats.org/officeDocument/2006/relationships" xmlns:p="http://schemas.openxmlformats.org/presentationml/2006/main">
+  <p:cSld>
+    <p:spTree>
+      <p:nvGrpSpPr>
+        <p:cNvPr id="1" name=""/>
+        <p:cNvGrpSpPr/>
+        <p:nvPr/>
+      </p:nvGrpSpPr>
+      <p:grpSpPr>
+        <a:xfrm>
+          <a:off x="0" y="0"/>
+          <a:ext cx="0" cy="0"/>
+          <a:chOff x="0" y="0"/>
+          <a:chExt cx="0" cy="0"/>
+        </a:xfrm>
+      </p:grpSpPr>
+      <p:sp>
+        <p:nvSpPr>
+          <p:cNvPr id="2" name="Slide Image Placeholder 1"/>
+          <p:cNvSpPr>
+            <a:spLocks noGrp="1" noRot="1" noChangeAspect="1"/>
+          </p:cNvSpPr>
+          <p:nvPr>
+            <p:ph type="sldImg"/>
+          </p:nvPr>
+        </p:nvSpPr>
+        <p:spPr/>
+      </p:sp>
+      <p:sp>
+        <p:nvSpPr>
+          <p:cNvPr id="3" name="Notes Placeholder 2"/>
+          <p:cNvSpPr>
+            <a:spLocks noGrp="1"/>
+          </p:cNvSpPr>
+          <p:nvPr>
+            <p:ph type="body" idx="1"/>
+          </p:nvPr>
+        </p:nvSpPr>
+        <p:spPr/>
+        <p:txBody>
+          <a:bodyPr/>
+          <a:lstStyle/>
+          <a:p>
+            <a:r>
+              <a:rPr lang="en-ZA" dirty="0" err="1"/>
+              <a:t>Guilliaume</a:t>
+            </a:r>
+            <a:endParaRPr lang="en-ZA" dirty="0"/>
           </a:p>
         </p:txBody>
       </p:sp>
@@ -723,6 +1523,94 @@
     <p:extLst>
       <p:ext uri="{BB962C8B-B14F-4D97-AF65-F5344CB8AC3E}">
         <p14:creationId xmlns:p14="http://schemas.microsoft.com/office/powerpoint/2010/main" val="710217536"/>
+      </p:ext>
+    </p:extLst>
+  </p:cSld>
+  <p:clrMapOvr>
+    <a:masterClrMapping/>
+  </p:clrMapOvr>
+</p:notes>
+</file>
+
+<file path=ppt/notesSlides/notesSlide9.xml><?xml version="1.0" encoding="utf-8"?>
+<p:notes xmlns:a="http://schemas.openxmlformats.org/drawingml/2006/main" xmlns:r="http://schemas.openxmlformats.org/officeDocument/2006/relationships" xmlns:p="http://schemas.openxmlformats.org/presentationml/2006/main">
+  <p:cSld>
+    <p:spTree>
+      <p:nvGrpSpPr>
+        <p:cNvPr id="1" name=""/>
+        <p:cNvGrpSpPr/>
+        <p:nvPr/>
+      </p:nvGrpSpPr>
+      <p:grpSpPr>
+        <a:xfrm>
+          <a:off x="0" y="0"/>
+          <a:ext cx="0" cy="0"/>
+          <a:chOff x="0" y="0"/>
+          <a:chExt cx="0" cy="0"/>
+        </a:xfrm>
+      </p:grpSpPr>
+      <p:sp>
+        <p:nvSpPr>
+          <p:cNvPr id="2" name="Slide Image Placeholder 1"/>
+          <p:cNvSpPr>
+            <a:spLocks noGrp="1" noRot="1" noChangeAspect="1"/>
+          </p:cNvSpPr>
+          <p:nvPr>
+            <p:ph type="sldImg"/>
+          </p:nvPr>
+        </p:nvSpPr>
+        <p:spPr/>
+      </p:sp>
+      <p:sp>
+        <p:nvSpPr>
+          <p:cNvPr id="3" name="Notes Placeholder 2"/>
+          <p:cNvSpPr>
+            <a:spLocks noGrp="1"/>
+          </p:cNvSpPr>
+          <p:nvPr>
+            <p:ph type="body" idx="1"/>
+          </p:nvPr>
+        </p:nvSpPr>
+        <p:spPr/>
+        <p:txBody>
+          <a:bodyPr/>
+          <a:lstStyle/>
+          <a:p>
+            <a:r>
+              <a:rPr lang="en-ZA" dirty="0" err="1"/>
+              <a:t>Guilliaume</a:t>
+            </a:r>
+            <a:endParaRPr lang="en-ZA" dirty="0"/>
+          </a:p>
+        </p:txBody>
+      </p:sp>
+      <p:sp>
+        <p:nvSpPr>
+          <p:cNvPr id="4" name="Slide Number Placeholder 3"/>
+          <p:cNvSpPr>
+            <a:spLocks noGrp="1"/>
+          </p:cNvSpPr>
+          <p:nvPr>
+            <p:ph type="sldNum" sz="quarter" idx="5"/>
+          </p:nvPr>
+        </p:nvSpPr>
+        <p:spPr/>
+        <p:txBody>
+          <a:bodyPr/>
+          <a:lstStyle/>
+          <a:p>
+            <a:fld id="{1D3658D1-CD45-44D5-81C0-61D4BA0AFDA4}" type="slidenum">
+              <a:rPr lang="en-ZA" smtClean="0"/>
+              <a:t>9</a:t>
+            </a:fld>
+            <a:endParaRPr lang="en-ZA"/>
+          </a:p>
+        </p:txBody>
+      </p:sp>
+    </p:spTree>
+    <p:extLst>
+      <p:ext uri="{BB962C8B-B14F-4D97-AF65-F5344CB8AC3E}">
+        <p14:creationId xmlns:p14="http://schemas.microsoft.com/office/powerpoint/2010/main" val="2901452150"/>
       </p:ext>
     </p:extLst>
   </p:cSld>
@@ -8597,7 +9485,7 @@
           <p:nvPr/>
         </p:nvPicPr>
         <p:blipFill>
-          <a:blip r:embed="rId2">
+          <a:blip r:embed="rId3">
             <a:extLst>
               <a:ext uri="{28A0092B-C50C-407E-A947-70E740481C1C}">
                 <a14:useLocalDpi xmlns:a14="http://schemas.microsoft.com/office/drawing/2010/main" val="0"/>
@@ -11293,7 +12181,7 @@
           <p:nvPr/>
         </p:nvPicPr>
         <p:blipFill>
-          <a:blip r:embed="rId2">
+          <a:blip r:embed="rId3">
             <a:extLst>
               <a:ext uri="{28A0092B-C50C-407E-A947-70E740481C1C}">
                 <a14:useLocalDpi xmlns:a14="http://schemas.microsoft.com/office/drawing/2010/main" val="0"/>
@@ -12269,7 +13157,7 @@
           <p:nvPr/>
         </p:nvPicPr>
         <p:blipFill>
-          <a:blip r:embed="rId2">
+          <a:blip r:embed="rId3">
             <a:extLst>
               <a:ext uri="{28A0092B-C50C-407E-A947-70E740481C1C}">
                 <a14:useLocalDpi xmlns:a14="http://schemas.microsoft.com/office/drawing/2010/main" val="0"/>
